--- a/Lectures/cse220-15-program-organization.pptx
+++ b/Lectures/cse220-15-program-organization.pptx
@@ -227,7 +227,7 @@
             <a:fld id="{5FFCA113-0588-4274-BF6F-5C1EF80E94D3}" type="datetimeFigureOut">
               <a:rPr lang="en-US" smtClean="0"/>
               <a:pPr/>
-              <a:t>11/9/16</a:t>
+              <a:t>11/13/20</a:t>
             </a:fld>
             <a:endParaRPr lang="en-US"/>
           </a:p>
@@ -293,38 +293,37 @@
           <a:p>
             <a:pPr lvl="0"/>
             <a:r>
-              <a:rPr lang="en-US" smtClean="0"/>
+              <a:rPr lang="en-US"/>
               <a:t>Click to edit Master text styles</a:t>
             </a:r>
           </a:p>
           <a:p>
             <a:pPr lvl="1"/>
             <a:r>
-              <a:rPr lang="en-US" smtClean="0"/>
+              <a:rPr lang="en-US"/>
               <a:t>Second level</a:t>
             </a:r>
           </a:p>
           <a:p>
             <a:pPr lvl="2"/>
             <a:r>
-              <a:rPr lang="en-US" smtClean="0"/>
+              <a:rPr lang="en-US"/>
               <a:t>Third level</a:t>
             </a:r>
           </a:p>
           <a:p>
             <a:pPr lvl="3"/>
             <a:r>
-              <a:rPr lang="en-US" smtClean="0"/>
+              <a:rPr lang="en-US"/>
               <a:t>Fourth level</a:t>
             </a:r>
           </a:p>
           <a:p>
             <a:pPr lvl="4"/>
             <a:r>
-              <a:rPr lang="en-US" smtClean="0"/>
+              <a:rPr lang="en-US"/>
               <a:t>Fifth level</a:t>
             </a:r>
-            <a:endParaRPr lang="en-US"/>
           </a:p>
         </p:txBody>
       </p:sp>
@@ -644,7 +643,7 @@
           </a:lstStyle>
           <a:p>
             <a:r>
-              <a:rPr lang="en-US" smtClean="0"/>
+              <a:rPr lang="en-US"/>
               <a:t>Click to edit Master title style</a:t>
             </a:r>
             <a:endParaRPr lang="en-US" dirty="0"/>
@@ -717,7 +716,7 @@
           </a:lstStyle>
           <a:p>
             <a:r>
-              <a:rPr lang="en-US" smtClean="0"/>
+              <a:rPr lang="en-US"/>
               <a:t>Click to edit Master subtitle style</a:t>
             </a:r>
             <a:endParaRPr lang="en-US" dirty="0"/>
@@ -790,7 +789,7 @@
           <a:p>
             <a:fld id="{33F808F0-913D-477A-9CA6-F18B965E45CF}" type="datetime1">
               <a:rPr lang="en-US" smtClean="0"/>
-              <a:t>11/9/16</a:t>
+              <a:t>11/13/20</a:t>
             </a:fld>
             <a:endParaRPr lang="en-US"/>
           </a:p>
@@ -823,7 +822,7 @@
           </a:lstStyle>
           <a:p>
             <a:r>
-              <a:rPr lang="nb-NO" smtClean="0"/>
+              <a:rPr lang="nb-NO"/>
               <a:t>CSE 220 - C Programming | Dr. Fatme El-Moukaddem</a:t>
             </a:r>
             <a:endParaRPr lang="en-US"/>
@@ -916,7 +915,7 @@
           <a:lstStyle/>
           <a:p>
             <a:r>
-              <a:rPr lang="en-US" smtClean="0"/>
+              <a:rPr lang="en-US"/>
               <a:t>Click to edit Master title style</a:t>
             </a:r>
             <a:endParaRPr lang="en-US" dirty="0"/>
@@ -940,35 +939,35 @@
           <a:p>
             <a:pPr lvl="0"/>
             <a:r>
-              <a:rPr lang="en-US" smtClean="0"/>
+              <a:rPr lang="en-US"/>
               <a:t>Click to edit Master text styles</a:t>
             </a:r>
           </a:p>
           <a:p>
             <a:pPr lvl="1"/>
             <a:r>
-              <a:rPr lang="en-US" smtClean="0"/>
+              <a:rPr lang="en-US"/>
               <a:t>Second level</a:t>
             </a:r>
           </a:p>
           <a:p>
             <a:pPr lvl="2"/>
             <a:r>
-              <a:rPr lang="en-US" smtClean="0"/>
+              <a:rPr lang="en-US"/>
               <a:t>Third level</a:t>
             </a:r>
           </a:p>
           <a:p>
             <a:pPr lvl="3"/>
             <a:r>
-              <a:rPr lang="en-US" smtClean="0"/>
+              <a:rPr lang="en-US"/>
               <a:t>Fourth level</a:t>
             </a:r>
           </a:p>
           <a:p>
             <a:pPr lvl="4"/>
             <a:r>
-              <a:rPr lang="en-US" smtClean="0"/>
+              <a:rPr lang="en-US"/>
               <a:t>Fifth level</a:t>
             </a:r>
             <a:endParaRPr lang="en-US" dirty="0"/>
@@ -992,7 +991,7 @@
           <a:p>
             <a:fld id="{F876455D-377A-4D1E-B670-E39358B7E717}" type="datetime1">
               <a:rPr lang="en-US" smtClean="0"/>
-              <a:t>11/9/16</a:t>
+              <a:t>11/13/20</a:t>
             </a:fld>
             <a:endParaRPr lang="en-US"/>
           </a:p>
@@ -1014,7 +1013,7 @@
           <a:lstStyle/>
           <a:p>
             <a:r>
-              <a:rPr lang="nb-NO" smtClean="0"/>
+              <a:rPr lang="nb-NO"/>
               <a:t>CSE 220 - C Programming | Dr. Fatme El-Moukaddem</a:t>
             </a:r>
             <a:endParaRPr lang="en-US"/>
@@ -1096,7 +1095,7 @@
           <a:lstStyle/>
           <a:p>
             <a:r>
-              <a:rPr lang="en-US" smtClean="0"/>
+              <a:rPr lang="en-US"/>
               <a:t>Click to edit Master title style</a:t>
             </a:r>
             <a:endParaRPr lang="en-US" dirty="0"/>
@@ -1125,35 +1124,35 @@
           <a:p>
             <a:pPr lvl="0"/>
             <a:r>
-              <a:rPr lang="en-US" smtClean="0"/>
+              <a:rPr lang="en-US"/>
               <a:t>Click to edit Master text styles</a:t>
             </a:r>
           </a:p>
           <a:p>
             <a:pPr lvl="1"/>
             <a:r>
-              <a:rPr lang="en-US" smtClean="0"/>
+              <a:rPr lang="en-US"/>
               <a:t>Second level</a:t>
             </a:r>
           </a:p>
           <a:p>
             <a:pPr lvl="2"/>
             <a:r>
-              <a:rPr lang="en-US" smtClean="0"/>
+              <a:rPr lang="en-US"/>
               <a:t>Third level</a:t>
             </a:r>
           </a:p>
           <a:p>
             <a:pPr lvl="3"/>
             <a:r>
-              <a:rPr lang="en-US" smtClean="0"/>
+              <a:rPr lang="en-US"/>
               <a:t>Fourth level</a:t>
             </a:r>
           </a:p>
           <a:p>
             <a:pPr lvl="4"/>
             <a:r>
-              <a:rPr lang="en-US" smtClean="0"/>
+              <a:rPr lang="en-US"/>
               <a:t>Fifth level</a:t>
             </a:r>
             <a:endParaRPr lang="en-US" dirty="0"/>
@@ -1177,7 +1176,7 @@
           <a:p>
             <a:fld id="{D0B4FA99-918F-4F8A-B9C1-3067B0137FB2}" type="datetime1">
               <a:rPr lang="en-US" smtClean="0"/>
-              <a:t>11/9/16</a:t>
+              <a:t>11/13/20</a:t>
             </a:fld>
             <a:endParaRPr lang="en-US"/>
           </a:p>
@@ -1199,7 +1198,7 @@
           <a:lstStyle/>
           <a:p>
             <a:r>
-              <a:rPr lang="nb-NO" smtClean="0"/>
+              <a:rPr lang="nb-NO"/>
               <a:t>CSE 220 - C Programming | Dr. Fatme El-Moukaddem</a:t>
             </a:r>
             <a:endParaRPr lang="en-US"/>
@@ -1281,7 +1280,7 @@
           <a:lstStyle/>
           <a:p>
             <a:r>
-              <a:rPr lang="en-US" smtClean="0"/>
+              <a:rPr lang="en-US"/>
               <a:t>Click to edit Master title style</a:t>
             </a:r>
             <a:endParaRPr lang="en-US" dirty="0"/>
@@ -1305,35 +1304,35 @@
           <a:p>
             <a:pPr lvl="0"/>
             <a:r>
-              <a:rPr lang="en-US" smtClean="0"/>
+              <a:rPr lang="en-US"/>
               <a:t>Click to edit Master text styles</a:t>
             </a:r>
           </a:p>
           <a:p>
             <a:pPr lvl="1"/>
             <a:r>
-              <a:rPr lang="en-US" smtClean="0"/>
+              <a:rPr lang="en-US"/>
               <a:t>Second level</a:t>
             </a:r>
           </a:p>
           <a:p>
             <a:pPr lvl="2"/>
             <a:r>
-              <a:rPr lang="en-US" smtClean="0"/>
+              <a:rPr lang="en-US"/>
               <a:t>Third level</a:t>
             </a:r>
           </a:p>
           <a:p>
             <a:pPr lvl="3"/>
             <a:r>
-              <a:rPr lang="en-US" smtClean="0"/>
+              <a:rPr lang="en-US"/>
               <a:t>Fourth level</a:t>
             </a:r>
           </a:p>
           <a:p>
             <a:pPr lvl="4"/>
             <a:r>
-              <a:rPr lang="en-US" smtClean="0"/>
+              <a:rPr lang="en-US"/>
               <a:t>Fifth level</a:t>
             </a:r>
             <a:endParaRPr lang="en-US" dirty="0"/>
@@ -1357,7 +1356,7 @@
           <a:p>
             <a:fld id="{63934DF3-3970-42FB-90D2-A9B99EA4895D}" type="datetime1">
               <a:rPr lang="en-US" smtClean="0"/>
-              <a:t>11/9/16</a:t>
+              <a:t>11/13/20</a:t>
             </a:fld>
             <a:endParaRPr lang="en-US" dirty="0"/>
           </a:p>
@@ -1466,7 +1465,7 @@
           </a:lstStyle>
           <a:p>
             <a:r>
-              <a:rPr lang="en-US" smtClean="0"/>
+              <a:rPr lang="en-US"/>
               <a:t>Click to edit Master title style</a:t>
             </a:r>
             <a:endParaRPr lang="en-US" dirty="0"/>
@@ -1589,7 +1588,7 @@
           <a:p>
             <a:pPr lvl="0"/>
             <a:r>
-              <a:rPr lang="en-US" smtClean="0"/>
+              <a:rPr lang="en-US"/>
               <a:t>Click to edit Master text styles</a:t>
             </a:r>
           </a:p>
@@ -1612,7 +1611,7 @@
           <a:p>
             <a:fld id="{D5B9A1E4-22D3-42A9-8BE0-61674E6AF57E}" type="datetime1">
               <a:rPr lang="en-US" smtClean="0"/>
-              <a:t>11/9/16</a:t>
+              <a:t>11/13/20</a:t>
             </a:fld>
             <a:endParaRPr lang="en-US"/>
           </a:p>
@@ -1634,7 +1633,7 @@
           <a:lstStyle/>
           <a:p>
             <a:r>
-              <a:rPr lang="nb-NO" smtClean="0"/>
+              <a:rPr lang="nb-NO"/>
               <a:t>CSE 220 - C Programming | Dr. Fatme El-Moukaddem</a:t>
             </a:r>
             <a:endParaRPr lang="en-US"/>
@@ -1754,7 +1753,7 @@
           <a:lstStyle/>
           <a:p>
             <a:r>
-              <a:rPr lang="en-US" smtClean="0"/>
+              <a:rPr lang="en-US"/>
               <a:t>Click to edit Master title style</a:t>
             </a:r>
             <a:endParaRPr lang="en-US" dirty="0"/>
@@ -1811,35 +1810,35 @@
           <a:p>
             <a:pPr lvl="0"/>
             <a:r>
-              <a:rPr lang="en-US" smtClean="0"/>
+              <a:rPr lang="en-US"/>
               <a:t>Click to edit Master text styles</a:t>
             </a:r>
           </a:p>
           <a:p>
             <a:pPr lvl="1"/>
             <a:r>
-              <a:rPr lang="en-US" smtClean="0"/>
+              <a:rPr lang="en-US"/>
               <a:t>Second level</a:t>
             </a:r>
           </a:p>
           <a:p>
             <a:pPr lvl="2"/>
             <a:r>
-              <a:rPr lang="en-US" smtClean="0"/>
+              <a:rPr lang="en-US"/>
               <a:t>Third level</a:t>
             </a:r>
           </a:p>
           <a:p>
             <a:pPr lvl="3"/>
             <a:r>
-              <a:rPr lang="en-US" smtClean="0"/>
+              <a:rPr lang="en-US"/>
               <a:t>Fourth level</a:t>
             </a:r>
           </a:p>
           <a:p>
             <a:pPr lvl="4"/>
             <a:r>
-              <a:rPr lang="en-US" smtClean="0"/>
+              <a:rPr lang="en-US"/>
               <a:t>Fifth level</a:t>
             </a:r>
             <a:endParaRPr lang="en-US" dirty="0"/>
@@ -1896,35 +1895,35 @@
           <a:p>
             <a:pPr lvl="0"/>
             <a:r>
-              <a:rPr lang="en-US" smtClean="0"/>
+              <a:rPr lang="en-US"/>
               <a:t>Click to edit Master text styles</a:t>
             </a:r>
           </a:p>
           <a:p>
             <a:pPr lvl="1"/>
             <a:r>
-              <a:rPr lang="en-US" smtClean="0"/>
+              <a:rPr lang="en-US"/>
               <a:t>Second level</a:t>
             </a:r>
           </a:p>
           <a:p>
             <a:pPr lvl="2"/>
             <a:r>
-              <a:rPr lang="en-US" smtClean="0"/>
+              <a:rPr lang="en-US"/>
               <a:t>Third level</a:t>
             </a:r>
           </a:p>
           <a:p>
             <a:pPr lvl="3"/>
             <a:r>
-              <a:rPr lang="en-US" smtClean="0"/>
+              <a:rPr lang="en-US"/>
               <a:t>Fourth level</a:t>
             </a:r>
           </a:p>
           <a:p>
             <a:pPr lvl="4"/>
             <a:r>
-              <a:rPr lang="en-US" smtClean="0"/>
+              <a:rPr lang="en-US"/>
               <a:t>Fifth level</a:t>
             </a:r>
             <a:endParaRPr lang="en-US" dirty="0"/>
@@ -1948,7 +1947,7 @@
           <a:p>
             <a:fld id="{024F3097-9EFE-4D82-AC52-9D1E9CD75C0B}" type="datetime1">
               <a:rPr lang="en-US" smtClean="0"/>
-              <a:t>11/9/16</a:t>
+              <a:t>11/13/20</a:t>
             </a:fld>
             <a:endParaRPr lang="en-US" dirty="0"/>
           </a:p>
@@ -1971,7 +1970,7 @@
           <a:p>
             <a:pPr algn="r"/>
             <a:r>
-              <a:rPr lang="nb-NO" smtClean="0"/>
+              <a:rPr lang="nb-NO"/>
               <a:t>CSE 220 - C Programming | Dr. Fatme El-Moukaddem</a:t>
             </a:r>
             <a:endParaRPr lang="en-US" dirty="0"/>
@@ -2049,7 +2048,7 @@
           <a:lstStyle/>
           <a:p>
             <a:r>
-              <a:rPr lang="en-US" smtClean="0"/>
+              <a:rPr lang="en-US"/>
               <a:t>Click to edit Master title style</a:t>
             </a:r>
             <a:endParaRPr lang="en-US" dirty="0"/>
@@ -2124,7 +2123,7 @@
           <a:p>
             <a:pPr lvl="0"/>
             <a:r>
-              <a:rPr lang="en-US" smtClean="0"/>
+              <a:rPr lang="en-US"/>
               <a:t>Click to edit Master text styles</a:t>
             </a:r>
           </a:p>
@@ -2180,35 +2179,35 @@
           <a:p>
             <a:pPr lvl="0"/>
             <a:r>
-              <a:rPr lang="en-US" smtClean="0"/>
+              <a:rPr lang="en-US"/>
               <a:t>Click to edit Master text styles</a:t>
             </a:r>
           </a:p>
           <a:p>
             <a:pPr lvl="1"/>
             <a:r>
-              <a:rPr lang="en-US" smtClean="0"/>
+              <a:rPr lang="en-US"/>
               <a:t>Second level</a:t>
             </a:r>
           </a:p>
           <a:p>
             <a:pPr lvl="2"/>
             <a:r>
-              <a:rPr lang="en-US" smtClean="0"/>
+              <a:rPr lang="en-US"/>
               <a:t>Third level</a:t>
             </a:r>
           </a:p>
           <a:p>
             <a:pPr lvl="3"/>
             <a:r>
-              <a:rPr lang="en-US" smtClean="0"/>
+              <a:rPr lang="en-US"/>
               <a:t>Fourth level</a:t>
             </a:r>
           </a:p>
           <a:p>
             <a:pPr lvl="4"/>
             <a:r>
-              <a:rPr lang="en-US" smtClean="0"/>
+              <a:rPr lang="en-US"/>
               <a:t>Fifth level</a:t>
             </a:r>
             <a:endParaRPr lang="en-US" dirty="0"/>
@@ -2267,7 +2266,7 @@
               <a:buNone/>
             </a:pPr>
             <a:r>
-              <a:rPr lang="en-US" smtClean="0"/>
+              <a:rPr lang="en-US"/>
               <a:t>Click to edit Master text styles</a:t>
             </a:r>
           </a:p>
@@ -2323,35 +2322,35 @@
           <a:p>
             <a:pPr lvl="0"/>
             <a:r>
-              <a:rPr lang="en-US" smtClean="0"/>
+              <a:rPr lang="en-US"/>
               <a:t>Click to edit Master text styles</a:t>
             </a:r>
           </a:p>
           <a:p>
             <a:pPr lvl="1"/>
             <a:r>
-              <a:rPr lang="en-US" smtClean="0"/>
+              <a:rPr lang="en-US"/>
               <a:t>Second level</a:t>
             </a:r>
           </a:p>
           <a:p>
             <a:pPr lvl="2"/>
             <a:r>
-              <a:rPr lang="en-US" smtClean="0"/>
+              <a:rPr lang="en-US"/>
               <a:t>Third level</a:t>
             </a:r>
           </a:p>
           <a:p>
             <a:pPr lvl="3"/>
             <a:r>
-              <a:rPr lang="en-US" smtClean="0"/>
+              <a:rPr lang="en-US"/>
               <a:t>Fourth level</a:t>
             </a:r>
           </a:p>
           <a:p>
             <a:pPr lvl="4"/>
             <a:r>
-              <a:rPr lang="en-US" smtClean="0"/>
+              <a:rPr lang="en-US"/>
               <a:t>Fifth level</a:t>
             </a:r>
             <a:endParaRPr lang="en-US" dirty="0"/>
@@ -2375,7 +2374,7 @@
           <a:p>
             <a:fld id="{1F2D1777-7662-4FEC-BEC3-810ADE438E61}" type="datetime1">
               <a:rPr lang="en-US" smtClean="0"/>
-              <a:t>11/9/16</a:t>
+              <a:t>11/13/20</a:t>
             </a:fld>
             <a:endParaRPr lang="en-US"/>
           </a:p>
@@ -2397,7 +2396,7 @@
           <a:lstStyle/>
           <a:p>
             <a:r>
-              <a:rPr lang="nb-NO" smtClean="0"/>
+              <a:rPr lang="nb-NO"/>
               <a:t>CSE 220 - C Programming | Dr. Fatme El-Moukaddem</a:t>
             </a:r>
             <a:endParaRPr lang="en-US"/>
@@ -2474,7 +2473,7 @@
           <a:lstStyle/>
           <a:p>
             <a:r>
-              <a:rPr lang="en-US" smtClean="0"/>
+              <a:rPr lang="en-US"/>
               <a:t>Click to edit Master title style</a:t>
             </a:r>
             <a:endParaRPr lang="en-US" dirty="0"/>
@@ -2498,7 +2497,7 @@
           <a:p>
             <a:fld id="{8B3A19C1-2605-4D7A-B7AE-B9C46F829AB4}" type="datetime1">
               <a:rPr lang="en-US" smtClean="0"/>
-              <a:t>11/9/16</a:t>
+              <a:t>11/13/20</a:t>
             </a:fld>
             <a:endParaRPr lang="en-US"/>
           </a:p>
@@ -2520,7 +2519,7 @@
           <a:lstStyle/>
           <a:p>
             <a:r>
-              <a:rPr lang="nb-NO" smtClean="0"/>
+              <a:rPr lang="nb-NO"/>
               <a:t>CSE 220 - C Programming | Dr. Fatme El-Moukaddem</a:t>
             </a:r>
             <a:endParaRPr lang="en-US"/>
@@ -2598,7 +2597,7 @@
           <a:p>
             <a:fld id="{7F3EB4FF-F681-4C4B-B5A3-2E84619FD695}" type="datetime1">
               <a:rPr lang="en-US" smtClean="0"/>
-              <a:t>11/9/16</a:t>
+              <a:t>11/13/20</a:t>
             </a:fld>
             <a:endParaRPr lang="en-US"/>
           </a:p>
@@ -2620,7 +2619,7 @@
           <a:lstStyle/>
           <a:p>
             <a:r>
-              <a:rPr lang="nb-NO" smtClean="0"/>
+              <a:rPr lang="nb-NO"/>
               <a:t>CSE 220 - C Programming | Dr. Fatme El-Moukaddem</a:t>
             </a:r>
             <a:endParaRPr lang="en-US"/>
@@ -2708,7 +2707,7 @@
           </a:lstStyle>
           <a:p>
             <a:r>
-              <a:rPr lang="en-US" smtClean="0"/>
+              <a:rPr lang="en-US"/>
               <a:t>Click to edit Master title style</a:t>
             </a:r>
             <a:endParaRPr lang="en-US" dirty="0"/>
@@ -2765,35 +2764,35 @@
           <a:p>
             <a:pPr lvl="0"/>
             <a:r>
-              <a:rPr lang="en-US" smtClean="0"/>
+              <a:rPr lang="en-US"/>
               <a:t>Click to edit Master text styles</a:t>
             </a:r>
           </a:p>
           <a:p>
             <a:pPr lvl="1"/>
             <a:r>
-              <a:rPr lang="en-US" smtClean="0"/>
+              <a:rPr lang="en-US"/>
               <a:t>Second level</a:t>
             </a:r>
           </a:p>
           <a:p>
             <a:pPr lvl="2"/>
             <a:r>
-              <a:rPr lang="en-US" smtClean="0"/>
+              <a:rPr lang="en-US"/>
               <a:t>Third level</a:t>
             </a:r>
           </a:p>
           <a:p>
             <a:pPr lvl="3"/>
             <a:r>
-              <a:rPr lang="en-US" smtClean="0"/>
+              <a:rPr lang="en-US"/>
               <a:t>Fourth level</a:t>
             </a:r>
           </a:p>
           <a:p>
             <a:pPr lvl="4"/>
             <a:r>
-              <a:rPr lang="en-US" smtClean="0"/>
+              <a:rPr lang="en-US"/>
               <a:t>Fifth level</a:t>
             </a:r>
             <a:endParaRPr lang="en-US" dirty="0"/>
@@ -2867,7 +2866,7 @@
           <a:p>
             <a:pPr lvl="0"/>
             <a:r>
-              <a:rPr lang="en-US" smtClean="0"/>
+              <a:rPr lang="en-US"/>
               <a:t>Click to edit Master text styles</a:t>
             </a:r>
           </a:p>
@@ -2890,7 +2889,7 @@
           <a:p>
             <a:fld id="{789FCD9B-598C-4B8C-9A44-38ABFA66C3CA}" type="datetime1">
               <a:rPr lang="en-US" smtClean="0"/>
-              <a:t>11/9/16</a:t>
+              <a:t>11/13/20</a:t>
             </a:fld>
             <a:endParaRPr lang="en-US"/>
           </a:p>
@@ -2912,7 +2911,7 @@
           <a:lstStyle/>
           <a:p>
             <a:r>
-              <a:rPr lang="nb-NO" smtClean="0"/>
+              <a:rPr lang="nb-NO"/>
               <a:t>CSE 220 - C Programming | Dr. Fatme El-Moukaddem</a:t>
             </a:r>
             <a:endParaRPr lang="en-US"/>
@@ -3042,7 +3041,7 @@
           </a:lstStyle>
           <a:p>
             <a:r>
-              <a:rPr lang="en-US" smtClean="0"/>
+              <a:rPr lang="en-US"/>
               <a:t>Click to edit Master title style</a:t>
             </a:r>
             <a:endParaRPr lang="en-US" dirty="0"/>
@@ -3117,7 +3116,7 @@
           </a:lstStyle>
           <a:p>
             <a:r>
-              <a:rPr lang="en-US" smtClean="0"/>
+              <a:rPr lang="en-US"/>
               <a:t>Drag picture to placeholder or click icon to add</a:t>
             </a:r>
             <a:endParaRPr lang="en-US" dirty="0"/>
@@ -3197,7 +3196,7 @@
           <a:p>
             <a:pPr lvl="0"/>
             <a:r>
-              <a:rPr lang="en-US" smtClean="0"/>
+              <a:rPr lang="en-US"/>
               <a:t>Click to edit Master text styles</a:t>
             </a:r>
           </a:p>
@@ -3220,7 +3219,7 @@
           <a:p>
             <a:fld id="{12B69455-5397-4708-A123-B7BEC8168560}" type="datetime1">
               <a:rPr lang="en-US" smtClean="0"/>
-              <a:t>11/9/16</a:t>
+              <a:t>11/13/20</a:t>
             </a:fld>
             <a:endParaRPr lang="en-US"/>
           </a:p>
@@ -3242,7 +3241,7 @@
           <a:lstStyle/>
           <a:p>
             <a:r>
-              <a:rPr lang="nb-NO" smtClean="0"/>
+              <a:rPr lang="nb-NO"/>
               <a:t>CSE 220 - C Programming | Dr. Fatme El-Moukaddem</a:t>
             </a:r>
             <a:endParaRPr lang="en-US"/>
@@ -3374,7 +3373,7 @@
           <a:lstStyle/>
           <a:p>
             <a:r>
-              <a:rPr lang="en-US" smtClean="0"/>
+              <a:rPr lang="en-US"/>
               <a:t>Click to edit Master title style</a:t>
             </a:r>
             <a:endParaRPr lang="en-US" dirty="0"/>
@@ -3408,35 +3407,35 @@
           <a:p>
             <a:pPr lvl="0"/>
             <a:r>
-              <a:rPr lang="en-US" smtClean="0"/>
+              <a:rPr lang="en-US"/>
               <a:t>Click to edit Master text styles</a:t>
             </a:r>
           </a:p>
           <a:p>
             <a:pPr lvl="1"/>
             <a:r>
-              <a:rPr lang="en-US" smtClean="0"/>
+              <a:rPr lang="en-US"/>
               <a:t>Second level</a:t>
             </a:r>
           </a:p>
           <a:p>
             <a:pPr lvl="2"/>
             <a:r>
-              <a:rPr lang="en-US" smtClean="0"/>
+              <a:rPr lang="en-US"/>
               <a:t>Third level</a:t>
             </a:r>
           </a:p>
           <a:p>
             <a:pPr lvl="3"/>
             <a:r>
-              <a:rPr lang="en-US" smtClean="0"/>
+              <a:rPr lang="en-US"/>
               <a:t>Fourth level</a:t>
             </a:r>
           </a:p>
           <a:p>
             <a:pPr lvl="4"/>
             <a:r>
-              <a:rPr lang="en-US" smtClean="0"/>
+              <a:rPr lang="en-US"/>
               <a:t>Fifth level</a:t>
             </a:r>
             <a:endParaRPr lang="en-US" dirty="0"/>
@@ -3479,7 +3478,7 @@
           <a:p>
             <a:fld id="{A56FC23F-F40F-4A49-BC09-A880359CAB63}" type="datetime1">
               <a:rPr lang="en-US" smtClean="0"/>
-              <a:t>11/9/16</a:t>
+              <a:t>11/13/20</a:t>
             </a:fld>
             <a:endParaRPr lang="en-US"/>
           </a:p>
@@ -3520,7 +3519,7 @@
           </a:lstStyle>
           <a:p>
             <a:r>
-              <a:rPr lang="nb-NO" smtClean="0"/>
+              <a:rPr lang="nb-NO"/>
               <a:t>CSE 220 - C Programming | Dr. Fatme El-Moukaddem</a:t>
             </a:r>
             <a:endParaRPr lang="en-US"/>
@@ -3994,17 +3993,9 @@
           <a:lstStyle/>
           <a:p>
             <a:r>
-              <a:rPr lang="en-US" dirty="0" smtClean="0"/>
+              <a:rPr lang="en-US" dirty="0"/>
               <a:t>CSE 220 – C Programming</a:t>
             </a:r>
-            <a:br>
-              <a:rPr lang="en-US" dirty="0" smtClean="0"/>
-            </a:br>
-            <a:r>
-              <a:rPr lang="en-US" dirty="0" smtClean="0"/>
-              <a:t>Fall 2013</a:t>
-            </a:r>
-            <a:endParaRPr lang="en-US" dirty="0"/>
           </a:p>
         </p:txBody>
       </p:sp>
@@ -4024,18 +4015,13 @@
           <a:lstStyle/>
           <a:p>
             <a:r>
-              <a:rPr lang="en-US" dirty="0" smtClean="0">
+              <a:rPr lang="en-US" dirty="0">
                 <a:solidFill>
                   <a:schemeClr val="tx1"/>
                 </a:solidFill>
               </a:rPr>
               <a:t>Program Organization</a:t>
             </a:r>
-            <a:endParaRPr lang="en-US" dirty="0">
-              <a:solidFill>
-                <a:schemeClr val="tx1"/>
-              </a:solidFill>
-            </a:endParaRPr>
           </a:p>
         </p:txBody>
       </p:sp>
@@ -4049,13 +4035,6 @@
   <p:clrMapOvr>
     <a:masterClrMapping/>
   </p:clrMapOvr>
-  <p:timing>
-    <p:tnLst>
-      <p:par>
-        <p:cTn id="1" dur="indefinite" restart="never" nodeType="tmRoot"/>
-      </p:par>
-    </p:tnLst>
-  </p:timing>
 </p:sld>
 </file>
 
@@ -4092,10 +4071,9 @@
           <a:lstStyle/>
           <a:p>
             <a:r>
-              <a:rPr lang="en-US" dirty="0" smtClean="0"/>
+              <a:rPr lang="en-US" dirty="0"/>
               <a:t>External Variables</a:t>
             </a:r>
-            <a:endParaRPr lang="en-US" dirty="0"/>
           </a:p>
         </p:txBody>
       </p:sp>
@@ -4119,7 +4097,7 @@
             <a:pPr marL="457200" lvl="1" indent="0">
               <a:buNone/>
             </a:pPr>
-            <a:endParaRPr lang="en-US" dirty="0" smtClean="0">
+            <a:endParaRPr lang="en-US" dirty="0">
               <a:solidFill>
                 <a:srgbClr val="000099"/>
               </a:solidFill>
@@ -4129,7 +4107,7 @@
             <a:pPr marL="457200" lvl="1" indent="0">
               <a:buNone/>
             </a:pPr>
-            <a:endParaRPr lang="en-US" dirty="0" smtClean="0">
+            <a:endParaRPr lang="en-US" dirty="0">
               <a:solidFill>
                 <a:srgbClr val="000099"/>
               </a:solidFill>
@@ -4190,7 +4168,7 @@
           <a:lstStyle/>
           <a:p>
             <a:r>
-              <a:rPr lang="en-US" sz="2000" dirty="0" smtClean="0">
+              <a:rPr lang="en-US" sz="2000" dirty="0">
                 <a:solidFill>
                   <a:srgbClr val="000099"/>
                 </a:solidFill>
@@ -4201,7 +4179,7 @@
               <a:t>#include &lt;</a:t>
             </a:r>
             <a:r>
-              <a:rPr lang="en-US" sz="2000" dirty="0" err="1" smtClean="0">
+              <a:rPr lang="en-US" sz="2000" dirty="0" err="1">
                 <a:solidFill>
                   <a:srgbClr val="000099"/>
                 </a:solidFill>
@@ -4212,7 +4190,7 @@
               <a:t>stdio.h</a:t>
             </a:r>
             <a:r>
-              <a:rPr lang="en-US" sz="2000" dirty="0" smtClean="0">
+              <a:rPr lang="en-US" sz="2000" dirty="0">
                 <a:solidFill>
                   <a:srgbClr val="000099"/>
                 </a:solidFill>
@@ -4225,7 +4203,7 @@
           </a:p>
           <a:p>
             <a:r>
-              <a:rPr lang="en-US" sz="2000" dirty="0" smtClean="0">
+              <a:rPr lang="en-US" sz="2000" dirty="0">
                 <a:solidFill>
                   <a:srgbClr val="000099"/>
                 </a:solidFill>
@@ -4237,60 +4215,6 @@
             </a:r>
           </a:p>
           <a:p>
-            <a:endParaRPr lang="en-US" sz="2000" dirty="0" smtClean="0">
-              <a:solidFill>
-                <a:srgbClr val="000099"/>
-              </a:solidFill>
-              <a:latin typeface="Consolas" charset="0"/>
-              <a:ea typeface="Consolas" charset="0"/>
-              <a:cs typeface="Consolas" charset="0"/>
-            </a:endParaRPr>
-          </a:p>
-          <a:p>
-            <a:r>
-              <a:rPr lang="en-US" sz="2000" dirty="0" err="1" smtClean="0">
-                <a:solidFill>
-                  <a:srgbClr val="000099"/>
-                </a:solidFill>
-                <a:latin typeface="Consolas" charset="0"/>
-                <a:ea typeface="Consolas" charset="0"/>
-                <a:cs typeface="Consolas" charset="0"/>
-              </a:rPr>
-              <a:t>int</a:t>
-            </a:r>
-            <a:r>
-              <a:rPr lang="en-US" sz="2000" dirty="0" smtClean="0">
-                <a:solidFill>
-                  <a:srgbClr val="000099"/>
-                </a:solidFill>
-                <a:latin typeface="Consolas" charset="0"/>
-                <a:ea typeface="Consolas" charset="0"/>
-                <a:cs typeface="Consolas" charset="0"/>
-              </a:rPr>
-              <a:t> </a:t>
-            </a:r>
-            <a:r>
-              <a:rPr lang="en-US" sz="2000" dirty="0" smtClean="0">
-                <a:solidFill>
-                  <a:srgbClr val="FF0000"/>
-                </a:solidFill>
-                <a:latin typeface="Consolas" charset="0"/>
-                <a:ea typeface="Consolas" charset="0"/>
-                <a:cs typeface="Consolas" charset="0"/>
-              </a:rPr>
-              <a:t>content</a:t>
-            </a:r>
-            <a:r>
-              <a:rPr lang="en-US" sz="2000" dirty="0" smtClean="0">
-                <a:solidFill>
-                  <a:srgbClr val="000099"/>
-                </a:solidFill>
-                <a:latin typeface="Consolas" charset="0"/>
-                <a:ea typeface="Consolas" charset="0"/>
-                <a:cs typeface="Consolas" charset="0"/>
-              </a:rPr>
-              <a:t>[MAXSZ];</a:t>
-            </a:r>
             <a:endParaRPr lang="en-US" sz="2000" dirty="0">
               <a:solidFill>
                 <a:srgbClr val="000099"/>
@@ -4302,7 +4226,7 @@
           </a:p>
           <a:p>
             <a:r>
-              <a:rPr lang="en-US" sz="2000" dirty="0" err="1" smtClean="0">
+              <a:rPr lang="en-US" sz="2000" dirty="0" err="1">
                 <a:solidFill>
                   <a:srgbClr val="000099"/>
                 </a:solidFill>
@@ -4313,7 +4237,7 @@
               <a:t>int</a:t>
             </a:r>
             <a:r>
-              <a:rPr lang="en-US" sz="2000" dirty="0" smtClean="0">
+              <a:rPr lang="en-US" sz="2000" dirty="0">
                 <a:solidFill>
                   <a:srgbClr val="000099"/>
                 </a:solidFill>
@@ -4324,7 +4248,53 @@
               <a:t> </a:t>
             </a:r>
             <a:r>
-              <a:rPr lang="en-US" sz="2000" dirty="0" smtClean="0">
+              <a:rPr lang="en-US" sz="2000" dirty="0">
+                <a:solidFill>
+                  <a:srgbClr val="FF0000"/>
+                </a:solidFill>
+                <a:latin typeface="Consolas" charset="0"/>
+                <a:ea typeface="Consolas" charset="0"/>
+                <a:cs typeface="Consolas" charset="0"/>
+              </a:rPr>
+              <a:t>content</a:t>
+            </a:r>
+            <a:r>
+              <a:rPr lang="en-US" sz="2000" dirty="0">
+                <a:solidFill>
+                  <a:srgbClr val="000099"/>
+                </a:solidFill>
+                <a:latin typeface="Consolas" charset="0"/>
+                <a:ea typeface="Consolas" charset="0"/>
+                <a:cs typeface="Consolas" charset="0"/>
+              </a:rPr>
+              <a:t>[MAXSZ];</a:t>
+            </a:r>
+          </a:p>
+          <a:p>
+            <a:r>
+              <a:rPr lang="en-US" sz="2000" dirty="0" err="1">
+                <a:solidFill>
+                  <a:srgbClr val="000099"/>
+                </a:solidFill>
+                <a:latin typeface="Consolas" charset="0"/>
+                <a:ea typeface="Consolas" charset="0"/>
+                <a:cs typeface="Consolas" charset="0"/>
+              </a:rPr>
+              <a:t>int</a:t>
+            </a:r>
+            <a:r>
+              <a:rPr lang="en-US" sz="2000" dirty="0">
+                <a:solidFill>
+                  <a:srgbClr val="000099"/>
+                </a:solidFill>
+                <a:latin typeface="Consolas" charset="0"/>
+                <a:ea typeface="Consolas" charset="0"/>
+                <a:cs typeface="Consolas" charset="0"/>
+              </a:rPr>
+              <a:t> </a:t>
+            </a:r>
+            <a:r>
+              <a:rPr lang="en-US" sz="2000" dirty="0">
                 <a:solidFill>
                   <a:srgbClr val="00B050"/>
                 </a:solidFill>
@@ -4335,7 +4305,7 @@
               <a:t>last</a:t>
             </a:r>
             <a:r>
-              <a:rPr lang="en-US" sz="2000" dirty="0" smtClean="0">
+              <a:rPr lang="en-US" sz="2000" dirty="0">
                 <a:solidFill>
                   <a:srgbClr val="000099"/>
                 </a:solidFill>
@@ -4347,7 +4317,7 @@
             </a:r>
           </a:p>
           <a:p>
-            <a:endParaRPr lang="en-US" sz="2000" dirty="0" smtClean="0">
+            <a:endParaRPr lang="en-US" sz="2000" dirty="0">
               <a:solidFill>
                 <a:srgbClr val="000099"/>
               </a:solidFill>
@@ -4358,7 +4328,7 @@
           </a:p>
           <a:p>
             <a:r>
-              <a:rPr lang="en-US" sz="2000" dirty="0" smtClean="0">
+              <a:rPr lang="en-US" sz="2000" dirty="0">
                 <a:solidFill>
                   <a:srgbClr val="000099"/>
                 </a:solidFill>
@@ -4369,7 +4339,7 @@
               <a:t>void </a:t>
             </a:r>
             <a:r>
-              <a:rPr lang="en-US" sz="2000" dirty="0" err="1" smtClean="0">
+              <a:rPr lang="en-US" sz="2000" dirty="0" err="1">
                 <a:solidFill>
                   <a:srgbClr val="000099"/>
                 </a:solidFill>
@@ -4380,7 +4350,7 @@
               <a:t>addOne</a:t>
             </a:r>
             <a:r>
-              <a:rPr lang="en-US" sz="2000" dirty="0" smtClean="0">
+              <a:rPr lang="en-US" sz="2000" dirty="0">
                 <a:solidFill>
                   <a:srgbClr val="000099"/>
                 </a:solidFill>
@@ -4391,7 +4361,7 @@
               <a:t>(</a:t>
             </a:r>
             <a:r>
-              <a:rPr lang="en-US" sz="2000" dirty="0" err="1" smtClean="0">
+              <a:rPr lang="en-US" sz="2000" dirty="0" err="1">
                 <a:solidFill>
                   <a:srgbClr val="000099"/>
                 </a:solidFill>
@@ -4402,7 +4372,7 @@
               <a:t>int</a:t>
             </a:r>
             <a:r>
-              <a:rPr lang="en-US" sz="2000" dirty="0" smtClean="0">
+              <a:rPr lang="en-US" sz="2000" dirty="0">
                 <a:solidFill>
                   <a:srgbClr val="000099"/>
                 </a:solidFill>
@@ -4415,7 +4385,7 @@
           </a:p>
           <a:p>
             <a:r>
-              <a:rPr lang="en-US" sz="2000" dirty="0" smtClean="0">
+              <a:rPr lang="en-US" sz="2000" dirty="0">
                 <a:solidFill>
                   <a:srgbClr val="000099"/>
                 </a:solidFill>
@@ -4426,7 +4396,7 @@
               <a:t>     </a:t>
             </a:r>
             <a:r>
-              <a:rPr lang="en-US" sz="2000" dirty="0" smtClean="0">
+              <a:rPr lang="en-US" sz="2000" dirty="0">
                 <a:solidFill>
                   <a:srgbClr val="00B050"/>
                 </a:solidFill>
@@ -4437,7 +4407,7 @@
               <a:t>last</a:t>
             </a:r>
             <a:r>
-              <a:rPr lang="en-US" sz="2000" dirty="0" smtClean="0">
+              <a:rPr lang="en-US" sz="2000" dirty="0">
                 <a:solidFill>
                   <a:srgbClr val="000099"/>
                 </a:solidFill>
@@ -4450,7 +4420,7 @@
           </a:p>
           <a:p>
             <a:r>
-              <a:rPr lang="en-US" sz="2000" dirty="0" smtClean="0">
+              <a:rPr lang="en-US" sz="2000" dirty="0">
                 <a:solidFill>
                   <a:srgbClr val="000099"/>
                 </a:solidFill>
@@ -4461,7 +4431,7 @@
               <a:t>     </a:t>
             </a:r>
             <a:r>
-              <a:rPr lang="en-US" sz="2000" dirty="0" smtClean="0">
+              <a:rPr lang="en-US" sz="2000" dirty="0">
                 <a:solidFill>
                   <a:srgbClr val="FF0000"/>
                 </a:solidFill>
@@ -4472,7 +4442,7 @@
               <a:t>content</a:t>
             </a:r>
             <a:r>
-              <a:rPr lang="en-US" sz="2000" dirty="0" smtClean="0">
+              <a:rPr lang="en-US" sz="2000" dirty="0">
                 <a:solidFill>
                   <a:srgbClr val="000099"/>
                 </a:solidFill>
@@ -4485,7 +4455,7 @@
           </a:p>
           <a:p>
             <a:r>
-              <a:rPr lang="en-US" sz="2000" dirty="0" smtClean="0">
+              <a:rPr lang="en-US" sz="2000" dirty="0">
                 <a:solidFill>
                   <a:srgbClr val="000099"/>
                 </a:solidFill>
@@ -4605,18 +4575,10 @@
               </a:rPr>
               <a:t> == MAXSZ - 1; </a:t>
             </a:r>
-            <a:endParaRPr lang="en-US" dirty="0" smtClean="0">
-              <a:solidFill>
-                <a:srgbClr val="000099"/>
-              </a:solidFill>
-              <a:latin typeface="Consolas" charset="0"/>
-              <a:ea typeface="Consolas" charset="0"/>
-              <a:cs typeface="Consolas" charset="0"/>
-            </a:endParaRPr>
-          </a:p>
-          <a:p>
-            <a:r>
-              <a:rPr lang="en-US" dirty="0" smtClean="0">
+          </a:p>
+          <a:p>
+            <a:r>
+              <a:rPr lang="en-US" dirty="0">
                 <a:solidFill>
                   <a:srgbClr val="000099"/>
                 </a:solidFill>
@@ -4639,7 +4601,7 @@
           </a:p>
           <a:p>
             <a:r>
-              <a:rPr lang="en-US" dirty="0" err="1" smtClean="0">
+              <a:rPr lang="en-US" dirty="0" err="1">
                 <a:solidFill>
                   <a:srgbClr val="000099"/>
                 </a:solidFill>
@@ -4650,7 +4612,7 @@
               <a:t>int</a:t>
             </a:r>
             <a:r>
-              <a:rPr lang="en-US" dirty="0" smtClean="0">
+              <a:rPr lang="en-US" dirty="0">
                 <a:solidFill>
                   <a:srgbClr val="000099"/>
                 </a:solidFill>
@@ -4671,43 +4633,111 @@
                 <a:ea typeface="Consolas" charset="0"/>
                 <a:cs typeface="Consolas" charset="0"/>
               </a:rPr>
+              <a:t>    </a:t>
+            </a:r>
+            <a:r>
+              <a:rPr lang="en-US" dirty="0" err="1">
+                <a:solidFill>
+                  <a:srgbClr val="000099"/>
+                </a:solidFill>
+                <a:latin typeface="Consolas" charset="0"/>
+                <a:ea typeface="Consolas" charset="0"/>
+                <a:cs typeface="Consolas" charset="0"/>
+              </a:rPr>
+              <a:t>int</a:t>
+            </a:r>
+            <a:r>
+              <a:rPr lang="en-US" dirty="0">
+                <a:solidFill>
+                  <a:srgbClr val="000099"/>
+                </a:solidFill>
+                <a:latin typeface="Consolas" charset="0"/>
+                <a:ea typeface="Consolas" charset="0"/>
+                <a:cs typeface="Consolas" charset="0"/>
+              </a:rPr>
+              <a:t> count;</a:t>
+            </a:r>
+          </a:p>
+          <a:p>
+            <a:r>
+              <a:rPr lang="en-US" dirty="0">
+                <a:solidFill>
+                  <a:srgbClr val="000099"/>
+                </a:solidFill>
+                <a:latin typeface="Consolas" charset="0"/>
+                <a:ea typeface="Consolas" charset="0"/>
+                <a:cs typeface="Consolas" charset="0"/>
+              </a:rPr>
+              <a:t>    </a:t>
+            </a:r>
+            <a:r>
+              <a:rPr lang="en-US" dirty="0" err="1">
+                <a:solidFill>
+                  <a:srgbClr val="000099"/>
+                </a:solidFill>
+                <a:latin typeface="Consolas" charset="0"/>
+                <a:ea typeface="Consolas" charset="0"/>
+                <a:cs typeface="Consolas" charset="0"/>
+              </a:rPr>
+              <a:t>scanf</a:t>
+            </a:r>
+            <a:r>
+              <a:rPr lang="en-US" dirty="0">
+                <a:solidFill>
+                  <a:srgbClr val="000099"/>
+                </a:solidFill>
+                <a:latin typeface="Consolas" charset="0"/>
+                <a:ea typeface="Consolas" charset="0"/>
+                <a:cs typeface="Consolas" charset="0"/>
+              </a:rPr>
+              <a:t>(“%d”, &amp;count);</a:t>
+            </a:r>
+          </a:p>
+          <a:p>
+            <a:r>
+              <a:rPr lang="en-US" dirty="0">
+                <a:solidFill>
+                  <a:srgbClr val="000099"/>
+                </a:solidFill>
+                <a:latin typeface="Consolas" charset="0"/>
+                <a:ea typeface="Consolas" charset="0"/>
+                <a:cs typeface="Consolas" charset="0"/>
+              </a:rPr>
+              <a:t>    for (</a:t>
+            </a:r>
+            <a:r>
+              <a:rPr lang="en-US" dirty="0" err="1">
+                <a:solidFill>
+                  <a:srgbClr val="000099"/>
+                </a:solidFill>
+                <a:latin typeface="Consolas" charset="0"/>
+                <a:ea typeface="Consolas" charset="0"/>
+                <a:cs typeface="Consolas" charset="0"/>
+              </a:rPr>
+              <a:t>int</a:t>
+            </a:r>
+            <a:r>
+              <a:rPr lang="en-US" dirty="0">
+                <a:solidFill>
+                  <a:srgbClr val="000099"/>
+                </a:solidFill>
+                <a:latin typeface="Consolas" charset="0"/>
+                <a:ea typeface="Consolas" charset="0"/>
+                <a:cs typeface="Consolas" charset="0"/>
+              </a:rPr>
               <a:t> </a:t>
             </a:r>
             <a:r>
-              <a:rPr lang="en-US" dirty="0" smtClean="0">
-                <a:solidFill>
-                  <a:srgbClr val="000099"/>
-                </a:solidFill>
-                <a:latin typeface="Consolas" charset="0"/>
-                <a:ea typeface="Consolas" charset="0"/>
-                <a:cs typeface="Consolas" charset="0"/>
-              </a:rPr>
-              <a:t>   </a:t>
-            </a:r>
-            <a:r>
-              <a:rPr lang="en-US" dirty="0" err="1" smtClean="0">
-                <a:solidFill>
-                  <a:srgbClr val="000099"/>
-                </a:solidFill>
-                <a:latin typeface="Consolas" charset="0"/>
-                <a:ea typeface="Consolas" charset="0"/>
-                <a:cs typeface="Consolas" charset="0"/>
-              </a:rPr>
-              <a:t>int</a:t>
-            </a:r>
-            <a:r>
-              <a:rPr lang="en-US" dirty="0" smtClean="0">
-                <a:solidFill>
-                  <a:srgbClr val="000099"/>
-                </a:solidFill>
-                <a:latin typeface="Consolas" charset="0"/>
-                <a:ea typeface="Consolas" charset="0"/>
-                <a:cs typeface="Consolas" charset="0"/>
-              </a:rPr>
-              <a:t> count;</a:t>
-            </a:r>
-          </a:p>
-          <a:p>
+              <a:rPr lang="en-US" dirty="0" err="1">
+                <a:solidFill>
+                  <a:srgbClr val="000099"/>
+                </a:solidFill>
+                <a:latin typeface="Consolas" charset="0"/>
+                <a:ea typeface="Consolas" charset="0"/>
+                <a:cs typeface="Consolas" charset="0"/>
+              </a:rPr>
+              <a:t>i</a:t>
+            </a:r>
             <a:r>
               <a:rPr lang="en-US" dirty="0">
                 <a:solidFill>
@@ -4717,43 +4747,19 @@
                 <a:ea typeface="Consolas" charset="0"/>
                 <a:cs typeface="Consolas" charset="0"/>
               </a:rPr>
-              <a:t> </a:t>
-            </a:r>
-            <a:r>
-              <a:rPr lang="en-US" dirty="0" smtClean="0">
-                <a:solidFill>
-                  <a:srgbClr val="000099"/>
-                </a:solidFill>
-                <a:latin typeface="Consolas" charset="0"/>
-                <a:ea typeface="Consolas" charset="0"/>
-                <a:cs typeface="Consolas" charset="0"/>
-              </a:rPr>
-              <a:t>   </a:t>
-            </a:r>
-            <a:r>
-              <a:rPr lang="en-US" dirty="0" err="1" smtClean="0">
-                <a:solidFill>
-                  <a:srgbClr val="000099"/>
-                </a:solidFill>
-                <a:latin typeface="Consolas" charset="0"/>
-                <a:ea typeface="Consolas" charset="0"/>
-                <a:cs typeface="Consolas" charset="0"/>
-              </a:rPr>
-              <a:t>scanf</a:t>
-            </a:r>
-            <a:r>
-              <a:rPr lang="en-US" dirty="0" smtClean="0">
-                <a:solidFill>
-                  <a:srgbClr val="000099"/>
-                </a:solidFill>
-                <a:latin typeface="Consolas" charset="0"/>
-                <a:ea typeface="Consolas" charset="0"/>
-                <a:cs typeface="Consolas" charset="0"/>
-              </a:rPr>
-              <a:t>(“%d”, &amp;count);</a:t>
-            </a:r>
-          </a:p>
-          <a:p>
+              <a:t>=0, </a:t>
+            </a:r>
+            <a:r>
+              <a:rPr lang="en-US" dirty="0" err="1">
+                <a:solidFill>
+                  <a:srgbClr val="000099"/>
+                </a:solidFill>
+                <a:latin typeface="Consolas" charset="0"/>
+                <a:ea typeface="Consolas" charset="0"/>
+                <a:cs typeface="Consolas" charset="0"/>
+              </a:rPr>
+              <a:t>i</a:t>
+            </a:r>
             <a:r>
               <a:rPr lang="en-US" dirty="0">
                 <a:solidFill>
@@ -4763,43 +4769,10 @@
                 <a:ea typeface="Consolas" charset="0"/>
                 <a:cs typeface="Consolas" charset="0"/>
               </a:rPr>
-              <a:t> </a:t>
-            </a:r>
-            <a:r>
-              <a:rPr lang="en-US" dirty="0" smtClean="0">
-                <a:solidFill>
-                  <a:srgbClr val="000099"/>
-                </a:solidFill>
-                <a:latin typeface="Consolas" charset="0"/>
-                <a:ea typeface="Consolas" charset="0"/>
-                <a:cs typeface="Consolas" charset="0"/>
-              </a:rPr>
-              <a:t>   for (</a:t>
-            </a:r>
-            <a:r>
-              <a:rPr lang="en-US" dirty="0" err="1" smtClean="0">
-                <a:solidFill>
-                  <a:srgbClr val="000099"/>
-                </a:solidFill>
-                <a:latin typeface="Consolas" charset="0"/>
-                <a:ea typeface="Consolas" charset="0"/>
-                <a:cs typeface="Consolas" charset="0"/>
-              </a:rPr>
-              <a:t>int</a:t>
-            </a:r>
-            <a:r>
-              <a:rPr lang="en-US" dirty="0" smtClean="0">
-                <a:solidFill>
-                  <a:srgbClr val="000099"/>
-                </a:solidFill>
-                <a:latin typeface="Consolas" charset="0"/>
-                <a:ea typeface="Consolas" charset="0"/>
-                <a:cs typeface="Consolas" charset="0"/>
-              </a:rPr>
-              <a:t> </a:t>
-            </a:r>
-            <a:r>
-              <a:rPr lang="en-US" dirty="0" err="1" smtClean="0">
+              <a:t>&lt;count; </a:t>
+            </a:r>
+            <a:r>
+              <a:rPr lang="en-US" dirty="0" err="1">
                 <a:solidFill>
                   <a:srgbClr val="000099"/>
                 </a:solidFill>
@@ -4810,51 +4783,7 @@
               <a:t>i</a:t>
             </a:r>
             <a:r>
-              <a:rPr lang="en-US" dirty="0" smtClean="0">
-                <a:solidFill>
-                  <a:srgbClr val="000099"/>
-                </a:solidFill>
-                <a:latin typeface="Consolas" charset="0"/>
-                <a:ea typeface="Consolas" charset="0"/>
-                <a:cs typeface="Consolas" charset="0"/>
-              </a:rPr>
-              <a:t>=0, </a:t>
-            </a:r>
-            <a:r>
-              <a:rPr lang="en-US" dirty="0" err="1" smtClean="0">
-                <a:solidFill>
-                  <a:srgbClr val="000099"/>
-                </a:solidFill>
-                <a:latin typeface="Consolas" charset="0"/>
-                <a:ea typeface="Consolas" charset="0"/>
-                <a:cs typeface="Consolas" charset="0"/>
-              </a:rPr>
-              <a:t>i</a:t>
-            </a:r>
-            <a:r>
-              <a:rPr lang="en-US" dirty="0" smtClean="0">
-                <a:solidFill>
-                  <a:srgbClr val="000099"/>
-                </a:solidFill>
-                <a:latin typeface="Consolas" charset="0"/>
-                <a:ea typeface="Consolas" charset="0"/>
-                <a:cs typeface="Consolas" charset="0"/>
-              </a:rPr>
-              <a:t>&lt;count; </a:t>
-            </a:r>
-            <a:r>
-              <a:rPr lang="en-US" dirty="0" err="1" smtClean="0">
-                <a:solidFill>
-                  <a:srgbClr val="000099"/>
-                </a:solidFill>
-                <a:latin typeface="Consolas" charset="0"/>
-                <a:ea typeface="Consolas" charset="0"/>
-                <a:cs typeface="Consolas" charset="0"/>
-              </a:rPr>
-              <a:t>i</a:t>
-            </a:r>
-            <a:r>
-              <a:rPr lang="en-US" dirty="0" smtClean="0">
+              <a:rPr lang="en-US" dirty="0">
                 <a:solidFill>
                   <a:srgbClr val="000099"/>
                 </a:solidFill>
@@ -4867,7 +4796,7 @@
           </a:p>
           <a:p>
             <a:r>
-              <a:rPr lang="en-US" dirty="0" smtClean="0">
+              <a:rPr lang="en-US" dirty="0">
                 <a:solidFill>
                   <a:srgbClr val="000099"/>
                 </a:solidFill>
@@ -4878,7 +4807,7 @@
               <a:t>        if (!</a:t>
             </a:r>
             <a:r>
-              <a:rPr lang="en-US" dirty="0" err="1" smtClean="0">
+              <a:rPr lang="en-US" dirty="0" err="1">
                 <a:solidFill>
                   <a:srgbClr val="000099"/>
                 </a:solidFill>
@@ -4889,7 +4818,7 @@
               <a:t>isFull</a:t>
             </a:r>
             <a:r>
-              <a:rPr lang="en-US" dirty="0" smtClean="0">
+              <a:rPr lang="en-US" dirty="0">
                 <a:solidFill>
                   <a:srgbClr val="000099"/>
                 </a:solidFill>
@@ -4902,7 +4831,7 @@
           </a:p>
           <a:p>
             <a:r>
-              <a:rPr lang="en-US" dirty="0" smtClean="0">
+              <a:rPr lang="en-US" dirty="0">
                 <a:solidFill>
                   <a:srgbClr val="000099"/>
                 </a:solidFill>
@@ -4913,7 +4842,7 @@
               <a:t>             </a:t>
             </a:r>
             <a:r>
-              <a:rPr lang="en-US" dirty="0" err="1" smtClean="0">
+              <a:rPr lang="en-US" dirty="0" err="1">
                 <a:solidFill>
                   <a:srgbClr val="000099"/>
                 </a:solidFill>
@@ -4924,7 +4853,7 @@
               <a:t>addOne</a:t>
             </a:r>
             <a:r>
-              <a:rPr lang="en-US" dirty="0" smtClean="0">
+              <a:rPr lang="en-US" dirty="0">
                 <a:solidFill>
                   <a:srgbClr val="000099"/>
                 </a:solidFill>
@@ -4945,18 +4874,7 @@
                 <a:ea typeface="Consolas" charset="0"/>
                 <a:cs typeface="Consolas" charset="0"/>
               </a:rPr>
-              <a:t> </a:t>
-            </a:r>
-            <a:r>
-              <a:rPr lang="en-US" dirty="0" smtClean="0">
-                <a:solidFill>
-                  <a:srgbClr val="000099"/>
-                </a:solidFill>
-                <a:latin typeface="Consolas" charset="0"/>
-                <a:ea typeface="Consolas" charset="0"/>
-                <a:cs typeface="Consolas" charset="0"/>
-              </a:rPr>
-              <a:t>       } else {</a:t>
+              <a:t>        } else {</a:t>
             </a:r>
           </a:p>
           <a:p>
@@ -4969,18 +4887,7 @@
                 <a:ea typeface="Consolas" charset="0"/>
                 <a:cs typeface="Consolas" charset="0"/>
               </a:rPr>
-              <a:t> </a:t>
-            </a:r>
-            <a:r>
-              <a:rPr lang="en-US" dirty="0" smtClean="0">
-                <a:solidFill>
-                  <a:srgbClr val="000099"/>
-                </a:solidFill>
-                <a:latin typeface="Consolas" charset="0"/>
-                <a:ea typeface="Consolas" charset="0"/>
-                <a:cs typeface="Consolas" charset="0"/>
-              </a:rPr>
-              <a:t>            break;</a:t>
+              <a:t>             break;</a:t>
             </a:r>
           </a:p>
           <a:p>
@@ -4993,23 +4900,12 @@
                 <a:ea typeface="Consolas" charset="0"/>
                 <a:cs typeface="Consolas" charset="0"/>
               </a:rPr>
-              <a:t>	</a:t>
-            </a:r>
-            <a:r>
-              <a:rPr lang="en-US" dirty="0" smtClean="0">
-                <a:solidFill>
-                  <a:srgbClr val="000099"/>
-                </a:solidFill>
-                <a:latin typeface="Consolas" charset="0"/>
-                <a:ea typeface="Consolas" charset="0"/>
-                <a:cs typeface="Consolas" charset="0"/>
-              </a:rPr>
-              <a:t> }</a:t>
-            </a:r>
-          </a:p>
-          <a:p>
-            <a:r>
-              <a:rPr lang="en-US" dirty="0" smtClean="0">
+              <a:t>	 }</a:t>
+            </a:r>
+          </a:p>
+          <a:p>
+            <a:r>
+              <a:rPr lang="en-US" dirty="0">
                 <a:solidFill>
                   <a:srgbClr val="000099"/>
                 </a:solidFill>
@@ -5032,13 +4928,6 @@
   <p:clrMapOvr>
     <a:masterClrMapping/>
   </p:clrMapOvr>
-  <p:timing>
-    <p:tnLst>
-      <p:par>
-        <p:cTn id="1" dur="indefinite" restart="never" nodeType="tmRoot"/>
-      </p:par>
-    </p:tnLst>
-  </p:timing>
 </p:sld>
 </file>
 
@@ -5075,10 +4964,9 @@
           <a:lstStyle/>
           <a:p>
             <a:r>
-              <a:rPr lang="en-US" dirty="0" smtClean="0"/>
+              <a:rPr lang="en-US" dirty="0"/>
               <a:t>Pros and Cons</a:t>
             </a:r>
-            <a:endParaRPr lang="en-US" dirty="0"/>
           </a:p>
         </p:txBody>
       </p:sp>
@@ -5101,40 +4989,40 @@
           <a:p>
             <a:pPr marL="514350" indent="-457200"/>
             <a:r>
-              <a:rPr lang="en-US" sz="2400" dirty="0" smtClean="0"/>
+              <a:rPr lang="en-US" sz="2400" dirty="0"/>
               <a:t>Convenient way for functions to share variables</a:t>
             </a:r>
           </a:p>
           <a:p>
             <a:pPr marL="514350" indent="-457200"/>
             <a:r>
-              <a:rPr lang="en-US" sz="2400" dirty="0" smtClean="0"/>
+              <a:rPr lang="en-US" sz="2400" dirty="0"/>
               <a:t>Maintenance: If type changes, we need to check every function that uses it</a:t>
             </a:r>
           </a:p>
           <a:p>
             <a:pPr marL="514350" indent="-457200"/>
             <a:r>
-              <a:rPr lang="en-US" sz="2400" dirty="0" smtClean="0"/>
+              <a:rPr lang="en-US" sz="2400" dirty="0"/>
               <a:t>If assigned wrong value: may be difficult to locate where</a:t>
             </a:r>
           </a:p>
           <a:p>
             <a:pPr marL="514350" indent="-457200"/>
             <a:r>
-              <a:rPr lang="en-US" sz="2400" dirty="0" smtClean="0"/>
+              <a:rPr lang="en-US" sz="2400" dirty="0"/>
               <a:t>Functions that rely on externals are hard to reuse</a:t>
             </a:r>
           </a:p>
           <a:p>
             <a:pPr marL="514350" indent="-457200"/>
-            <a:endParaRPr lang="en-US" dirty="0" smtClean="0"/>
+            <a:endParaRPr lang="en-US" dirty="0"/>
           </a:p>
           <a:p>
             <a:pPr marL="457200" lvl="1" indent="0">
               <a:buNone/>
             </a:pPr>
-            <a:endParaRPr lang="en-US" dirty="0" smtClean="0"/>
+            <a:endParaRPr lang="en-US" dirty="0"/>
           </a:p>
         </p:txBody>
       </p:sp>
@@ -5172,13 +5060,6 @@
   <p:clrMapOvr>
     <a:masterClrMapping/>
   </p:clrMapOvr>
-  <p:timing>
-    <p:tnLst>
-      <p:par>
-        <p:cTn id="1" dur="indefinite" restart="never" nodeType="tmRoot"/>
-      </p:par>
-    </p:tnLst>
-  </p:timing>
 </p:sld>
 </file>
 
@@ -5215,10 +5096,9 @@
           <a:lstStyle/>
           <a:p>
             <a:r>
-              <a:rPr lang="en-US" dirty="0" smtClean="0"/>
+              <a:rPr lang="en-US" dirty="0"/>
               <a:t>Block Variables</a:t>
             </a:r>
-            <a:endParaRPr lang="en-US" dirty="0"/>
           </a:p>
         </p:txBody>
       </p:sp>
@@ -5240,7 +5120,7 @@
           <a:lstStyle/>
           <a:p>
             <a:r>
-              <a:rPr lang="en-US" dirty="0" smtClean="0"/>
+              <a:rPr lang="en-US" dirty="0"/>
               <a:t>Block: a compound statement</a:t>
             </a:r>
           </a:p>
@@ -5249,7 +5129,7 @@
               <a:buNone/>
             </a:pPr>
             <a:r>
-              <a:rPr lang="en-US" sz="3200" dirty="0" smtClean="0">
+              <a:rPr lang="en-US" sz="3200" dirty="0">
                 <a:solidFill>
                   <a:srgbClr val="000099"/>
                 </a:solidFill>
@@ -5273,18 +5153,7 @@
                 <a:ea typeface="Consolas" charset="0"/>
                 <a:cs typeface="Consolas" charset="0"/>
               </a:rPr>
-              <a:t>	</a:t>
-            </a:r>
-            <a:r>
-              <a:rPr lang="en-US" sz="3200" dirty="0" smtClean="0">
-                <a:solidFill>
-                  <a:srgbClr val="000099"/>
-                </a:solidFill>
-                <a:latin typeface="Consolas" charset="0"/>
-                <a:ea typeface="Consolas" charset="0"/>
-                <a:cs typeface="Consolas" charset="0"/>
-              </a:rPr>
-              <a:t>statements</a:t>
+              <a:t>	statements</a:t>
             </a:r>
           </a:p>
           <a:p>
@@ -5292,7 +5161,7 @@
               <a:buNone/>
             </a:pPr>
             <a:r>
-              <a:rPr lang="en-US" sz="3200" dirty="0" smtClean="0">
+              <a:rPr lang="en-US" sz="3200" dirty="0">
                 <a:solidFill>
                   <a:srgbClr val="000099"/>
                 </a:solidFill>
@@ -5305,17 +5174,17 @@
           </a:p>
           <a:p>
             <a:pPr lvl="1"/>
-            <a:endParaRPr lang="en-US" dirty="0" smtClean="0"/>
-          </a:p>
-          <a:p>
-            <a:r>
-              <a:rPr lang="en-US" dirty="0" smtClean="0"/>
+            <a:endParaRPr lang="en-US" dirty="0"/>
+          </a:p>
+          <a:p>
+            <a:r>
+              <a:rPr lang="en-US" dirty="0"/>
               <a:t>A block variable has automatic duration</a:t>
             </a:r>
           </a:p>
           <a:p>
             <a:pPr lvl="1"/>
-            <a:endParaRPr lang="en-US" dirty="0" smtClean="0"/>
+            <a:endParaRPr lang="en-US" dirty="0"/>
           </a:p>
         </p:txBody>
       </p:sp>
@@ -5372,7 +5241,7 @@
           <a:lstStyle/>
           <a:p>
             <a:r>
-              <a:rPr lang="en-US" sz="2400" dirty="0" smtClean="0">
+              <a:rPr lang="en-US" sz="2400" dirty="0">
                 <a:solidFill>
                   <a:srgbClr val="000099"/>
                 </a:solidFill>
@@ -5383,7 +5252,7 @@
               <a:t>if (</a:t>
             </a:r>
             <a:r>
-              <a:rPr lang="en-US" sz="2400" dirty="0" err="1" smtClean="0">
+              <a:rPr lang="en-US" sz="2400" dirty="0" err="1">
                 <a:solidFill>
                   <a:srgbClr val="000099"/>
                 </a:solidFill>
@@ -5394,7 +5263,7 @@
               <a:t>i</a:t>
             </a:r>
             <a:r>
-              <a:rPr lang="en-US" sz="2400" dirty="0" smtClean="0">
+              <a:rPr lang="en-US" sz="2400" dirty="0">
                 <a:solidFill>
                   <a:srgbClr val="000099"/>
                 </a:solidFill>
@@ -5404,18 +5273,10 @@
               </a:rPr>
               <a:t> &gt; j) {</a:t>
             </a:r>
-            <a:endParaRPr lang="en-US" sz="2400" dirty="0">
-              <a:solidFill>
-                <a:srgbClr val="000099"/>
-              </a:solidFill>
-              <a:latin typeface="Consolas" charset="0"/>
-              <a:ea typeface="Consolas" charset="0"/>
-              <a:cs typeface="Consolas" charset="0"/>
-            </a:endParaRPr>
-          </a:p>
-          <a:p>
-            <a:r>
-              <a:rPr lang="en-US" sz="2400" dirty="0" smtClean="0">
+          </a:p>
+          <a:p>
+            <a:r>
+              <a:rPr lang="en-US" sz="2400" dirty="0">
                 <a:solidFill>
                   <a:srgbClr val="000099"/>
                 </a:solidFill>
@@ -5426,7 +5287,7 @@
               <a:t>      </a:t>
             </a:r>
             <a:r>
-              <a:rPr lang="en-US" sz="2400" dirty="0" err="1" smtClean="0">
+              <a:rPr lang="en-US" sz="2400" dirty="0" err="1">
                 <a:solidFill>
                   <a:srgbClr val="000099"/>
                 </a:solidFill>
@@ -5437,7 +5298,7 @@
               <a:t>int</a:t>
             </a:r>
             <a:r>
-              <a:rPr lang="en-US" sz="2400" dirty="0" smtClean="0">
+              <a:rPr lang="en-US" sz="2400" dirty="0">
                 <a:solidFill>
                   <a:srgbClr val="000099"/>
                 </a:solidFill>
@@ -5448,7 +5309,7 @@
               <a:t> temp = </a:t>
             </a:r>
             <a:r>
-              <a:rPr lang="en-US" sz="2400" dirty="0" err="1" smtClean="0">
+              <a:rPr lang="en-US" sz="2400" dirty="0" err="1">
                 <a:solidFill>
                   <a:srgbClr val="000099"/>
                 </a:solidFill>
@@ -5459,7 +5320,7 @@
               <a:t>i</a:t>
             </a:r>
             <a:r>
-              <a:rPr lang="en-US" sz="2400" dirty="0" smtClean="0">
+              <a:rPr lang="en-US" sz="2400" dirty="0">
                 <a:solidFill>
                   <a:srgbClr val="000099"/>
                 </a:solidFill>
@@ -5469,18 +5330,10 @@
               </a:rPr>
               <a:t>;</a:t>
             </a:r>
-            <a:endParaRPr lang="en-US" sz="2400" dirty="0">
-              <a:solidFill>
-                <a:srgbClr val="000099"/>
-              </a:solidFill>
-              <a:latin typeface="Consolas" charset="0"/>
-              <a:ea typeface="Consolas" charset="0"/>
-              <a:cs typeface="Consolas" charset="0"/>
-            </a:endParaRPr>
-          </a:p>
-          <a:p>
-            <a:r>
-              <a:rPr lang="en-US" sz="2400" dirty="0" smtClean="0">
+          </a:p>
+          <a:p>
+            <a:r>
+              <a:rPr lang="en-US" sz="2400" dirty="0">
                 <a:solidFill>
                   <a:srgbClr val="000099"/>
                 </a:solidFill>
@@ -5491,7 +5344,7 @@
               <a:t>      </a:t>
             </a:r>
             <a:r>
-              <a:rPr lang="en-US" sz="2400" dirty="0" err="1" smtClean="0">
+              <a:rPr lang="en-US" sz="2400" dirty="0" err="1">
                 <a:solidFill>
                   <a:srgbClr val="000099"/>
                 </a:solidFill>
@@ -5502,7 +5355,7 @@
               <a:t>i</a:t>
             </a:r>
             <a:r>
-              <a:rPr lang="en-US" sz="2400" dirty="0" smtClean="0">
+              <a:rPr lang="en-US" sz="2400" dirty="0">
                 <a:solidFill>
                   <a:srgbClr val="000099"/>
                 </a:solidFill>
@@ -5515,7 +5368,7 @@
           </a:p>
           <a:p>
             <a:r>
-              <a:rPr lang="en-US" sz="2400" dirty="0" smtClean="0">
+              <a:rPr lang="en-US" sz="2400" dirty="0">
                 <a:solidFill>
                   <a:srgbClr val="000099"/>
                 </a:solidFill>
@@ -5526,7 +5379,7 @@
               <a:t>      j = </a:t>
             </a:r>
             <a:r>
-              <a:rPr lang="en-US" sz="2400" dirty="0" err="1" smtClean="0">
+              <a:rPr lang="en-US" sz="2400" dirty="0" err="1">
                 <a:solidFill>
                   <a:srgbClr val="000099"/>
                 </a:solidFill>
@@ -5537,7 +5390,7 @@
               <a:t>i</a:t>
             </a:r>
             <a:r>
-              <a:rPr lang="en-US" sz="2400" dirty="0" smtClean="0">
+              <a:rPr lang="en-US" sz="2400" dirty="0">
                 <a:solidFill>
                   <a:srgbClr val="000099"/>
                 </a:solidFill>
@@ -5547,14 +5400,6 @@
               </a:rPr>
               <a:t>;</a:t>
             </a:r>
-            <a:endParaRPr lang="en-US" sz="2400" dirty="0">
-              <a:solidFill>
-                <a:srgbClr val="000099"/>
-              </a:solidFill>
-              <a:latin typeface="Consolas" charset="0"/>
-              <a:ea typeface="Consolas" charset="0"/>
-              <a:cs typeface="Consolas" charset="0"/>
-            </a:endParaRPr>
           </a:p>
           <a:p>
             <a:r>
@@ -5625,7 +5470,7 @@
           <a:p>
             <a:pPr algn="ctr"/>
             <a:r>
-              <a:rPr lang="en-US" sz="2400" dirty="0" smtClean="0">
+              <a:rPr lang="en-US" sz="2400" dirty="0">
                 <a:solidFill>
                   <a:schemeClr val="accent3">
                     <a:lumMod val="50000"/>
@@ -5634,13 +5479,6 @@
               </a:rPr>
               <a:t>temp is created</a:t>
             </a:r>
-            <a:endParaRPr lang="en-US" sz="2400" dirty="0">
-              <a:solidFill>
-                <a:schemeClr val="accent3">
-                  <a:lumMod val="50000"/>
-                </a:schemeClr>
-              </a:solidFill>
-            </a:endParaRPr>
           </a:p>
         </p:txBody>
       </p:sp>
@@ -5698,7 +5536,7 @@
           <a:p>
             <a:pPr algn="ctr"/>
             <a:r>
-              <a:rPr lang="en-US" sz="2400" dirty="0" smtClean="0">
+              <a:rPr lang="en-US" sz="2400" dirty="0">
                 <a:solidFill>
                   <a:schemeClr val="accent3">
                     <a:lumMod val="50000"/>
@@ -5707,13 +5545,6 @@
               </a:rPr>
               <a:t>temp is destroyed</a:t>
             </a:r>
-            <a:endParaRPr lang="en-US" sz="2400" dirty="0">
-              <a:solidFill>
-                <a:schemeClr val="accent3">
-                  <a:lumMod val="50000"/>
-                </a:schemeClr>
-              </a:solidFill>
-            </a:endParaRPr>
           </a:p>
         </p:txBody>
       </p:sp>
@@ -5727,13 +5558,6 @@
   <p:clrMapOvr>
     <a:masterClrMapping/>
   </p:clrMapOvr>
-  <p:timing>
-    <p:tnLst>
-      <p:par>
-        <p:cTn id="1" dur="indefinite" restart="never" nodeType="tmRoot"/>
-      </p:par>
-    </p:tnLst>
-  </p:timing>
 </p:sld>
 </file>
 
@@ -5770,10 +5594,9 @@
           <a:lstStyle/>
           <a:p>
             <a:r>
-              <a:rPr lang="en-US" dirty="0" smtClean="0"/>
+              <a:rPr lang="en-US" dirty="0"/>
               <a:t>Scope</a:t>
             </a:r>
-            <a:endParaRPr lang="en-US" dirty="0"/>
           </a:p>
         </p:txBody>
       </p:sp>
@@ -5795,33 +5618,33 @@
           <a:lstStyle/>
           <a:p>
             <a:r>
-              <a:rPr lang="en-US" sz="2400" dirty="0" smtClean="0"/>
+              <a:rPr lang="en-US" sz="2400" dirty="0"/>
               <a:t>Scope: the context in which a variable is defined:</a:t>
             </a:r>
           </a:p>
           <a:p>
             <a:pPr lvl="1"/>
             <a:r>
-              <a:rPr lang="en-US" sz="2000" dirty="0" smtClean="0"/>
+              <a:rPr lang="en-US" sz="2000" dirty="0"/>
               <a:t>Duration</a:t>
             </a:r>
           </a:p>
           <a:p>
             <a:pPr lvl="1"/>
             <a:r>
-              <a:rPr lang="en-US" sz="2000" dirty="0" smtClean="0"/>
+              <a:rPr lang="en-US" sz="2000" dirty="0"/>
               <a:t>Visibility</a:t>
             </a:r>
           </a:p>
           <a:p>
             <a:r>
-              <a:rPr lang="en-US" sz="2400" dirty="0" smtClean="0"/>
+              <a:rPr lang="en-US" sz="2400" dirty="0"/>
               <a:t>Scope rules: used for name resolution</a:t>
             </a:r>
           </a:p>
           <a:p>
             <a:pPr lvl="1"/>
-            <a:endParaRPr lang="en-US" dirty="0" smtClean="0"/>
+            <a:endParaRPr lang="en-US" dirty="0"/>
           </a:p>
         </p:txBody>
       </p:sp>
@@ -5859,13 +5682,6 @@
   <p:clrMapOvr>
     <a:masterClrMapping/>
   </p:clrMapOvr>
-  <p:timing>
-    <p:tnLst>
-      <p:par>
-        <p:cTn id="1" dur="indefinite" restart="never" nodeType="tmRoot"/>
-      </p:par>
-    </p:tnLst>
-  </p:timing>
 </p:sld>
 </file>
 
@@ -5902,10 +5718,9 @@
           <a:lstStyle/>
           <a:p>
             <a:r>
-              <a:rPr lang="en-US" dirty="0" smtClean="0"/>
+              <a:rPr lang="en-US" dirty="0"/>
               <a:t>Scope Rules</a:t>
             </a:r>
-            <a:endParaRPr lang="en-US" dirty="0"/>
           </a:p>
         </p:txBody>
       </p:sp>
@@ -5929,13 +5744,13 @@
             <a:pPr marL="457200" lvl="1" indent="0">
               <a:buNone/>
             </a:pPr>
-            <a:endParaRPr lang="en-US" dirty="0" smtClean="0"/>
+            <a:endParaRPr lang="en-US" dirty="0"/>
           </a:p>
           <a:p>
             <a:pPr marL="457200" lvl="1" indent="0">
               <a:buNone/>
             </a:pPr>
-            <a:endParaRPr lang="en-US" dirty="0" smtClean="0"/>
+            <a:endParaRPr lang="en-US" dirty="0"/>
           </a:p>
         </p:txBody>
       </p:sp>
@@ -5992,7 +5807,7 @@
           <a:lstStyle/>
           <a:p>
             <a:r>
-              <a:rPr lang="en-US" sz="2000" dirty="0" err="1" smtClean="0">
+              <a:rPr lang="en-US" sz="2000" dirty="0" err="1">
                 <a:solidFill>
                   <a:srgbClr val="000099"/>
                 </a:solidFill>
@@ -6003,7 +5818,7 @@
               <a:t>int</a:t>
             </a:r>
             <a:r>
-              <a:rPr lang="en-US" sz="2000" dirty="0" smtClean="0">
+              <a:rPr lang="en-US" sz="2000" dirty="0">
                 <a:solidFill>
                   <a:srgbClr val="000099"/>
                 </a:solidFill>
@@ -6014,7 +5829,7 @@
               <a:t> a;	</a:t>
             </a:r>
             <a:r>
-              <a:rPr lang="en-US" sz="2000" dirty="0" smtClean="0">
+              <a:rPr lang="en-US" sz="2000" dirty="0">
                 <a:solidFill>
                   <a:srgbClr val="00B050"/>
                 </a:solidFill>
@@ -6025,7 +5840,7 @@
               <a:t>/* </a:t>
             </a:r>
             <a:r>
-              <a:rPr lang="en-US" sz="2000" dirty="0" err="1" smtClean="0">
+              <a:rPr lang="en-US" sz="2000" dirty="0" err="1">
                 <a:solidFill>
                   <a:srgbClr val="00B050"/>
                 </a:solidFill>
@@ -6036,7 +5851,7 @@
               <a:t>decl</a:t>
             </a:r>
             <a:r>
-              <a:rPr lang="en-US" sz="2000" dirty="0" smtClean="0">
+              <a:rPr lang="en-US" sz="2000" dirty="0">
                 <a:solidFill>
                   <a:srgbClr val="00B050"/>
                 </a:solidFill>
@@ -6049,7 +5864,7 @@
           </a:p>
           <a:p>
             <a:r>
-              <a:rPr lang="en-US" sz="2000" dirty="0" smtClean="0">
+              <a:rPr lang="en-US" sz="2000" dirty="0">
                 <a:solidFill>
                   <a:srgbClr val="000099"/>
                 </a:solidFill>
@@ -6060,7 +5875,7 @@
               <a:t>void f(</a:t>
             </a:r>
             <a:r>
-              <a:rPr lang="en-US" sz="2000" dirty="0" err="1" smtClean="0">
+              <a:rPr lang="en-US" sz="2000" dirty="0" err="1">
                 <a:solidFill>
                   <a:srgbClr val="000099"/>
                 </a:solidFill>
@@ -6071,7 +5886,7 @@
               <a:t>int</a:t>
             </a:r>
             <a:r>
-              <a:rPr lang="en-US" sz="2000" dirty="0" smtClean="0">
+              <a:rPr lang="en-US" sz="2000" dirty="0">
                 <a:solidFill>
                   <a:srgbClr val="000099"/>
                 </a:solidFill>
@@ -6082,7 +5897,7 @@
               <a:t> a) {    </a:t>
             </a:r>
             <a:r>
-              <a:rPr lang="en-US" sz="2000" dirty="0" smtClean="0">
+              <a:rPr lang="en-US" sz="2000" dirty="0">
                 <a:solidFill>
                   <a:srgbClr val="00B050"/>
                 </a:solidFill>
@@ -6112,10 +5927,84 @@
                 <a:ea typeface="Consolas" charset="0"/>
                 <a:cs typeface="Consolas" charset="0"/>
               </a:rPr>
-              <a:t> </a:t>
-            </a:r>
-            <a:r>
-              <a:rPr lang="en-US" sz="2000" dirty="0" smtClean="0">
+              <a:t> 2 */</a:t>
+            </a:r>
+          </a:p>
+          <a:p>
+            <a:r>
+              <a:rPr lang="en-US" sz="2000" dirty="0">
+                <a:solidFill>
+                  <a:srgbClr val="000099"/>
+                </a:solidFill>
+                <a:latin typeface="Consolas" charset="0"/>
+                <a:ea typeface="Consolas" charset="0"/>
+                <a:cs typeface="Consolas" charset="0"/>
+              </a:rPr>
+              <a:t>     a = 1;</a:t>
+            </a:r>
+          </a:p>
+          <a:p>
+            <a:r>
+              <a:rPr lang="en-US" sz="2000" dirty="0">
+                <a:solidFill>
+                  <a:srgbClr val="000099"/>
+                </a:solidFill>
+                <a:latin typeface="Consolas" charset="0"/>
+                <a:ea typeface="Consolas" charset="0"/>
+                <a:cs typeface="Consolas" charset="0"/>
+              </a:rPr>
+              <a:t>} </a:t>
+            </a:r>
+          </a:p>
+          <a:p>
+            <a:r>
+              <a:rPr lang="en-US" sz="2000" dirty="0">
+                <a:solidFill>
+                  <a:srgbClr val="000099"/>
+                </a:solidFill>
+                <a:latin typeface="Consolas" charset="0"/>
+                <a:ea typeface="Consolas" charset="0"/>
+                <a:cs typeface="Consolas" charset="0"/>
+              </a:rPr>
+              <a:t>void g(void) {</a:t>
+            </a:r>
+          </a:p>
+          <a:p>
+            <a:r>
+              <a:rPr lang="en-US" sz="2000" dirty="0">
+                <a:solidFill>
+                  <a:srgbClr val="000099"/>
+                </a:solidFill>
+                <a:latin typeface="Consolas" charset="0"/>
+                <a:ea typeface="Consolas" charset="0"/>
+                <a:cs typeface="Consolas" charset="0"/>
+              </a:rPr>
+              <a:t>     </a:t>
+            </a:r>
+            <a:r>
+              <a:rPr lang="en-US" sz="2000" dirty="0" err="1">
+                <a:solidFill>
+                  <a:srgbClr val="000099"/>
+                </a:solidFill>
+                <a:latin typeface="Consolas" charset="0"/>
+                <a:ea typeface="Consolas" charset="0"/>
+                <a:cs typeface="Consolas" charset="0"/>
+              </a:rPr>
+              <a:t>int</a:t>
+            </a:r>
+            <a:r>
+              <a:rPr lang="en-US" sz="2000" dirty="0">
+                <a:solidFill>
+                  <a:srgbClr val="000099"/>
+                </a:solidFill>
+                <a:latin typeface="Consolas" charset="0"/>
+                <a:ea typeface="Consolas" charset="0"/>
+                <a:cs typeface="Consolas" charset="0"/>
+              </a:rPr>
+              <a:t> a = 2;      </a:t>
+            </a:r>
+            <a:r>
+              <a:rPr lang="en-US" sz="2000" dirty="0">
                 <a:solidFill>
                   <a:srgbClr val="00B050"/>
                 </a:solidFill>
@@ -6123,7 +6012,18 @@
                 <a:ea typeface="Consolas" charset="0"/>
                 <a:cs typeface="Consolas" charset="0"/>
               </a:rPr>
-              <a:t>2 </a:t>
+              <a:t>/* </a:t>
+            </a:r>
+            <a:r>
+              <a:rPr lang="en-US" sz="2000" dirty="0" err="1">
+                <a:solidFill>
+                  <a:srgbClr val="00B050"/>
+                </a:solidFill>
+                <a:latin typeface="Consolas" charset="0"/>
+                <a:ea typeface="Consolas" charset="0"/>
+                <a:cs typeface="Consolas" charset="0"/>
+              </a:rPr>
+              <a:t>decl</a:t>
             </a:r>
             <a:r>
               <a:rPr lang="en-US" sz="2000" dirty="0">
@@ -6134,41 +6034,7 @@
                 <a:ea typeface="Consolas" charset="0"/>
                 <a:cs typeface="Consolas" charset="0"/>
               </a:rPr>
-              <a:t>*/</a:t>
-            </a:r>
-            <a:endParaRPr lang="en-US" sz="2000" dirty="0" smtClean="0">
-              <a:solidFill>
-                <a:srgbClr val="00B050"/>
-              </a:solidFill>
-              <a:latin typeface="Consolas" charset="0"/>
-              <a:ea typeface="Consolas" charset="0"/>
-              <a:cs typeface="Consolas" charset="0"/>
-            </a:endParaRPr>
-          </a:p>
-          <a:p>
-            <a:r>
-              <a:rPr lang="en-US" sz="2000" dirty="0" smtClean="0">
-                <a:solidFill>
-                  <a:srgbClr val="000099"/>
-                </a:solidFill>
-                <a:latin typeface="Consolas" charset="0"/>
-                <a:ea typeface="Consolas" charset="0"/>
-                <a:cs typeface="Consolas" charset="0"/>
-              </a:rPr>
-              <a:t>     a = 1;</a:t>
-            </a:r>
-          </a:p>
-          <a:p>
-            <a:r>
-              <a:rPr lang="en-US" sz="2000" dirty="0" smtClean="0">
-                <a:solidFill>
-                  <a:srgbClr val="000099"/>
-                </a:solidFill>
-                <a:latin typeface="Consolas" charset="0"/>
-                <a:ea typeface="Consolas" charset="0"/>
-                <a:cs typeface="Consolas" charset="0"/>
-              </a:rPr>
-              <a:t>} </a:t>
+              <a:t> 3 */</a:t>
             </a:r>
           </a:p>
           <a:p>
@@ -6181,19 +6047,10 @@
                 <a:ea typeface="Consolas" charset="0"/>
                 <a:cs typeface="Consolas" charset="0"/>
               </a:rPr>
-              <a:t>void </a:t>
-            </a:r>
-            <a:r>
-              <a:rPr lang="en-US" sz="2000" dirty="0" smtClean="0">
-                <a:solidFill>
-                  <a:srgbClr val="000099"/>
-                </a:solidFill>
-                <a:latin typeface="Consolas" charset="0"/>
-                <a:ea typeface="Consolas" charset="0"/>
-                <a:cs typeface="Consolas" charset="0"/>
-              </a:rPr>
-              <a:t>g(void) </a:t>
-            </a:r>
+              <a:t>     if (a &gt; 0) {</a:t>
+            </a:r>
+          </a:p>
+          <a:p>
             <a:r>
               <a:rPr lang="en-US" sz="2000" dirty="0">
                 <a:solidFill>
@@ -6203,10 +6060,19 @@
                 <a:ea typeface="Consolas" charset="0"/>
                 <a:cs typeface="Consolas" charset="0"/>
               </a:rPr>
-              <a:t>{</a:t>
-            </a:r>
-          </a:p>
-          <a:p>
+              <a:t>        </a:t>
+            </a:r>
+            <a:r>
+              <a:rPr lang="en-US" sz="2000" dirty="0" err="1">
+                <a:solidFill>
+                  <a:srgbClr val="000099"/>
+                </a:solidFill>
+                <a:latin typeface="Consolas" charset="0"/>
+                <a:ea typeface="Consolas" charset="0"/>
+                <a:cs typeface="Consolas" charset="0"/>
+              </a:rPr>
+              <a:t>int</a:t>
+            </a:r>
             <a:r>
               <a:rPr lang="en-US" sz="2000" dirty="0">
                 <a:solidFill>
@@ -6216,55 +6082,11 @@
                 <a:ea typeface="Consolas" charset="0"/>
                 <a:cs typeface="Consolas" charset="0"/>
               </a:rPr>
-              <a:t>     </a:t>
-            </a:r>
-            <a:r>
-              <a:rPr lang="en-US" sz="2000" dirty="0" err="1" smtClean="0">
-                <a:solidFill>
-                  <a:srgbClr val="000099"/>
-                </a:solidFill>
-                <a:latin typeface="Consolas" charset="0"/>
-                <a:ea typeface="Consolas" charset="0"/>
-                <a:cs typeface="Consolas" charset="0"/>
-              </a:rPr>
-              <a:t>int</a:t>
-            </a:r>
-            <a:r>
-              <a:rPr lang="en-US" sz="2000" dirty="0" smtClean="0">
-                <a:solidFill>
-                  <a:srgbClr val="000099"/>
-                </a:solidFill>
-                <a:latin typeface="Consolas" charset="0"/>
-                <a:ea typeface="Consolas" charset="0"/>
-                <a:cs typeface="Consolas" charset="0"/>
-              </a:rPr>
-              <a:t> a </a:t>
+              <a:t> a;         </a:t>
             </a:r>
             <a:r>
               <a:rPr lang="en-US" sz="2000" dirty="0">
                 <a:solidFill>
-                  <a:srgbClr val="000099"/>
-                </a:solidFill>
-                <a:latin typeface="Consolas" charset="0"/>
-                <a:ea typeface="Consolas" charset="0"/>
-                <a:cs typeface="Consolas" charset="0"/>
-              </a:rPr>
-              <a:t>= </a:t>
-            </a:r>
-            <a:r>
-              <a:rPr lang="en-US" sz="2000" dirty="0" smtClean="0">
-                <a:solidFill>
-                  <a:srgbClr val="000099"/>
-                </a:solidFill>
-                <a:latin typeface="Consolas" charset="0"/>
-                <a:ea typeface="Consolas" charset="0"/>
-                <a:cs typeface="Consolas" charset="0"/>
-              </a:rPr>
-              <a:t>2;      </a:t>
-            </a:r>
-            <a:r>
-              <a:rPr lang="en-US" sz="2000" dirty="0" smtClean="0">
-                <a:solidFill>
                   <a:srgbClr val="00B050"/>
                 </a:solidFill>
                 <a:latin typeface="Consolas" charset="0"/>
@@ -6293,38 +6115,21 @@
                 <a:ea typeface="Consolas" charset="0"/>
                 <a:cs typeface="Consolas" charset="0"/>
               </a:rPr>
-              <a:t> </a:t>
-            </a:r>
-            <a:r>
-              <a:rPr lang="en-US" sz="2000" dirty="0" smtClean="0">
-                <a:solidFill>
-                  <a:srgbClr val="00B050"/>
-                </a:solidFill>
-                <a:latin typeface="Consolas" charset="0"/>
-                <a:ea typeface="Consolas" charset="0"/>
-                <a:cs typeface="Consolas" charset="0"/>
-              </a:rPr>
-              <a:t>3 </a:t>
-            </a:r>
+              <a:t> 4 */</a:t>
+            </a:r>
+          </a:p>
+          <a:p>
             <a:r>
               <a:rPr lang="en-US" sz="2000" dirty="0">
                 <a:solidFill>
-                  <a:srgbClr val="00B050"/>
-                </a:solidFill>
-                <a:latin typeface="Consolas" charset="0"/>
-                <a:ea typeface="Consolas" charset="0"/>
-                <a:cs typeface="Consolas" charset="0"/>
-              </a:rPr>
-              <a:t>*/</a:t>
-            </a:r>
-            <a:endParaRPr lang="en-US" sz="2000" dirty="0" smtClean="0">
-              <a:solidFill>
-                <a:srgbClr val="00B050"/>
-              </a:solidFill>
-              <a:latin typeface="Consolas" charset="0"/>
-              <a:ea typeface="Consolas" charset="0"/>
-              <a:cs typeface="Consolas" charset="0"/>
-            </a:endParaRPr>
+                  <a:srgbClr val="000099"/>
+                </a:solidFill>
+                <a:latin typeface="Consolas" charset="0"/>
+                <a:ea typeface="Consolas" charset="0"/>
+                <a:cs typeface="Consolas" charset="0"/>
+              </a:rPr>
+              <a:t>        a = 3;</a:t>
+            </a:r>
           </a:p>
           <a:p>
             <a:r>
@@ -6336,18 +6141,7 @@
                 <a:ea typeface="Consolas" charset="0"/>
                 <a:cs typeface="Consolas" charset="0"/>
               </a:rPr>
-              <a:t> </a:t>
-            </a:r>
-            <a:r>
-              <a:rPr lang="en-US" sz="2000" dirty="0" smtClean="0">
-                <a:solidFill>
-                  <a:srgbClr val="000099"/>
-                </a:solidFill>
-                <a:latin typeface="Consolas" charset="0"/>
-                <a:ea typeface="Consolas" charset="0"/>
-                <a:cs typeface="Consolas" charset="0"/>
-              </a:rPr>
-              <a:t>    if (a &gt; 0) {</a:t>
+              <a:t>     }</a:t>
             </a:r>
           </a:p>
           <a:p>
@@ -6360,181 +6154,13 @@
                 <a:ea typeface="Consolas" charset="0"/>
                 <a:cs typeface="Consolas" charset="0"/>
               </a:rPr>
-              <a:t> </a:t>
-            </a:r>
-            <a:r>
-              <a:rPr lang="en-US" sz="2000" dirty="0" smtClean="0">
-                <a:solidFill>
-                  <a:srgbClr val="000099"/>
-                </a:solidFill>
-                <a:latin typeface="Consolas" charset="0"/>
-                <a:ea typeface="Consolas" charset="0"/>
-                <a:cs typeface="Consolas" charset="0"/>
-              </a:rPr>
-              <a:t>       </a:t>
-            </a:r>
-            <a:r>
-              <a:rPr lang="en-US" sz="2000" dirty="0" err="1" smtClean="0">
-                <a:solidFill>
-                  <a:srgbClr val="000099"/>
-                </a:solidFill>
-                <a:latin typeface="Consolas" charset="0"/>
-                <a:ea typeface="Consolas" charset="0"/>
-                <a:cs typeface="Consolas" charset="0"/>
-              </a:rPr>
-              <a:t>int</a:t>
-            </a:r>
-            <a:r>
-              <a:rPr lang="en-US" sz="2000" dirty="0" smtClean="0">
-                <a:solidFill>
-                  <a:srgbClr val="000099"/>
-                </a:solidFill>
-                <a:latin typeface="Consolas" charset="0"/>
-                <a:ea typeface="Consolas" charset="0"/>
-                <a:cs typeface="Consolas" charset="0"/>
-              </a:rPr>
-              <a:t> a;         </a:t>
-            </a:r>
+              <a:t>     a = 4;    </a:t>
+            </a:r>
+          </a:p>
+          <a:p>
             <a:r>
               <a:rPr lang="en-US" sz="2000" dirty="0">
                 <a:solidFill>
-                  <a:srgbClr val="00B050"/>
-                </a:solidFill>
-                <a:latin typeface="Consolas" charset="0"/>
-                <a:ea typeface="Consolas" charset="0"/>
-                <a:cs typeface="Consolas" charset="0"/>
-              </a:rPr>
-              <a:t>/* </a:t>
-            </a:r>
-            <a:r>
-              <a:rPr lang="en-US" sz="2000" dirty="0" err="1">
-                <a:solidFill>
-                  <a:srgbClr val="00B050"/>
-                </a:solidFill>
-                <a:latin typeface="Consolas" charset="0"/>
-                <a:ea typeface="Consolas" charset="0"/>
-                <a:cs typeface="Consolas" charset="0"/>
-              </a:rPr>
-              <a:t>decl</a:t>
-            </a:r>
-            <a:r>
-              <a:rPr lang="en-US" sz="2000" dirty="0">
-                <a:solidFill>
-                  <a:srgbClr val="00B050"/>
-                </a:solidFill>
-                <a:latin typeface="Consolas" charset="0"/>
-                <a:ea typeface="Consolas" charset="0"/>
-                <a:cs typeface="Consolas" charset="0"/>
-              </a:rPr>
-              <a:t> </a:t>
-            </a:r>
-            <a:r>
-              <a:rPr lang="en-US" sz="2000" dirty="0" smtClean="0">
-                <a:solidFill>
-                  <a:srgbClr val="00B050"/>
-                </a:solidFill>
-                <a:latin typeface="Consolas" charset="0"/>
-                <a:ea typeface="Consolas" charset="0"/>
-                <a:cs typeface="Consolas" charset="0"/>
-              </a:rPr>
-              <a:t>4 </a:t>
-            </a:r>
-            <a:r>
-              <a:rPr lang="en-US" sz="2000" dirty="0">
-                <a:solidFill>
-                  <a:srgbClr val="00B050"/>
-                </a:solidFill>
-                <a:latin typeface="Consolas" charset="0"/>
-                <a:ea typeface="Consolas" charset="0"/>
-                <a:cs typeface="Consolas" charset="0"/>
-              </a:rPr>
-              <a:t>*/</a:t>
-            </a:r>
-            <a:endParaRPr lang="en-US" sz="2000" dirty="0" smtClean="0">
-              <a:solidFill>
-                <a:srgbClr val="00B050"/>
-              </a:solidFill>
-              <a:latin typeface="Consolas" charset="0"/>
-              <a:ea typeface="Consolas" charset="0"/>
-              <a:cs typeface="Consolas" charset="0"/>
-            </a:endParaRPr>
-          </a:p>
-          <a:p>
-            <a:r>
-              <a:rPr lang="en-US" sz="2000" dirty="0">
-                <a:solidFill>
-                  <a:srgbClr val="000099"/>
-                </a:solidFill>
-                <a:latin typeface="Consolas" charset="0"/>
-                <a:ea typeface="Consolas" charset="0"/>
-                <a:cs typeface="Consolas" charset="0"/>
-              </a:rPr>
-              <a:t> </a:t>
-            </a:r>
-            <a:r>
-              <a:rPr lang="en-US" sz="2000" dirty="0" smtClean="0">
-                <a:solidFill>
-                  <a:srgbClr val="000099"/>
-                </a:solidFill>
-                <a:latin typeface="Consolas" charset="0"/>
-                <a:ea typeface="Consolas" charset="0"/>
-                <a:cs typeface="Consolas" charset="0"/>
-              </a:rPr>
-              <a:t>       a = 3;</a:t>
-            </a:r>
-          </a:p>
-          <a:p>
-            <a:r>
-              <a:rPr lang="en-US" sz="2000" dirty="0">
-                <a:solidFill>
-                  <a:srgbClr val="000099"/>
-                </a:solidFill>
-                <a:latin typeface="Consolas" charset="0"/>
-                <a:ea typeface="Consolas" charset="0"/>
-                <a:cs typeface="Consolas" charset="0"/>
-              </a:rPr>
-              <a:t> </a:t>
-            </a:r>
-            <a:r>
-              <a:rPr lang="en-US" sz="2000" dirty="0" smtClean="0">
-                <a:solidFill>
-                  <a:srgbClr val="000099"/>
-                </a:solidFill>
-                <a:latin typeface="Consolas" charset="0"/>
-                <a:ea typeface="Consolas" charset="0"/>
-                <a:cs typeface="Consolas" charset="0"/>
-              </a:rPr>
-              <a:t>    }</a:t>
-            </a:r>
-          </a:p>
-          <a:p>
-            <a:r>
-              <a:rPr lang="en-US" sz="2000" dirty="0">
-                <a:solidFill>
-                  <a:srgbClr val="000099"/>
-                </a:solidFill>
-                <a:latin typeface="Consolas" charset="0"/>
-                <a:ea typeface="Consolas" charset="0"/>
-                <a:cs typeface="Consolas" charset="0"/>
-              </a:rPr>
-              <a:t> </a:t>
-            </a:r>
-            <a:r>
-              <a:rPr lang="en-US" sz="2000" dirty="0" smtClean="0">
-                <a:solidFill>
-                  <a:srgbClr val="000099"/>
-                </a:solidFill>
-                <a:latin typeface="Consolas" charset="0"/>
-                <a:ea typeface="Consolas" charset="0"/>
-                <a:cs typeface="Consolas" charset="0"/>
-              </a:rPr>
-              <a:t>    a = 4;    </a:t>
-            </a:r>
-          </a:p>
-          <a:p>
-            <a:r>
-              <a:rPr lang="en-US" sz="2000" dirty="0" smtClean="0">
-                <a:solidFill>
                   <a:srgbClr val="000099"/>
                 </a:solidFill>
                 <a:latin typeface="Consolas" charset="0"/>
@@ -6543,14 +6169,6 @@
               </a:rPr>
               <a:t>}</a:t>
             </a:r>
-            <a:endParaRPr lang="en-US" sz="2000" dirty="0">
-              <a:solidFill>
-                <a:srgbClr val="000099"/>
-              </a:solidFill>
-              <a:latin typeface="Consolas" charset="0"/>
-              <a:ea typeface="Consolas" charset="0"/>
-              <a:cs typeface="Consolas" charset="0"/>
-            </a:endParaRPr>
           </a:p>
         </p:txBody>
       </p:sp>
@@ -6583,7 +6201,7 @@
           <a:lstStyle/>
           <a:p>
             <a:r>
-              <a:rPr lang="en-US" sz="2400" dirty="0" smtClean="0">
+              <a:rPr lang="en-US" sz="2400" dirty="0">
                 <a:solidFill>
                   <a:srgbClr val="000099"/>
                 </a:solidFill>
@@ -6604,23 +6222,12 @@
                 <a:ea typeface="Consolas" charset="0"/>
                 <a:cs typeface="Consolas" charset="0"/>
               </a:rPr>
-              <a:t> </a:t>
-            </a:r>
-            <a:r>
-              <a:rPr lang="en-US" sz="2400" dirty="0" smtClean="0">
-                <a:solidFill>
-                  <a:srgbClr val="000099"/>
-                </a:solidFill>
-                <a:latin typeface="Consolas" charset="0"/>
-                <a:ea typeface="Consolas" charset="0"/>
-                <a:cs typeface="Consolas" charset="0"/>
-              </a:rPr>
-              <a:t>   a = 5;</a:t>
-            </a:r>
-          </a:p>
-          <a:p>
-            <a:r>
-              <a:rPr lang="en-US" sz="2400" dirty="0" smtClean="0">
+              <a:t>    a = 5;</a:t>
+            </a:r>
+          </a:p>
+          <a:p>
+            <a:r>
+              <a:rPr lang="en-US" sz="2400" dirty="0">
                 <a:solidFill>
                   <a:srgbClr val="000099"/>
                 </a:solidFill>
@@ -6937,7 +6544,7 @@
               <a:buChar char="•"/>
             </a:pPr>
             <a:r>
-              <a:rPr lang="en-US" sz="2000" dirty="0" smtClean="0"/>
+              <a:rPr lang="en-US" sz="2000" dirty="0"/>
               <a:t>Parameter a (decl. 2) in f: hides external variable a</a:t>
             </a:r>
           </a:p>
@@ -6947,7 +6554,7 @@
               <a:buChar char="•"/>
             </a:pPr>
             <a:r>
-              <a:rPr lang="en-US" sz="2000" dirty="0" smtClean="0"/>
+              <a:rPr lang="en-US" sz="2000" dirty="0"/>
               <a:t>Local variable a (decl. 3) hides external variable a</a:t>
             </a:r>
           </a:p>
@@ -6957,7 +6564,7 @@
               <a:buChar char="•"/>
             </a:pPr>
             <a:r>
-              <a:rPr lang="en-US" sz="2000" dirty="0" smtClean="0"/>
+              <a:rPr lang="en-US" sz="2000" dirty="0"/>
               <a:t>Block variable a (decl. 4) hides local variable a in g</a:t>
             </a:r>
           </a:p>
@@ -6967,7 +6574,7 @@
               <a:buChar char="•"/>
             </a:pPr>
             <a:r>
-              <a:rPr lang="en-US" sz="2000" dirty="0" smtClean="0"/>
+              <a:rPr lang="en-US" sz="2000" dirty="0"/>
               <a:t>External variable a visible in h</a:t>
             </a:r>
           </a:p>
@@ -7456,14 +7063,9 @@
           <a:lstStyle/>
           <a:p>
             <a:r>
-              <a:rPr lang="en-US" dirty="0" smtClean="0"/>
-              <a:t>Program </a:t>
-            </a:r>
-            <a:r>
-              <a:rPr lang="en-US" dirty="0" smtClean="0"/>
-              <a:t>Organization (structure of a .c file)</a:t>
-            </a:r>
-            <a:endParaRPr lang="en-US" dirty="0"/>
+              <a:rPr lang="en-US" dirty="0"/>
+              <a:t>Program Organization (structure of a .c file)</a:t>
+            </a:r>
           </a:p>
         </p:txBody>
       </p:sp>
@@ -7490,51 +7092,51 @@
           <a:lstStyle/>
           <a:p>
             <a:r>
-              <a:rPr lang="en-US" sz="2400" dirty="0" smtClean="0"/>
+              <a:rPr lang="en-US" sz="2400" dirty="0"/>
               <a:t>Preprocessing directives: #include, #define</a:t>
             </a:r>
           </a:p>
           <a:p>
             <a:r>
-              <a:rPr lang="en-US" sz="2400" dirty="0" smtClean="0"/>
+              <a:rPr lang="en-US" sz="2400" dirty="0"/>
               <a:t>Type definitions: </a:t>
             </a:r>
             <a:r>
-              <a:rPr lang="en-US" sz="2400" dirty="0" err="1" smtClean="0"/>
+              <a:rPr lang="en-US" sz="2400" dirty="0" err="1"/>
               <a:t>typedef</a:t>
             </a:r>
             <a:r>
-              <a:rPr lang="en-US" sz="2400" dirty="0" smtClean="0"/>
+              <a:rPr lang="en-US" sz="2400" dirty="0"/>
               <a:t> (optional content)</a:t>
             </a:r>
           </a:p>
           <a:p>
             <a:r>
-              <a:rPr lang="en-US" sz="2400" dirty="0" smtClean="0"/>
+              <a:rPr lang="en-US" sz="2400" dirty="0"/>
               <a:t>Declaration of external variables</a:t>
             </a:r>
           </a:p>
           <a:p>
             <a:r>
-              <a:rPr lang="en-US" sz="2400" dirty="0" smtClean="0"/>
+              <a:rPr lang="en-US" sz="2400" dirty="0"/>
               <a:t>Function prototypes (declarations)</a:t>
             </a:r>
           </a:p>
           <a:p>
             <a:r>
-              <a:rPr lang="en-US" sz="2400" dirty="0" smtClean="0"/>
+              <a:rPr lang="en-US" sz="2400" dirty="0"/>
               <a:t>Definition of main</a:t>
             </a:r>
           </a:p>
           <a:p>
             <a:r>
-              <a:rPr lang="en-US" sz="2400" dirty="0" smtClean="0"/>
+              <a:rPr lang="en-US" sz="2400" dirty="0"/>
               <a:t>Definition of other functions</a:t>
             </a:r>
           </a:p>
           <a:p>
             <a:pPr lvl="1"/>
-            <a:endParaRPr lang="en-US" dirty="0" smtClean="0"/>
+            <a:endParaRPr lang="en-US" dirty="0"/>
           </a:p>
         </p:txBody>
       </p:sp>
@@ -7572,13 +7174,6 @@
   <p:clrMapOvr>
     <a:masterClrMapping/>
   </p:clrMapOvr>
-  <p:timing>
-    <p:tnLst>
-      <p:par>
-        <p:cTn id="1" dur="indefinite" restart="never" nodeType="tmRoot"/>
-      </p:par>
-    </p:tnLst>
-  </p:timing>
 </p:sld>
 </file>
 
@@ -7662,18 +7257,13 @@
           <a:lstStyle/>
           <a:p>
             <a:r>
-              <a:rPr lang="en-US" sz="3600" dirty="0" smtClean="0">
+              <a:rPr lang="en-US" sz="3600" dirty="0">
                 <a:solidFill>
                   <a:schemeClr val="bg1"/>
                 </a:solidFill>
               </a:rPr>
               <a:t>What is the output?</a:t>
             </a:r>
-            <a:endParaRPr lang="en-US" sz="3600" dirty="0">
-              <a:solidFill>
-                <a:schemeClr val="bg1"/>
-              </a:solidFill>
-            </a:endParaRPr>
           </a:p>
         </p:txBody>
       </p:sp>
@@ -7865,7 +7455,7 @@
               <a:buAutoNum type="arabicPeriod"/>
             </a:pPr>
             <a:r>
-              <a:rPr lang="en-US" sz="3600" dirty="0" smtClean="0">
+              <a:rPr lang="en-US" sz="3600" dirty="0">
                 <a:solidFill>
                   <a:srgbClr val="0CFA02"/>
                 </a:solidFill>
@@ -7882,7 +7472,7 @@
               <a:buAutoNum type="arabicPeriod"/>
             </a:pPr>
             <a:r>
-              <a:rPr lang="en-US" sz="3600" dirty="0" smtClean="0">
+              <a:rPr lang="en-US" sz="3600" dirty="0">
                 <a:solidFill>
                   <a:srgbClr val="FEFB01"/>
                 </a:solidFill>
@@ -7899,7 +7489,7 @@
               <a:buAutoNum type="arabicPeriod"/>
             </a:pPr>
             <a:r>
-              <a:rPr lang="en-US" sz="3600" dirty="0" smtClean="0">
+              <a:rPr lang="en-US" sz="3600" dirty="0">
                 <a:solidFill>
                   <a:srgbClr val="F5A007"/>
                 </a:solidFill>
@@ -7916,7 +7506,7 @@
               <a:buAutoNum type="arabicPeriod"/>
             </a:pPr>
             <a:r>
-              <a:rPr lang="en-US" sz="3600" dirty="0" smtClean="0">
+              <a:rPr lang="en-US" sz="3600" dirty="0">
                 <a:solidFill>
                   <a:srgbClr val="F21AF1"/>
                 </a:solidFill>
@@ -7926,14 +7516,6 @@
               </a:rPr>
               <a:t>Error</a:t>
             </a:r>
-            <a:endParaRPr lang="en-US" sz="3600" dirty="0">
-              <a:solidFill>
-                <a:srgbClr val="F21AF1"/>
-              </a:solidFill>
-              <a:latin typeface="Consolas" charset="0"/>
-              <a:ea typeface="Consolas" charset="0"/>
-              <a:cs typeface="Consolas" charset="0"/>
-            </a:endParaRPr>
           </a:p>
         </p:txBody>
       </p:sp>
@@ -8191,20 +7773,19 @@
           <a:lstStyle/>
           <a:p>
             <a:r>
-              <a:rPr lang="en-US" sz="2400" smtClean="0"/>
+              <a:rPr lang="en-US" sz="2400"/>
               <a:t>The </a:t>
             </a:r>
             <a:r>
-              <a:rPr lang="en-US" sz="2400" dirty="0" smtClean="0"/>
+              <a:rPr lang="en-US" sz="2400" dirty="0"/>
               <a:t>declaration of local variable a inside f hides the external variable a.</a:t>
             </a:r>
           </a:p>
           <a:p>
             <a:r>
-              <a:rPr lang="en-US" sz="2400" dirty="0" smtClean="0"/>
+              <a:rPr lang="en-US" sz="2400" dirty="0"/>
               <a:t>The local variable is printed</a:t>
             </a:r>
-            <a:endParaRPr lang="en-US" sz="2400" dirty="0"/>
           </a:p>
         </p:txBody>
       </p:sp>
@@ -8379,18 +7960,13 @@
           <a:lstStyle/>
           <a:p>
             <a:r>
-              <a:rPr lang="en-US" sz="3600" dirty="0" smtClean="0">
+              <a:rPr lang="en-US" sz="3600" dirty="0">
                 <a:solidFill>
                   <a:schemeClr val="bg1"/>
                 </a:solidFill>
               </a:rPr>
               <a:t>What is the output?</a:t>
             </a:r>
-            <a:endParaRPr lang="en-US" sz="3600" dirty="0">
-              <a:solidFill>
-                <a:schemeClr val="bg1"/>
-              </a:solidFill>
-            </a:endParaRPr>
           </a:p>
         </p:txBody>
       </p:sp>
@@ -8582,7 +8158,7 @@
               <a:buAutoNum type="arabicPeriod"/>
             </a:pPr>
             <a:r>
-              <a:rPr lang="en-US" sz="3600" dirty="0" smtClean="0">
+              <a:rPr lang="en-US" sz="3600" dirty="0">
                 <a:solidFill>
                   <a:srgbClr val="0CFA02"/>
                 </a:solidFill>
@@ -8599,7 +8175,7 @@
               <a:buAutoNum type="arabicPeriod"/>
             </a:pPr>
             <a:r>
-              <a:rPr lang="en-US" sz="3600" dirty="0" smtClean="0">
+              <a:rPr lang="en-US" sz="3600" dirty="0">
                 <a:solidFill>
                   <a:srgbClr val="FEFB01"/>
                 </a:solidFill>
@@ -8616,7 +8192,7 @@
               <a:buAutoNum type="arabicPeriod"/>
             </a:pPr>
             <a:r>
-              <a:rPr lang="en-US" sz="3600" dirty="0" smtClean="0">
+              <a:rPr lang="en-US" sz="3600" dirty="0">
                 <a:solidFill>
                   <a:srgbClr val="F5A007"/>
                 </a:solidFill>
@@ -8633,7 +8209,7 @@
               <a:buAutoNum type="arabicPeriod"/>
             </a:pPr>
             <a:r>
-              <a:rPr lang="en-US" sz="3600" dirty="0" smtClean="0">
+              <a:rPr lang="en-US" sz="3600" dirty="0">
                 <a:solidFill>
                   <a:srgbClr val="F21AF1"/>
                 </a:solidFill>
@@ -8643,14 +8219,6 @@
               </a:rPr>
               <a:t>Error</a:t>
             </a:r>
-            <a:endParaRPr lang="en-US" sz="3600" dirty="0">
-              <a:solidFill>
-                <a:srgbClr val="F21AF1"/>
-              </a:solidFill>
-              <a:latin typeface="Consolas" charset="0"/>
-              <a:ea typeface="Consolas" charset="0"/>
-              <a:cs typeface="Consolas" charset="0"/>
-            </a:endParaRPr>
           </a:p>
         </p:txBody>
       </p:sp>
@@ -8944,11 +8512,11 @@
           <a:lstStyle/>
           <a:p>
             <a:r>
-              <a:rPr lang="en-US" sz="2400" smtClean="0"/>
+              <a:rPr lang="en-US" sz="2400"/>
               <a:t>The </a:t>
             </a:r>
             <a:r>
-              <a:rPr lang="en-US" sz="2400" dirty="0" smtClean="0"/>
+              <a:rPr lang="en-US" sz="2400" dirty="0"/>
               <a:t>declaration of local variable a inside f hides the external variable a, starting from the time a was declared. Before a was declared, when b was initialized, only the external a was visible</a:t>
             </a:r>
           </a:p>
@@ -9125,18 +8693,13 @@
           <a:lstStyle/>
           <a:p>
             <a:r>
-              <a:rPr lang="en-US" sz="3600" dirty="0" smtClean="0">
+              <a:rPr lang="en-US" sz="3600" dirty="0">
                 <a:solidFill>
                   <a:schemeClr val="bg1"/>
                 </a:solidFill>
               </a:rPr>
               <a:t>What is the output?</a:t>
             </a:r>
-            <a:endParaRPr lang="en-US" sz="3600" dirty="0">
-              <a:solidFill>
-                <a:schemeClr val="bg1"/>
-              </a:solidFill>
-            </a:endParaRPr>
           </a:p>
         </p:txBody>
       </p:sp>
@@ -9328,7 +8891,7 @@
               <a:buAutoNum type="arabicPeriod"/>
             </a:pPr>
             <a:r>
-              <a:rPr lang="en-US" sz="3600" dirty="0" smtClean="0">
+              <a:rPr lang="en-US" sz="3600" dirty="0">
                 <a:solidFill>
                   <a:srgbClr val="0CFA02"/>
                 </a:solidFill>
@@ -9345,7 +8908,7 @@
               <a:buAutoNum type="arabicPeriod"/>
             </a:pPr>
             <a:r>
-              <a:rPr lang="en-US" sz="3600" dirty="0" smtClean="0">
+              <a:rPr lang="en-US" sz="3600" dirty="0">
                 <a:solidFill>
                   <a:srgbClr val="FEFB01"/>
                 </a:solidFill>
@@ -9362,7 +8925,7 @@
               <a:buAutoNum type="arabicPeriod"/>
             </a:pPr>
             <a:r>
-              <a:rPr lang="en-US" sz="3600" dirty="0" smtClean="0">
+              <a:rPr lang="en-US" sz="3600" dirty="0">
                 <a:solidFill>
                   <a:srgbClr val="F5A007"/>
                 </a:solidFill>
@@ -9379,7 +8942,7 @@
               <a:buAutoNum type="arabicPeriod"/>
             </a:pPr>
             <a:r>
-              <a:rPr lang="en-US" sz="3600" dirty="0" smtClean="0">
+              <a:rPr lang="en-US" sz="3600" dirty="0">
                 <a:solidFill>
                   <a:srgbClr val="F21AF1"/>
                 </a:solidFill>
@@ -9389,14 +8952,6 @@
               </a:rPr>
               <a:t>Error</a:t>
             </a:r>
-            <a:endParaRPr lang="en-US" sz="3600" dirty="0">
-              <a:solidFill>
-                <a:srgbClr val="F21AF1"/>
-              </a:solidFill>
-              <a:latin typeface="Consolas" charset="0"/>
-              <a:ea typeface="Consolas" charset="0"/>
-              <a:cs typeface="Consolas" charset="0"/>
-            </a:endParaRPr>
           </a:p>
         </p:txBody>
       </p:sp>
@@ -9772,7 +9327,7 @@
           <a:p>
             <a:pPr defTabSz="457200"/>
             <a:r>
-              <a:rPr lang="en-US" sz="2000" dirty="0" err="1" smtClean="0">
+              <a:rPr lang="en-US" sz="2000" dirty="0" err="1">
                 <a:solidFill>
                   <a:srgbClr val="000099"/>
                 </a:solidFill>
@@ -9783,35 +9338,16 @@
               <a:t>int</a:t>
             </a:r>
             <a:r>
-              <a:rPr lang="en-US" sz="2000" dirty="0" smtClean="0">
-                <a:solidFill>
-                  <a:srgbClr val="000099"/>
-                </a:solidFill>
-                <a:latin typeface="Consolas" charset="0"/>
-                <a:ea typeface="Consolas" charset="0"/>
-                <a:cs typeface="Consolas" charset="0"/>
-              </a:rPr>
-              <a:t> main(void) </a:t>
-            </a:r>
-            <a:r>
-              <a:rPr lang="en-US" sz="2000" dirty="0" smtClean="0">
-                <a:solidFill>
-                  <a:srgbClr val="000099"/>
-                </a:solidFill>
-                <a:latin typeface="Consolas" charset="0"/>
-                <a:ea typeface="Consolas" charset="0"/>
-                <a:cs typeface="Consolas" charset="0"/>
-              </a:rPr>
-              <a:t>{</a:t>
-            </a:r>
-            <a:endParaRPr lang="en-US" sz="2000" dirty="0" smtClean="0">
-              <a:solidFill>
-                <a:srgbClr val="000099"/>
-              </a:solidFill>
-              <a:latin typeface="Consolas" charset="0"/>
-              <a:ea typeface="Consolas" charset="0"/>
-              <a:cs typeface="Consolas" charset="0"/>
-            </a:endParaRPr>
+              <a:rPr lang="en-US" sz="2000" dirty="0">
+                <a:solidFill>
+                  <a:srgbClr val="000099"/>
+                </a:solidFill>
+                <a:latin typeface="Consolas" charset="0"/>
+                <a:ea typeface="Consolas" charset="0"/>
+                <a:cs typeface="Consolas" charset="0"/>
+              </a:rPr>
+              <a:t> main(void) {</a:t>
+            </a:r>
           </a:p>
           <a:p>
             <a:pPr defTabSz="457200"/>
@@ -9827,7 +9363,7 @@
               <a:t>	</a:t>
             </a:r>
             <a:r>
-              <a:rPr lang="en-US" sz="2000" dirty="0" err="1" smtClean="0">
+              <a:rPr lang="en-US" sz="2000" dirty="0" err="1">
                 <a:solidFill>
                   <a:srgbClr val="000099"/>
                 </a:solidFill>
@@ -9838,26 +9374,15 @@
               <a:t>int</a:t>
             </a:r>
             <a:r>
-              <a:rPr lang="en-US" sz="2000" dirty="0" smtClean="0">
-                <a:solidFill>
-                  <a:srgbClr val="000099"/>
-                </a:solidFill>
-                <a:latin typeface="Consolas" charset="0"/>
-                <a:ea typeface="Consolas" charset="0"/>
-                <a:cs typeface="Consolas" charset="0"/>
-              </a:rPr>
-              <a:t> </a:t>
-            </a:r>
-            <a:r>
-              <a:rPr lang="en-US" sz="2000" dirty="0" smtClean="0">
-                <a:solidFill>
-                  <a:srgbClr val="000099"/>
-                </a:solidFill>
-                <a:latin typeface="Consolas" charset="0"/>
-                <a:ea typeface="Consolas" charset="0"/>
-                <a:cs typeface="Consolas" charset="0"/>
-              </a:rPr>
-              <a:t>x = 10, y = 20;</a:t>
+              <a:rPr lang="en-US" sz="2000" dirty="0">
+                <a:solidFill>
+                  <a:srgbClr val="000099"/>
+                </a:solidFill>
+                <a:latin typeface="Consolas" charset="0"/>
+                <a:ea typeface="Consolas" charset="0"/>
+                <a:cs typeface="Consolas" charset="0"/>
+              </a:rPr>
+              <a:t> x = 10, y = 20;</a:t>
             </a:r>
           </a:p>
           <a:p>
@@ -9871,27 +9396,8 @@
                 <a:ea typeface="Consolas" charset="0"/>
                 <a:cs typeface="Consolas" charset="0"/>
               </a:rPr>
-              <a:t>	</a:t>
-            </a:r>
-            <a:r>
-              <a:rPr lang="en-US" sz="2000" dirty="0" smtClean="0">
-                <a:solidFill>
-                  <a:srgbClr val="000099"/>
-                </a:solidFill>
-                <a:latin typeface="Consolas" charset="0"/>
-                <a:ea typeface="Consolas" charset="0"/>
-                <a:cs typeface="Consolas" charset="0"/>
-              </a:rPr>
-              <a:t>{</a:t>
-            </a:r>
-            <a:endParaRPr lang="en-US" sz="2000" dirty="0" smtClean="0">
-              <a:solidFill>
-                <a:srgbClr val="000099"/>
-              </a:solidFill>
-              <a:latin typeface="Consolas" charset="0"/>
-              <a:ea typeface="Consolas" charset="0"/>
-              <a:cs typeface="Consolas" charset="0"/>
-            </a:endParaRPr>
+              <a:t>	{</a:t>
+            </a:r>
           </a:p>
           <a:p>
             <a:pPr defTabSz="457200"/>
@@ -9904,21 +9410,10 @@
                 <a:ea typeface="Consolas" charset="0"/>
                 <a:cs typeface="Consolas" charset="0"/>
               </a:rPr>
-              <a:t>	</a:t>
-            </a:r>
-            <a:r>
-              <a:rPr lang="en-US" sz="2000" dirty="0" smtClean="0">
-                <a:solidFill>
-                  <a:srgbClr val="000099"/>
-                </a:solidFill>
-                <a:latin typeface="Consolas" charset="0"/>
-                <a:ea typeface="Consolas" charset="0"/>
-                <a:cs typeface="Consolas" charset="0"/>
-              </a:rPr>
-              <a:t>	</a:t>
-            </a:r>
-            <a:r>
-              <a:rPr lang="en-US" sz="2000" dirty="0" err="1" smtClean="0">
+              <a:t>		</a:t>
+            </a:r>
+            <a:r>
+              <a:rPr lang="en-US" sz="2000" dirty="0" err="1">
                 <a:solidFill>
                   <a:srgbClr val="000099"/>
                 </a:solidFill>
@@ -9929,7 +9424,7 @@
               <a:t>printf</a:t>
             </a:r>
             <a:r>
-              <a:rPr lang="en-US" sz="2000" dirty="0" smtClean="0">
+              <a:rPr lang="en-US" sz="2000" dirty="0">
                 <a:solidFill>
                   <a:srgbClr val="000099"/>
                 </a:solidFill>
@@ -9951,38 +9446,8 @@
                 <a:ea typeface="Consolas" charset="0"/>
                 <a:cs typeface="Consolas" charset="0"/>
               </a:rPr>
-              <a:t>	</a:t>
-            </a:r>
-            <a:r>
-              <a:rPr lang="en-US" sz="2000" dirty="0" smtClean="0">
-                <a:solidFill>
-                  <a:srgbClr val="000099"/>
-                </a:solidFill>
-                <a:latin typeface="Consolas" charset="0"/>
-                <a:ea typeface="Consolas" charset="0"/>
-                <a:cs typeface="Consolas" charset="0"/>
-              </a:rPr>
-              <a:t>	</a:t>
-            </a:r>
-            <a:r>
-              <a:rPr lang="en-US" sz="2000" dirty="0" smtClean="0">
-                <a:solidFill>
-                  <a:srgbClr val="000099"/>
-                </a:solidFill>
-                <a:latin typeface="Consolas" charset="0"/>
-                <a:ea typeface="Consolas" charset="0"/>
-                <a:cs typeface="Consolas" charset="0"/>
-              </a:rPr>
-              <a:t>{</a:t>
-            </a:r>
-            <a:endParaRPr lang="en-US" sz="2000" dirty="0" smtClean="0">
-              <a:solidFill>
-                <a:srgbClr val="000099"/>
-              </a:solidFill>
-              <a:latin typeface="Consolas" charset="0"/>
-              <a:ea typeface="Consolas" charset="0"/>
-              <a:cs typeface="Consolas" charset="0"/>
-            </a:endParaRPr>
+              <a:t>		{</a:t>
+            </a:r>
           </a:p>
           <a:p>
             <a:pPr defTabSz="457200"/>
@@ -9995,10 +9460,113 @@
                 <a:ea typeface="Consolas" charset="0"/>
                 <a:cs typeface="Consolas" charset="0"/>
               </a:rPr>
-              <a:t>	</a:t>
-            </a:r>
-            <a:r>
-              <a:rPr lang="en-US" sz="2000" dirty="0" smtClean="0">
+              <a:t>			</a:t>
+            </a:r>
+            <a:r>
+              <a:rPr lang="en-US" sz="2000" dirty="0" err="1">
+                <a:solidFill>
+                  <a:srgbClr val="000099"/>
+                </a:solidFill>
+                <a:latin typeface="Consolas" charset="0"/>
+                <a:ea typeface="Consolas" charset="0"/>
+                <a:cs typeface="Consolas" charset="0"/>
+              </a:rPr>
+              <a:t>int</a:t>
+            </a:r>
+            <a:r>
+              <a:rPr lang="en-US" sz="2000" dirty="0">
+                <a:solidFill>
+                  <a:srgbClr val="000099"/>
+                </a:solidFill>
+                <a:latin typeface="Consolas" charset="0"/>
+                <a:ea typeface="Consolas" charset="0"/>
+                <a:cs typeface="Consolas" charset="0"/>
+              </a:rPr>
+              <a:t> y = 40;</a:t>
+            </a:r>
+          </a:p>
+          <a:p>
+            <a:pPr defTabSz="457200"/>
+            <a:r>
+              <a:rPr lang="en-US" sz="2000" dirty="0">
+                <a:solidFill>
+                  <a:srgbClr val="000099"/>
+                </a:solidFill>
+                <a:latin typeface="Consolas" charset="0"/>
+                <a:ea typeface="Consolas" charset="0"/>
+                <a:cs typeface="Consolas" charset="0"/>
+              </a:rPr>
+              <a:t>			x++;</a:t>
+            </a:r>
+          </a:p>
+          <a:p>
+            <a:pPr defTabSz="457200"/>
+            <a:r>
+              <a:rPr lang="en-US" sz="2000" dirty="0">
+                <a:solidFill>
+                  <a:srgbClr val="000099"/>
+                </a:solidFill>
+                <a:latin typeface="Consolas" charset="0"/>
+                <a:ea typeface="Consolas" charset="0"/>
+                <a:cs typeface="Consolas" charset="0"/>
+              </a:rPr>
+              <a:t>			y++;</a:t>
+            </a:r>
+          </a:p>
+          <a:p>
+            <a:pPr defTabSz="457200"/>
+            <a:r>
+              <a:rPr lang="en-US" sz="2000" dirty="0">
+                <a:solidFill>
+                  <a:srgbClr val="000099"/>
+                </a:solidFill>
+                <a:latin typeface="Consolas" charset="0"/>
+                <a:ea typeface="Consolas" charset="0"/>
+                <a:cs typeface="Consolas" charset="0"/>
+              </a:rPr>
+              <a:t>			</a:t>
+            </a:r>
+            <a:r>
+              <a:rPr lang="en-US" sz="2000" dirty="0" err="1">
+                <a:solidFill>
+                  <a:srgbClr val="000099"/>
+                </a:solidFill>
+                <a:latin typeface="Consolas" charset="0"/>
+                <a:ea typeface="Consolas" charset="0"/>
+                <a:cs typeface="Consolas" charset="0"/>
+              </a:rPr>
+              <a:t>printf</a:t>
+            </a:r>
+            <a:r>
+              <a:rPr lang="en-US" sz="2000" dirty="0">
+                <a:solidFill>
+                  <a:srgbClr val="000099"/>
+                </a:solidFill>
+                <a:latin typeface="Consolas" charset="0"/>
+                <a:ea typeface="Consolas" charset="0"/>
+                <a:cs typeface="Consolas" charset="0"/>
+              </a:rPr>
+              <a:t>(“x = %d, y = %d\n”, x, y);</a:t>
+            </a:r>
+          </a:p>
+          <a:p>
+            <a:pPr defTabSz="457200"/>
+            <a:r>
+              <a:rPr lang="en-US" sz="2000" dirty="0">
+                <a:solidFill>
+                  <a:srgbClr val="000099"/>
+                </a:solidFill>
+                <a:latin typeface="Consolas" charset="0"/>
+                <a:ea typeface="Consolas" charset="0"/>
+                <a:cs typeface="Consolas" charset="0"/>
+              </a:rPr>
+              <a:t>		}</a:t>
+            </a:r>
+          </a:p>
+          <a:p>
+            <a:pPr defTabSz="457200"/>
+            <a:r>
+              <a:rPr lang="en-US" sz="2000" dirty="0">
                 <a:solidFill>
                   <a:srgbClr val="000099"/>
                 </a:solidFill>
@@ -10009,37 +9577,26 @@
               <a:t>		</a:t>
             </a:r>
             <a:r>
-              <a:rPr lang="en-US" sz="2000" dirty="0" err="1" smtClean="0">
-                <a:solidFill>
-                  <a:srgbClr val="000099"/>
-                </a:solidFill>
-                <a:latin typeface="Consolas" charset="0"/>
-                <a:ea typeface="Consolas" charset="0"/>
-                <a:cs typeface="Consolas" charset="0"/>
-              </a:rPr>
-              <a:t>int</a:t>
-            </a:r>
-            <a:r>
-              <a:rPr lang="en-US" sz="2000" dirty="0" smtClean="0">
-                <a:solidFill>
-                  <a:srgbClr val="000099"/>
-                </a:solidFill>
-                <a:latin typeface="Consolas" charset="0"/>
-                <a:ea typeface="Consolas" charset="0"/>
-                <a:cs typeface="Consolas" charset="0"/>
-              </a:rPr>
-              <a:t> </a:t>
-            </a:r>
-            <a:r>
-              <a:rPr lang="en-US" sz="2000" dirty="0" smtClean="0">
-                <a:solidFill>
-                  <a:srgbClr val="000099"/>
-                </a:solidFill>
-                <a:latin typeface="Consolas" charset="0"/>
-                <a:ea typeface="Consolas" charset="0"/>
-                <a:cs typeface="Consolas" charset="0"/>
-              </a:rPr>
-              <a:t>y = 40;</a:t>
+              <a:rPr lang="en-US" sz="2000" dirty="0" err="1">
+                <a:solidFill>
+                  <a:srgbClr val="000099"/>
+                </a:solidFill>
+                <a:latin typeface="Consolas" charset="0"/>
+                <a:ea typeface="Consolas" charset="0"/>
+                <a:cs typeface="Consolas" charset="0"/>
+              </a:rPr>
+              <a:t>printf</a:t>
+            </a:r>
+            <a:r>
+              <a:rPr lang="en-US" sz="2000" dirty="0">
+                <a:solidFill>
+                  <a:srgbClr val="000099"/>
+                </a:solidFill>
+                <a:latin typeface="Consolas" charset="0"/>
+                <a:ea typeface="Consolas" charset="0"/>
+                <a:cs typeface="Consolas" charset="0"/>
+              </a:rPr>
+              <a:t>(“x = %d, y = %d\n”, x, y);</a:t>
             </a:r>
           </a:p>
           <a:p>
@@ -10053,40 +9610,7 @@
                 <a:ea typeface="Consolas" charset="0"/>
                 <a:cs typeface="Consolas" charset="0"/>
               </a:rPr>
-              <a:t>	</a:t>
-            </a:r>
-            <a:r>
-              <a:rPr lang="en-US" sz="2000" dirty="0" smtClean="0">
-                <a:solidFill>
-                  <a:srgbClr val="000099"/>
-                </a:solidFill>
-                <a:latin typeface="Consolas" charset="0"/>
-                <a:ea typeface="Consolas" charset="0"/>
-                <a:cs typeface="Consolas" charset="0"/>
-              </a:rPr>
-              <a:t>		</a:t>
-            </a:r>
-            <a:r>
-              <a:rPr lang="en-US" sz="2000" dirty="0" smtClean="0">
-                <a:solidFill>
-                  <a:srgbClr val="000099"/>
-                </a:solidFill>
-                <a:latin typeface="Consolas" charset="0"/>
-                <a:ea typeface="Consolas" charset="0"/>
-                <a:cs typeface="Consolas" charset="0"/>
-              </a:rPr>
-              <a:t>x</a:t>
-            </a:r>
-            <a:r>
-              <a:rPr lang="en-US" sz="2000" dirty="0" smtClean="0">
-                <a:solidFill>
-                  <a:srgbClr val="000099"/>
-                </a:solidFill>
-                <a:latin typeface="Consolas" charset="0"/>
-                <a:ea typeface="Consolas" charset="0"/>
-                <a:cs typeface="Consolas" charset="0"/>
-              </a:rPr>
-              <a:t>++;</a:t>
+              <a:t>	}</a:t>
             </a:r>
           </a:p>
           <a:p>
@@ -10100,255 +9624,7 @@
                 <a:ea typeface="Consolas" charset="0"/>
                 <a:cs typeface="Consolas" charset="0"/>
               </a:rPr>
-              <a:t>	</a:t>
-            </a:r>
-            <a:r>
-              <a:rPr lang="en-US" sz="2000" dirty="0" smtClean="0">
-                <a:solidFill>
-                  <a:srgbClr val="000099"/>
-                </a:solidFill>
-                <a:latin typeface="Consolas" charset="0"/>
-                <a:ea typeface="Consolas" charset="0"/>
-                <a:cs typeface="Consolas" charset="0"/>
-              </a:rPr>
-              <a:t>		</a:t>
-            </a:r>
-            <a:r>
-              <a:rPr lang="en-US" sz="2000" dirty="0" smtClean="0">
-                <a:solidFill>
-                  <a:srgbClr val="000099"/>
-                </a:solidFill>
-                <a:latin typeface="Consolas" charset="0"/>
-                <a:ea typeface="Consolas" charset="0"/>
-                <a:cs typeface="Consolas" charset="0"/>
-              </a:rPr>
-              <a:t>y</a:t>
-            </a:r>
-            <a:r>
-              <a:rPr lang="en-US" sz="2000" dirty="0" smtClean="0">
-                <a:solidFill>
-                  <a:srgbClr val="000099"/>
-                </a:solidFill>
-                <a:latin typeface="Consolas" charset="0"/>
-                <a:ea typeface="Consolas" charset="0"/>
-                <a:cs typeface="Consolas" charset="0"/>
-              </a:rPr>
-              <a:t>++;</a:t>
-            </a:r>
-          </a:p>
-          <a:p>
-            <a:pPr defTabSz="457200"/>
-            <a:r>
-              <a:rPr lang="en-US" sz="2000" dirty="0" smtClean="0">
-                <a:solidFill>
-                  <a:srgbClr val="000099"/>
-                </a:solidFill>
-                <a:latin typeface="Consolas" charset="0"/>
-                <a:ea typeface="Consolas" charset="0"/>
-                <a:cs typeface="Consolas" charset="0"/>
-              </a:rPr>
-              <a:t>			</a:t>
-            </a:r>
-            <a:r>
-              <a:rPr lang="en-US" sz="2000" dirty="0" err="1" smtClean="0">
-                <a:solidFill>
-                  <a:srgbClr val="000099"/>
-                </a:solidFill>
-                <a:latin typeface="Consolas" charset="0"/>
-                <a:ea typeface="Consolas" charset="0"/>
-                <a:cs typeface="Consolas" charset="0"/>
-              </a:rPr>
-              <a:t>printf</a:t>
-            </a:r>
-            <a:r>
-              <a:rPr lang="en-US" sz="2000" dirty="0">
-                <a:solidFill>
-                  <a:srgbClr val="000099"/>
-                </a:solidFill>
-                <a:latin typeface="Consolas" charset="0"/>
-                <a:ea typeface="Consolas" charset="0"/>
-                <a:cs typeface="Consolas" charset="0"/>
-              </a:rPr>
-              <a:t>(“x = %d, y = %d\n”, x, y</a:t>
-            </a:r>
-            <a:r>
-              <a:rPr lang="en-US" sz="2000" dirty="0" smtClean="0">
-                <a:solidFill>
-                  <a:srgbClr val="000099"/>
-                </a:solidFill>
-                <a:latin typeface="Consolas" charset="0"/>
-                <a:ea typeface="Consolas" charset="0"/>
-                <a:cs typeface="Consolas" charset="0"/>
-              </a:rPr>
-              <a:t>);</a:t>
-            </a:r>
-          </a:p>
-          <a:p>
-            <a:pPr defTabSz="457200"/>
-            <a:r>
-              <a:rPr lang="en-US" sz="2000" dirty="0">
-                <a:solidFill>
-                  <a:srgbClr val="000099"/>
-                </a:solidFill>
-                <a:latin typeface="Consolas" charset="0"/>
-                <a:ea typeface="Consolas" charset="0"/>
-                <a:cs typeface="Consolas" charset="0"/>
-              </a:rPr>
-              <a:t>	</a:t>
-            </a:r>
-            <a:r>
-              <a:rPr lang="en-US" sz="2000" dirty="0" smtClean="0">
-                <a:solidFill>
-                  <a:srgbClr val="000099"/>
-                </a:solidFill>
-                <a:latin typeface="Consolas" charset="0"/>
-                <a:ea typeface="Consolas" charset="0"/>
-                <a:cs typeface="Consolas" charset="0"/>
-              </a:rPr>
-              <a:t>	</a:t>
-            </a:r>
-            <a:r>
-              <a:rPr lang="en-US" sz="2000" dirty="0" smtClean="0">
-                <a:solidFill>
-                  <a:srgbClr val="000099"/>
-                </a:solidFill>
-                <a:latin typeface="Consolas" charset="0"/>
-                <a:ea typeface="Consolas" charset="0"/>
-                <a:cs typeface="Consolas" charset="0"/>
-              </a:rPr>
-              <a:t>}</a:t>
-            </a:r>
-            <a:endParaRPr lang="en-US" sz="2000" dirty="0" smtClean="0">
-              <a:solidFill>
-                <a:srgbClr val="000099"/>
-              </a:solidFill>
-              <a:latin typeface="Consolas" charset="0"/>
-              <a:ea typeface="Consolas" charset="0"/>
-              <a:cs typeface="Consolas" charset="0"/>
-            </a:endParaRPr>
-          </a:p>
-          <a:p>
-            <a:pPr defTabSz="457200"/>
-            <a:r>
-              <a:rPr lang="en-US" sz="2000" dirty="0">
-                <a:solidFill>
-                  <a:srgbClr val="000099"/>
-                </a:solidFill>
-                <a:latin typeface="Consolas" charset="0"/>
-                <a:ea typeface="Consolas" charset="0"/>
-                <a:cs typeface="Consolas" charset="0"/>
-              </a:rPr>
-              <a:t>	</a:t>
-            </a:r>
-            <a:r>
-              <a:rPr lang="en-US" sz="2000" dirty="0" smtClean="0">
-                <a:solidFill>
-                  <a:srgbClr val="000099"/>
-                </a:solidFill>
-                <a:latin typeface="Consolas" charset="0"/>
-                <a:ea typeface="Consolas" charset="0"/>
-                <a:cs typeface="Consolas" charset="0"/>
-              </a:rPr>
-              <a:t>	</a:t>
-            </a:r>
-            <a:r>
-              <a:rPr lang="en-US" sz="2000" dirty="0" err="1" smtClean="0">
-                <a:solidFill>
-                  <a:srgbClr val="000099"/>
-                </a:solidFill>
-                <a:latin typeface="Consolas" charset="0"/>
-                <a:ea typeface="Consolas" charset="0"/>
-                <a:cs typeface="Consolas" charset="0"/>
-              </a:rPr>
-              <a:t>printf</a:t>
-            </a:r>
-            <a:r>
-              <a:rPr lang="en-US" sz="2000" dirty="0">
-                <a:solidFill>
-                  <a:srgbClr val="000099"/>
-                </a:solidFill>
-                <a:latin typeface="Consolas" charset="0"/>
-                <a:ea typeface="Consolas" charset="0"/>
-                <a:cs typeface="Consolas" charset="0"/>
-              </a:rPr>
-              <a:t>(“x = %d, y = %d\n”, x, y</a:t>
-            </a:r>
-            <a:r>
-              <a:rPr lang="en-US" sz="2000" dirty="0" smtClean="0">
-                <a:solidFill>
-                  <a:srgbClr val="000099"/>
-                </a:solidFill>
-                <a:latin typeface="Consolas" charset="0"/>
-                <a:ea typeface="Consolas" charset="0"/>
-                <a:cs typeface="Consolas" charset="0"/>
-              </a:rPr>
-              <a:t>);</a:t>
-            </a:r>
-            <a:endParaRPr lang="en-US" sz="2000" dirty="0">
-              <a:solidFill>
-                <a:srgbClr val="000099"/>
-              </a:solidFill>
-              <a:latin typeface="Consolas" charset="0"/>
-              <a:ea typeface="Consolas" charset="0"/>
-              <a:cs typeface="Consolas" charset="0"/>
-            </a:endParaRPr>
-          </a:p>
-          <a:p>
-            <a:pPr defTabSz="457200"/>
-            <a:r>
-              <a:rPr lang="en-US" sz="2000" dirty="0">
-                <a:solidFill>
-                  <a:srgbClr val="000099"/>
-                </a:solidFill>
-                <a:latin typeface="Consolas" charset="0"/>
-                <a:ea typeface="Consolas" charset="0"/>
-                <a:cs typeface="Consolas" charset="0"/>
-              </a:rPr>
-              <a:t>	</a:t>
-            </a:r>
-            <a:r>
-              <a:rPr lang="en-US" sz="2000" dirty="0" smtClean="0">
-                <a:solidFill>
-                  <a:srgbClr val="000099"/>
-                </a:solidFill>
-                <a:latin typeface="Consolas" charset="0"/>
-                <a:ea typeface="Consolas" charset="0"/>
-                <a:cs typeface="Consolas" charset="0"/>
-              </a:rPr>
-              <a:t>}</a:t>
-            </a:r>
-            <a:endParaRPr lang="en-US" sz="2000" dirty="0" smtClean="0">
-              <a:solidFill>
-                <a:srgbClr val="000099"/>
-              </a:solidFill>
-              <a:latin typeface="Consolas" charset="0"/>
-              <a:ea typeface="Consolas" charset="0"/>
-              <a:cs typeface="Consolas" charset="0"/>
-            </a:endParaRPr>
-          </a:p>
-          <a:p>
-            <a:pPr defTabSz="457200"/>
-            <a:r>
-              <a:rPr lang="en-US" sz="2000" dirty="0">
-                <a:solidFill>
-                  <a:srgbClr val="000099"/>
-                </a:solidFill>
-                <a:latin typeface="Consolas" charset="0"/>
-                <a:ea typeface="Consolas" charset="0"/>
-                <a:cs typeface="Consolas" charset="0"/>
-              </a:rPr>
-              <a:t>	</a:t>
-            </a:r>
-            <a:r>
-              <a:rPr lang="en-US" sz="2000" dirty="0" smtClean="0">
-                <a:solidFill>
-                  <a:srgbClr val="000099"/>
-                </a:solidFill>
-                <a:latin typeface="Consolas" charset="0"/>
-                <a:ea typeface="Consolas" charset="0"/>
-                <a:cs typeface="Consolas" charset="0"/>
-              </a:rPr>
-              <a:t>return 0;</a:t>
+              <a:t>	return 0;</a:t>
             </a:r>
           </a:p>
           <a:p>
@@ -10390,10 +9666,9 @@
           <a:lstStyle/>
           <a:p>
             <a:r>
-              <a:rPr lang="en-US" sz="2800" dirty="0" smtClean="0"/>
+              <a:rPr lang="en-US" sz="2800" dirty="0"/>
               <a:t>What is the output?</a:t>
             </a:r>
-            <a:endParaRPr lang="en-US" sz="2800" dirty="0"/>
           </a:p>
         </p:txBody>
       </p:sp>
@@ -10420,10 +9695,9 @@
           <a:lstStyle/>
           <a:p>
             <a:r>
-              <a:rPr lang="en-US" sz="2000" dirty="0" smtClean="0"/>
+              <a:rPr lang="en-US" sz="2000" dirty="0"/>
               <a:t>x = 10, y = 20</a:t>
             </a:r>
-            <a:endParaRPr lang="en-US" sz="2000" dirty="0"/>
           </a:p>
         </p:txBody>
       </p:sp>
@@ -10620,10 +9894,9 @@
           <a:lstStyle/>
           <a:p>
             <a:r>
-              <a:rPr lang="en-US" sz="2000" dirty="0" smtClean="0"/>
+              <a:rPr lang="en-US" sz="2000" dirty="0"/>
               <a:t>x = 11, y = 41</a:t>
             </a:r>
-            <a:endParaRPr lang="en-US" sz="2000" dirty="0"/>
           </a:p>
         </p:txBody>
       </p:sp>
@@ -10650,10 +9923,9 @@
           <a:lstStyle/>
           <a:p>
             <a:r>
-              <a:rPr lang="en-US" sz="2000" dirty="0" smtClean="0"/>
+              <a:rPr lang="en-US" sz="2000" dirty="0"/>
               <a:t>x = 11, y = 20</a:t>
             </a:r>
-            <a:endParaRPr lang="en-US" sz="2000" dirty="0"/>
           </a:p>
         </p:txBody>
       </p:sp>
@@ -10947,10 +10219,9 @@
           <a:lstStyle/>
           <a:p>
             <a:r>
-              <a:rPr lang="en-US" dirty="0" smtClean="0"/>
+              <a:rPr lang="en-US" dirty="0"/>
               <a:t>Organization</a:t>
             </a:r>
-            <a:endParaRPr lang="en-US" dirty="0"/>
           </a:p>
         </p:txBody>
       </p:sp>
@@ -10972,48 +10243,48 @@
           <a:lstStyle/>
           <a:p>
             <a:r>
-              <a:rPr lang="en-US" sz="3200" dirty="0" smtClean="0"/>
+              <a:rPr lang="en-US" sz="3200" dirty="0"/>
               <a:t>Variables</a:t>
             </a:r>
           </a:p>
           <a:p>
             <a:pPr lvl="1"/>
             <a:r>
-              <a:rPr lang="en-US" sz="2800" dirty="0" smtClean="0"/>
+              <a:rPr lang="en-US" sz="2800" dirty="0"/>
               <a:t>Local</a:t>
             </a:r>
           </a:p>
           <a:p>
             <a:pPr lvl="1"/>
             <a:r>
-              <a:rPr lang="en-US" sz="2800" dirty="0" smtClean="0"/>
+              <a:rPr lang="en-US" sz="2800" dirty="0"/>
               <a:t>External</a:t>
             </a:r>
           </a:p>
           <a:p>
             <a:pPr lvl="1"/>
             <a:r>
-              <a:rPr lang="en-US" sz="2800" dirty="0" smtClean="0"/>
+              <a:rPr lang="en-US" sz="2800" dirty="0"/>
               <a:t>In blocks</a:t>
             </a:r>
           </a:p>
           <a:p>
             <a:r>
-              <a:rPr lang="en-US" sz="3200" dirty="0" smtClean="0"/>
+              <a:rPr lang="en-US" sz="3200" dirty="0"/>
               <a:t>Scope rules: </a:t>
             </a:r>
           </a:p>
           <a:p>
             <a:pPr lvl="1"/>
             <a:r>
-              <a:rPr lang="en-US" sz="2800" dirty="0" smtClean="0"/>
+              <a:rPr lang="en-US" sz="2800" dirty="0"/>
               <a:t>Where is a variable visible</a:t>
             </a:r>
           </a:p>
           <a:p>
             <a:pPr lvl="1"/>
             <a:r>
-              <a:rPr lang="en-US" sz="2800" dirty="0" smtClean="0"/>
+              <a:rPr lang="en-US" sz="2800" dirty="0"/>
               <a:t>Lifetime: period for which the variable exists</a:t>
             </a:r>
           </a:p>
@@ -11053,13 +10324,6 @@
   <p:clrMapOvr>
     <a:masterClrMapping/>
   </p:clrMapOvr>
-  <p:timing>
-    <p:tnLst>
-      <p:par>
-        <p:cTn id="1" dur="indefinite" restart="never" nodeType="tmRoot"/>
-      </p:par>
-    </p:tnLst>
-  </p:timing>
 </p:sld>
 </file>
 
@@ -11096,10 +10360,9 @@
           <a:lstStyle/>
           <a:p>
             <a:r>
-              <a:rPr lang="en-US" dirty="0" smtClean="0"/>
+              <a:rPr lang="en-US" dirty="0"/>
               <a:t>Local Variables</a:t>
             </a:r>
-            <a:endParaRPr lang="en-US" dirty="0"/>
           </a:p>
         </p:txBody>
       </p:sp>
@@ -11121,15 +10384,15 @@
           <a:lstStyle/>
           <a:p>
             <a:r>
-              <a:rPr lang="en-US" sz="3200" dirty="0" smtClean="0"/>
+              <a:rPr lang="en-US" sz="3200" dirty="0"/>
               <a:t>A variable declared in the body of a function: </a:t>
             </a:r>
             <a:r>
-              <a:rPr lang="en-US" sz="3200" u="sng" dirty="0" smtClean="0"/>
+              <a:rPr lang="en-US" sz="3200" u="sng" dirty="0"/>
               <a:t>local</a:t>
             </a:r>
             <a:r>
-              <a:rPr lang="en-US" sz="3200" dirty="0" smtClean="0"/>
+              <a:rPr lang="en-US" sz="3200" dirty="0"/>
               <a:t> to the function:</a:t>
             </a:r>
           </a:p>
@@ -11143,47 +10406,31 @@
           <a:p>
             <a:pPr lvl="2"/>
             <a:r>
-              <a:rPr lang="en-US" sz="2400" dirty="0" smtClean="0"/>
-              <a:t>Allocated </a:t>
-            </a:r>
-            <a:r>
-              <a:rPr lang="en-US" sz="2400" dirty="0" smtClean="0"/>
-              <a:t>when function is </a:t>
-            </a:r>
-            <a:r>
-              <a:rPr lang="en-US" sz="2400" dirty="0" smtClean="0"/>
-              <a:t>called</a:t>
+              <a:rPr lang="en-US" sz="2400" dirty="0"/>
+              <a:t>Allocated when function is called</a:t>
             </a:r>
           </a:p>
           <a:p>
             <a:pPr lvl="2"/>
             <a:r>
-              <a:rPr lang="en-US" sz="2800" dirty="0" err="1" smtClean="0"/>
+              <a:rPr lang="en-US" sz="2800" dirty="0" err="1"/>
               <a:t>Deallocated</a:t>
             </a:r>
             <a:r>
-              <a:rPr lang="en-US" sz="2800" dirty="0" smtClean="0"/>
-              <a:t> </a:t>
-            </a:r>
-            <a:r>
-              <a:rPr lang="en-US" sz="2800" dirty="0" smtClean="0"/>
-              <a:t>when function returns</a:t>
+              <a:rPr lang="en-US" sz="2800" dirty="0"/>
+              <a:t> when function returns</a:t>
             </a:r>
           </a:p>
           <a:p>
             <a:pPr lvl="1"/>
             <a:r>
-              <a:rPr lang="en-US" sz="2800" dirty="0" smtClean="0"/>
-              <a:t>Scope</a:t>
-            </a:r>
-            <a:r>
-              <a:rPr lang="en-US" sz="2800" dirty="0" smtClean="0"/>
-              <a:t>: Visible inside the enclosing block only</a:t>
+              <a:rPr lang="en-US" sz="2800" dirty="0"/>
+              <a:t>Scope: Visible inside the enclosing block only</a:t>
             </a:r>
           </a:p>
           <a:p>
             <a:pPr lvl="1"/>
-            <a:endParaRPr lang="en-US" dirty="0" smtClean="0"/>
+            <a:endParaRPr lang="en-US" dirty="0"/>
           </a:p>
         </p:txBody>
       </p:sp>
@@ -11221,13 +10468,6 @@
   <p:clrMapOvr>
     <a:masterClrMapping/>
   </p:clrMapOvr>
-  <p:timing>
-    <p:tnLst>
-      <p:par>
-        <p:cTn id="1" dur="indefinite" restart="never" nodeType="tmRoot"/>
-      </p:par>
-    </p:tnLst>
-  </p:timing>
 </p:sld>
 </file>
 
@@ -11269,10 +10509,9 @@
           <a:lstStyle/>
           <a:p>
             <a:r>
-              <a:rPr lang="en-US" dirty="0" smtClean="0"/>
+              <a:rPr lang="en-US" dirty="0"/>
               <a:t>Local Variables</a:t>
             </a:r>
-            <a:endParaRPr lang="en-US" dirty="0"/>
           </a:p>
         </p:txBody>
       </p:sp>
@@ -11471,7 +10710,7 @@
           <a:p>
             <a:pPr defTabSz="457200"/>
             <a:r>
-              <a:rPr lang="en-US" sz="2800" dirty="0" smtClean="0">
+              <a:rPr lang="en-US" sz="2800" dirty="0">
                 <a:solidFill>
                   <a:srgbClr val="000099"/>
                 </a:solidFill>
@@ -11484,92 +10723,6 @@
           </a:p>
           <a:p>
             <a:pPr defTabSz="457200"/>
-            <a:endParaRPr lang="en-US" sz="2800" dirty="0" smtClean="0">
-              <a:solidFill>
-                <a:srgbClr val="000099"/>
-              </a:solidFill>
-              <a:latin typeface="Consolas" charset="0"/>
-              <a:ea typeface="Consolas" charset="0"/>
-              <a:cs typeface="Consolas" charset="0"/>
-            </a:endParaRPr>
-          </a:p>
-          <a:p>
-            <a:pPr defTabSz="457200"/>
-            <a:endParaRPr lang="en-US" sz="2800" dirty="0" smtClean="0">
-              <a:solidFill>
-                <a:srgbClr val="000099"/>
-              </a:solidFill>
-              <a:latin typeface="Consolas" charset="0"/>
-              <a:ea typeface="Consolas" charset="0"/>
-              <a:cs typeface="Consolas" charset="0"/>
-            </a:endParaRPr>
-          </a:p>
-          <a:p>
-            <a:pPr defTabSz="457200"/>
-            <a:r>
-              <a:rPr lang="en-US" sz="2800" dirty="0" err="1" smtClean="0">
-                <a:solidFill>
-                  <a:srgbClr val="000099"/>
-                </a:solidFill>
-                <a:latin typeface="Consolas" charset="0"/>
-                <a:ea typeface="Consolas" charset="0"/>
-                <a:cs typeface="Consolas" charset="0"/>
-              </a:rPr>
-              <a:t>int</a:t>
-            </a:r>
-            <a:r>
-              <a:rPr lang="en-US" sz="2800" dirty="0" smtClean="0">
-                <a:solidFill>
-                  <a:srgbClr val="000099"/>
-                </a:solidFill>
-                <a:latin typeface="Consolas" charset="0"/>
-                <a:ea typeface="Consolas" charset="0"/>
-                <a:cs typeface="Consolas" charset="0"/>
-              </a:rPr>
-              <a:t> a = 1, b=2;</a:t>
-            </a:r>
-          </a:p>
-          <a:p>
-            <a:pPr defTabSz="457200"/>
-            <a:r>
-              <a:rPr lang="en-US" sz="2800" dirty="0" smtClean="0">
-                <a:solidFill>
-                  <a:srgbClr val="000099"/>
-                </a:solidFill>
-                <a:latin typeface="Consolas" charset="0"/>
-                <a:ea typeface="Consolas" charset="0"/>
-                <a:cs typeface="Consolas" charset="0"/>
-              </a:rPr>
-              <a:t>a = triple(5);</a:t>
-            </a:r>
-          </a:p>
-          <a:p>
-            <a:pPr defTabSz="457200"/>
-            <a:r>
-              <a:rPr lang="en-US" sz="2800" dirty="0" smtClean="0">
-                <a:solidFill>
-                  <a:srgbClr val="000099"/>
-                </a:solidFill>
-                <a:latin typeface="Consolas" charset="0"/>
-                <a:ea typeface="Consolas" charset="0"/>
-                <a:cs typeface="Consolas" charset="0"/>
-              </a:rPr>
-              <a:t>…</a:t>
-            </a:r>
-          </a:p>
-          <a:p>
-            <a:pPr defTabSz="457200"/>
-            <a:r>
-              <a:rPr lang="en-US" sz="2800" dirty="0" smtClean="0">
-                <a:solidFill>
-                  <a:srgbClr val="000099"/>
-                </a:solidFill>
-                <a:latin typeface="Consolas" charset="0"/>
-                <a:ea typeface="Consolas" charset="0"/>
-                <a:cs typeface="Consolas" charset="0"/>
-              </a:rPr>
-              <a:t>b = triple(2);</a:t>
-            </a:r>
             <a:endParaRPr lang="en-US" sz="2800" dirty="0">
               <a:solidFill>
                 <a:srgbClr val="000099"/>
@@ -11579,6 +10732,84 @@
               <a:cs typeface="Consolas" charset="0"/>
             </a:endParaRPr>
           </a:p>
+          <a:p>
+            <a:pPr defTabSz="457200"/>
+            <a:endParaRPr lang="en-US" sz="2800" dirty="0">
+              <a:solidFill>
+                <a:srgbClr val="000099"/>
+              </a:solidFill>
+              <a:latin typeface="Consolas" charset="0"/>
+              <a:ea typeface="Consolas" charset="0"/>
+              <a:cs typeface="Consolas" charset="0"/>
+            </a:endParaRPr>
+          </a:p>
+          <a:p>
+            <a:pPr defTabSz="457200"/>
+            <a:r>
+              <a:rPr lang="en-US" sz="2800" dirty="0" err="1">
+                <a:solidFill>
+                  <a:srgbClr val="000099"/>
+                </a:solidFill>
+                <a:latin typeface="Consolas" charset="0"/>
+                <a:ea typeface="Consolas" charset="0"/>
+                <a:cs typeface="Consolas" charset="0"/>
+              </a:rPr>
+              <a:t>int</a:t>
+            </a:r>
+            <a:r>
+              <a:rPr lang="en-US" sz="2800" dirty="0">
+                <a:solidFill>
+                  <a:srgbClr val="000099"/>
+                </a:solidFill>
+                <a:latin typeface="Consolas" charset="0"/>
+                <a:ea typeface="Consolas" charset="0"/>
+                <a:cs typeface="Consolas" charset="0"/>
+              </a:rPr>
+              <a:t> a = 1, b=2;</a:t>
+            </a:r>
+          </a:p>
+          <a:p>
+            <a:pPr defTabSz="457200"/>
+            <a:r>
+              <a:rPr lang="en-US" sz="2800" dirty="0">
+                <a:solidFill>
+                  <a:srgbClr val="000099"/>
+                </a:solidFill>
+                <a:latin typeface="Consolas" charset="0"/>
+                <a:ea typeface="Consolas" charset="0"/>
+                <a:cs typeface="Consolas" charset="0"/>
+              </a:rPr>
+              <a:t>a = triple(5);</a:t>
+            </a:r>
+          </a:p>
+          <a:p>
+            <a:pPr defTabSz="457200"/>
+            <a:r>
+              <a:rPr lang="en-US" sz="2800" dirty="0">
+                <a:solidFill>
+                  <a:srgbClr val="000099"/>
+                </a:solidFill>
+                <a:latin typeface="Consolas" charset="0"/>
+                <a:ea typeface="Consolas" charset="0"/>
+                <a:cs typeface="Consolas" charset="0"/>
+              </a:rPr>
+              <a:t>…</a:t>
+            </a:r>
+          </a:p>
+          <a:p>
+            <a:pPr defTabSz="457200"/>
+            <a:r>
+              <a:rPr lang="en-US" sz="2800" dirty="0">
+                <a:solidFill>
+                  <a:srgbClr val="000099"/>
+                </a:solidFill>
+                <a:latin typeface="Consolas" charset="0"/>
+                <a:ea typeface="Consolas" charset="0"/>
+                <a:cs typeface="Consolas" charset="0"/>
+              </a:rPr>
+              <a:t>b = triple(2);</a:t>
+            </a:r>
+          </a:p>
         </p:txBody>
       </p:sp>
       <p:graphicFrame>
@@ -11587,9 +10818,7 @@
           <p:cNvGraphicFramePr>
             <a:graphicFrameLocks noGrp="1"/>
           </p:cNvGraphicFramePr>
-          <p:nvPr>
-            <p:extLst/>
-          </p:nvPr>
+          <p:nvPr/>
         </p:nvGraphicFramePr>
         <p:xfrm>
           <a:off x="4495800" y="1790008"/>
@@ -11602,13 +10831,55 @@
                 <a:tableStyleId>{5C22544A-7EE6-4342-B048-85BDC9FD1C3A}</a:tableStyleId>
               </a:tblPr>
               <a:tblGrid>
-                <a:gridCol w="609600"/>
-                <a:gridCol w="609600"/>
-                <a:gridCol w="609600"/>
-                <a:gridCol w="609600"/>
-                <a:gridCol w="609600"/>
-                <a:gridCol w="609600"/>
-                <a:gridCol w="609600"/>
+                <a:gridCol w="609600">
+                  <a:extLst>
+                    <a:ext uri="{9D8B030D-6E8A-4147-A177-3AD203B41FA5}">
+                      <a16:colId xmlns:a16="http://schemas.microsoft.com/office/drawing/2014/main" val="20000"/>
+                    </a:ext>
+                  </a:extLst>
+                </a:gridCol>
+                <a:gridCol w="609600">
+                  <a:extLst>
+                    <a:ext uri="{9D8B030D-6E8A-4147-A177-3AD203B41FA5}">
+                      <a16:colId xmlns:a16="http://schemas.microsoft.com/office/drawing/2014/main" val="20001"/>
+                    </a:ext>
+                  </a:extLst>
+                </a:gridCol>
+                <a:gridCol w="609600">
+                  <a:extLst>
+                    <a:ext uri="{9D8B030D-6E8A-4147-A177-3AD203B41FA5}">
+                      <a16:colId xmlns:a16="http://schemas.microsoft.com/office/drawing/2014/main" val="20002"/>
+                    </a:ext>
+                  </a:extLst>
+                </a:gridCol>
+                <a:gridCol w="609600">
+                  <a:extLst>
+                    <a:ext uri="{9D8B030D-6E8A-4147-A177-3AD203B41FA5}">
+                      <a16:colId xmlns:a16="http://schemas.microsoft.com/office/drawing/2014/main" val="20003"/>
+                    </a:ext>
+                  </a:extLst>
+                </a:gridCol>
+                <a:gridCol w="609600">
+                  <a:extLst>
+                    <a:ext uri="{9D8B030D-6E8A-4147-A177-3AD203B41FA5}">
+                      <a16:colId xmlns:a16="http://schemas.microsoft.com/office/drawing/2014/main" val="20004"/>
+                    </a:ext>
+                  </a:extLst>
+                </a:gridCol>
+                <a:gridCol w="609600">
+                  <a:extLst>
+                    <a:ext uri="{9D8B030D-6E8A-4147-A177-3AD203B41FA5}">
+                      <a16:colId xmlns:a16="http://schemas.microsoft.com/office/drawing/2014/main" val="20005"/>
+                    </a:ext>
+                  </a:extLst>
+                </a:gridCol>
+                <a:gridCol w="609600">
+                  <a:extLst>
+                    <a:ext uri="{9D8B030D-6E8A-4147-A177-3AD203B41FA5}">
+                      <a16:colId xmlns:a16="http://schemas.microsoft.com/office/drawing/2014/main" val="20006"/>
+                    </a:ext>
+                  </a:extLst>
+                </a:gridCol>
               </a:tblGrid>
               <a:tr h="0">
                 <a:tc>
@@ -11618,10 +10889,9 @@
                     <a:p>
                       <a:pPr algn="ctr"/>
                       <a:r>
-                        <a:rPr lang="en-US" sz="2400" dirty="0" smtClean="0"/>
+                        <a:rPr lang="en-US" sz="2400" dirty="0"/>
                         <a:t>2</a:t>
                       </a:r>
-                      <a:endParaRPr lang="en-US" sz="2400" dirty="0"/>
                     </a:p>
                   </a:txBody>
                   <a:tcPr/>
@@ -11633,10 +10903,9 @@
                     <a:p>
                       <a:pPr algn="ctr"/>
                       <a:r>
-                        <a:rPr lang="en-US" sz="2400" dirty="0" smtClean="0"/>
+                        <a:rPr lang="en-US" sz="2400" dirty="0"/>
                         <a:t>1</a:t>
                       </a:r>
-                      <a:endParaRPr lang="en-US" sz="2400" dirty="0"/>
                     </a:p>
                   </a:txBody>
                   <a:tcPr/>
@@ -11696,6 +10965,11 @@
                   </a:txBody>
                   <a:tcPr/>
                 </a:tc>
+                <a:extLst>
+                  <a:ext uri="{0D108BD9-81ED-4DB2-BD59-A6C34878D82A}">
+                    <a16:rowId xmlns:a16="http://schemas.microsoft.com/office/drawing/2014/main" val="10000"/>
+                  </a:ext>
+                </a:extLst>
               </a:tr>
             </a:tbl>
           </a:graphicData>
@@ -11724,7 +10998,7 @@
           <a:lstStyle/>
           <a:p>
             <a:r>
-              <a:rPr lang="en-US" sz="2800" dirty="0" smtClean="0"/>
+              <a:rPr lang="en-US" sz="2800" dirty="0"/>
               <a:t>a</a:t>
             </a:r>
             <a:endParaRPr lang="en-US" dirty="0"/>
@@ -11737,9 +11011,7 @@
           <p:cNvGraphicFramePr>
             <a:graphicFrameLocks noGrp="1"/>
           </p:cNvGraphicFramePr>
-          <p:nvPr>
-            <p:extLst/>
-          </p:nvPr>
+          <p:nvPr/>
         </p:nvGraphicFramePr>
         <p:xfrm>
           <a:off x="4495800" y="2857233"/>
@@ -11752,13 +11024,55 @@
                 <a:tableStyleId>{5C22544A-7EE6-4342-B048-85BDC9FD1C3A}</a:tableStyleId>
               </a:tblPr>
               <a:tblGrid>
-                <a:gridCol w="609600"/>
-                <a:gridCol w="609600"/>
-                <a:gridCol w="609600"/>
-                <a:gridCol w="609600"/>
-                <a:gridCol w="609600"/>
-                <a:gridCol w="609600"/>
-                <a:gridCol w="609600"/>
+                <a:gridCol w="609600">
+                  <a:extLst>
+                    <a:ext uri="{9D8B030D-6E8A-4147-A177-3AD203B41FA5}">
+                      <a16:colId xmlns:a16="http://schemas.microsoft.com/office/drawing/2014/main" val="20000"/>
+                    </a:ext>
+                  </a:extLst>
+                </a:gridCol>
+                <a:gridCol w="609600">
+                  <a:extLst>
+                    <a:ext uri="{9D8B030D-6E8A-4147-A177-3AD203B41FA5}">
+                      <a16:colId xmlns:a16="http://schemas.microsoft.com/office/drawing/2014/main" val="20001"/>
+                    </a:ext>
+                  </a:extLst>
+                </a:gridCol>
+                <a:gridCol w="609600">
+                  <a:extLst>
+                    <a:ext uri="{9D8B030D-6E8A-4147-A177-3AD203B41FA5}">
+                      <a16:colId xmlns:a16="http://schemas.microsoft.com/office/drawing/2014/main" val="20002"/>
+                    </a:ext>
+                  </a:extLst>
+                </a:gridCol>
+                <a:gridCol w="609600">
+                  <a:extLst>
+                    <a:ext uri="{9D8B030D-6E8A-4147-A177-3AD203B41FA5}">
+                      <a16:colId xmlns:a16="http://schemas.microsoft.com/office/drawing/2014/main" val="20003"/>
+                    </a:ext>
+                  </a:extLst>
+                </a:gridCol>
+                <a:gridCol w="609600">
+                  <a:extLst>
+                    <a:ext uri="{9D8B030D-6E8A-4147-A177-3AD203B41FA5}">
+                      <a16:colId xmlns:a16="http://schemas.microsoft.com/office/drawing/2014/main" val="20004"/>
+                    </a:ext>
+                  </a:extLst>
+                </a:gridCol>
+                <a:gridCol w="609600">
+                  <a:extLst>
+                    <a:ext uri="{9D8B030D-6E8A-4147-A177-3AD203B41FA5}">
+                      <a16:colId xmlns:a16="http://schemas.microsoft.com/office/drawing/2014/main" val="20005"/>
+                    </a:ext>
+                  </a:extLst>
+                </a:gridCol>
+                <a:gridCol w="609600">
+                  <a:extLst>
+                    <a:ext uri="{9D8B030D-6E8A-4147-A177-3AD203B41FA5}">
+                      <a16:colId xmlns:a16="http://schemas.microsoft.com/office/drawing/2014/main" val="20006"/>
+                    </a:ext>
+                  </a:extLst>
+                </a:gridCol>
               </a:tblGrid>
               <a:tr h="0">
                 <a:tc>
@@ -11768,10 +11082,9 @@
                     <a:p>
                       <a:pPr algn="ctr"/>
                       <a:r>
-                        <a:rPr lang="en-US" sz="2400" dirty="0" smtClean="0"/>
+                        <a:rPr lang="en-US" sz="2400" dirty="0"/>
                         <a:t>2</a:t>
                       </a:r>
-                      <a:endParaRPr lang="en-US" sz="2400" dirty="0"/>
                     </a:p>
                   </a:txBody>
                   <a:tcPr/>
@@ -11783,10 +11096,9 @@
                     <a:p>
                       <a:pPr algn="ctr"/>
                       <a:r>
-                        <a:rPr lang="en-US" sz="2400" dirty="0" smtClean="0"/>
+                        <a:rPr lang="en-US" sz="2400" dirty="0"/>
                         <a:t>5</a:t>
                       </a:r>
-                      <a:endParaRPr lang="en-US" sz="2400" dirty="0"/>
                     </a:p>
                   </a:txBody>
                   <a:tcPr/>
@@ -11831,10 +11143,9 @@
                     <a:p>
                       <a:pPr algn="ctr"/>
                       <a:r>
-                        <a:rPr lang="en-US" sz="2400" dirty="0" smtClean="0"/>
+                        <a:rPr lang="en-US" sz="2400" dirty="0"/>
                         <a:t>3</a:t>
                       </a:r>
-                      <a:endParaRPr lang="en-US" sz="2400" dirty="0"/>
                     </a:p>
                   </a:txBody>
                   <a:tcPr/>
@@ -11850,6 +11161,11 @@
                   </a:txBody>
                   <a:tcPr/>
                 </a:tc>
+                <a:extLst>
+                  <a:ext uri="{0D108BD9-81ED-4DB2-BD59-A6C34878D82A}">
+                    <a16:rowId xmlns:a16="http://schemas.microsoft.com/office/drawing/2014/main" val="10000"/>
+                  </a:ext>
+                </a:extLst>
               </a:tr>
             </a:tbl>
           </a:graphicData>
@@ -11878,7 +11194,7 @@
           <a:lstStyle/>
           <a:p>
             <a:r>
-              <a:rPr lang="en-US" sz="2800" dirty="0" smtClean="0"/>
+              <a:rPr lang="en-US" sz="2800" dirty="0"/>
               <a:t>a</a:t>
             </a:r>
             <a:endParaRPr lang="en-US" dirty="0"/>
@@ -11908,7 +11224,7 @@
           <a:lstStyle/>
           <a:p>
             <a:r>
-              <a:rPr lang="en-US" sz="2800" dirty="0" err="1" smtClean="0"/>
+              <a:rPr lang="en-US" sz="2800" dirty="0" err="1"/>
               <a:t>coeff</a:t>
             </a:r>
             <a:endParaRPr lang="en-US" dirty="0"/>
@@ -11921,9 +11237,7 @@
           <p:cNvGraphicFramePr>
             <a:graphicFrameLocks noGrp="1"/>
           </p:cNvGraphicFramePr>
-          <p:nvPr>
-            <p:extLst/>
-          </p:nvPr>
+          <p:nvPr/>
         </p:nvGraphicFramePr>
         <p:xfrm>
           <a:off x="4495800" y="3956618"/>
@@ -11936,13 +11250,55 @@
                 <a:tableStyleId>{5C22544A-7EE6-4342-B048-85BDC9FD1C3A}</a:tableStyleId>
               </a:tblPr>
               <a:tblGrid>
-                <a:gridCol w="609600"/>
-                <a:gridCol w="609600"/>
-                <a:gridCol w="609600"/>
-                <a:gridCol w="609600"/>
-                <a:gridCol w="609600"/>
-                <a:gridCol w="609600"/>
-                <a:gridCol w="609600"/>
+                <a:gridCol w="609600">
+                  <a:extLst>
+                    <a:ext uri="{9D8B030D-6E8A-4147-A177-3AD203B41FA5}">
+                      <a16:colId xmlns:a16="http://schemas.microsoft.com/office/drawing/2014/main" val="20000"/>
+                    </a:ext>
+                  </a:extLst>
+                </a:gridCol>
+                <a:gridCol w="609600">
+                  <a:extLst>
+                    <a:ext uri="{9D8B030D-6E8A-4147-A177-3AD203B41FA5}">
+                      <a16:colId xmlns:a16="http://schemas.microsoft.com/office/drawing/2014/main" val="20001"/>
+                    </a:ext>
+                  </a:extLst>
+                </a:gridCol>
+                <a:gridCol w="609600">
+                  <a:extLst>
+                    <a:ext uri="{9D8B030D-6E8A-4147-A177-3AD203B41FA5}">
+                      <a16:colId xmlns:a16="http://schemas.microsoft.com/office/drawing/2014/main" val="20002"/>
+                    </a:ext>
+                  </a:extLst>
+                </a:gridCol>
+                <a:gridCol w="609600">
+                  <a:extLst>
+                    <a:ext uri="{9D8B030D-6E8A-4147-A177-3AD203B41FA5}">
+                      <a16:colId xmlns:a16="http://schemas.microsoft.com/office/drawing/2014/main" val="20003"/>
+                    </a:ext>
+                  </a:extLst>
+                </a:gridCol>
+                <a:gridCol w="609600">
+                  <a:extLst>
+                    <a:ext uri="{9D8B030D-6E8A-4147-A177-3AD203B41FA5}">
+                      <a16:colId xmlns:a16="http://schemas.microsoft.com/office/drawing/2014/main" val="20004"/>
+                    </a:ext>
+                  </a:extLst>
+                </a:gridCol>
+                <a:gridCol w="609600">
+                  <a:extLst>
+                    <a:ext uri="{9D8B030D-6E8A-4147-A177-3AD203B41FA5}">
+                      <a16:colId xmlns:a16="http://schemas.microsoft.com/office/drawing/2014/main" val="20005"/>
+                    </a:ext>
+                  </a:extLst>
+                </a:gridCol>
+                <a:gridCol w="609600">
+                  <a:extLst>
+                    <a:ext uri="{9D8B030D-6E8A-4147-A177-3AD203B41FA5}">
+                      <a16:colId xmlns:a16="http://schemas.microsoft.com/office/drawing/2014/main" val="20006"/>
+                    </a:ext>
+                  </a:extLst>
+                </a:gridCol>
               </a:tblGrid>
               <a:tr h="0">
                 <a:tc>
@@ -11952,10 +11308,9 @@
                     <a:p>
                       <a:pPr algn="ctr"/>
                       <a:r>
-                        <a:rPr lang="en-US" sz="2400" dirty="0" smtClean="0"/>
+                        <a:rPr lang="en-US" sz="2400" dirty="0"/>
                         <a:t>2</a:t>
                       </a:r>
-                      <a:endParaRPr lang="en-US" sz="2400" dirty="0"/>
                     </a:p>
                   </a:txBody>
                   <a:tcPr/>
@@ -11967,10 +11322,9 @@
                     <a:p>
                       <a:pPr algn="ctr"/>
                       <a:r>
-                        <a:rPr lang="en-US" sz="2400" dirty="0" smtClean="0"/>
+                        <a:rPr lang="en-US" sz="2400" dirty="0"/>
                         <a:t>15</a:t>
                       </a:r>
-                      <a:endParaRPr lang="en-US" sz="2400" dirty="0"/>
                     </a:p>
                   </a:txBody>
                   <a:tcPr/>
@@ -12030,6 +11384,11 @@
                   </a:txBody>
                   <a:tcPr/>
                 </a:tc>
+                <a:extLst>
+                  <a:ext uri="{0D108BD9-81ED-4DB2-BD59-A6C34878D82A}">
+                    <a16:rowId xmlns:a16="http://schemas.microsoft.com/office/drawing/2014/main" val="10000"/>
+                  </a:ext>
+                </a:extLst>
               </a:tr>
             </a:tbl>
           </a:graphicData>
@@ -12058,7 +11417,7 @@
           <a:lstStyle/>
           <a:p>
             <a:r>
-              <a:rPr lang="en-US" sz="2800" dirty="0" smtClean="0"/>
+              <a:rPr lang="en-US" sz="2800" dirty="0"/>
               <a:t>a</a:t>
             </a:r>
             <a:endParaRPr lang="en-US" dirty="0"/>
@@ -12088,7 +11447,7 @@
           <a:lstStyle/>
           <a:p>
             <a:r>
-              <a:rPr lang="en-US" sz="2800" dirty="0" smtClean="0"/>
+              <a:rPr lang="en-US" sz="2800" dirty="0"/>
               <a:t>b</a:t>
             </a:r>
             <a:endParaRPr lang="en-US" dirty="0"/>
@@ -12118,7 +11477,7 @@
           <a:lstStyle/>
           <a:p>
             <a:r>
-              <a:rPr lang="en-US" sz="2800" dirty="0" smtClean="0"/>
+              <a:rPr lang="en-US" sz="2800" dirty="0"/>
               <a:t>b</a:t>
             </a:r>
             <a:endParaRPr lang="en-US" dirty="0"/>
@@ -12148,7 +11507,7 @@
           <a:lstStyle/>
           <a:p>
             <a:r>
-              <a:rPr lang="en-US" sz="2800" dirty="0" smtClean="0"/>
+              <a:rPr lang="en-US" sz="2800" dirty="0"/>
               <a:t>b</a:t>
             </a:r>
             <a:endParaRPr lang="en-US" dirty="0"/>
@@ -12161,9 +11520,7 @@
           <p:cNvGraphicFramePr>
             <a:graphicFrameLocks noGrp="1"/>
           </p:cNvGraphicFramePr>
-          <p:nvPr>
-            <p:extLst/>
-          </p:nvPr>
+          <p:nvPr/>
         </p:nvGraphicFramePr>
         <p:xfrm>
           <a:off x="4495800" y="5099618"/>
@@ -12176,13 +11533,55 @@
                 <a:tableStyleId>{5C22544A-7EE6-4342-B048-85BDC9FD1C3A}</a:tableStyleId>
               </a:tblPr>
               <a:tblGrid>
-                <a:gridCol w="609600"/>
-                <a:gridCol w="609600"/>
-                <a:gridCol w="609600"/>
-                <a:gridCol w="609600"/>
-                <a:gridCol w="609600"/>
-                <a:gridCol w="609600"/>
-                <a:gridCol w="609600"/>
+                <a:gridCol w="609600">
+                  <a:extLst>
+                    <a:ext uri="{9D8B030D-6E8A-4147-A177-3AD203B41FA5}">
+                      <a16:colId xmlns:a16="http://schemas.microsoft.com/office/drawing/2014/main" val="20000"/>
+                    </a:ext>
+                  </a:extLst>
+                </a:gridCol>
+                <a:gridCol w="609600">
+                  <a:extLst>
+                    <a:ext uri="{9D8B030D-6E8A-4147-A177-3AD203B41FA5}">
+                      <a16:colId xmlns:a16="http://schemas.microsoft.com/office/drawing/2014/main" val="20001"/>
+                    </a:ext>
+                  </a:extLst>
+                </a:gridCol>
+                <a:gridCol w="609600">
+                  <a:extLst>
+                    <a:ext uri="{9D8B030D-6E8A-4147-A177-3AD203B41FA5}">
+                      <a16:colId xmlns:a16="http://schemas.microsoft.com/office/drawing/2014/main" val="20002"/>
+                    </a:ext>
+                  </a:extLst>
+                </a:gridCol>
+                <a:gridCol w="609600">
+                  <a:extLst>
+                    <a:ext uri="{9D8B030D-6E8A-4147-A177-3AD203B41FA5}">
+                      <a16:colId xmlns:a16="http://schemas.microsoft.com/office/drawing/2014/main" val="20003"/>
+                    </a:ext>
+                  </a:extLst>
+                </a:gridCol>
+                <a:gridCol w="609600">
+                  <a:extLst>
+                    <a:ext uri="{9D8B030D-6E8A-4147-A177-3AD203B41FA5}">
+                      <a16:colId xmlns:a16="http://schemas.microsoft.com/office/drawing/2014/main" val="20004"/>
+                    </a:ext>
+                  </a:extLst>
+                </a:gridCol>
+                <a:gridCol w="609600">
+                  <a:extLst>
+                    <a:ext uri="{9D8B030D-6E8A-4147-A177-3AD203B41FA5}">
+                      <a16:colId xmlns:a16="http://schemas.microsoft.com/office/drawing/2014/main" val="20005"/>
+                    </a:ext>
+                  </a:extLst>
+                </a:gridCol>
+                <a:gridCol w="609600">
+                  <a:extLst>
+                    <a:ext uri="{9D8B030D-6E8A-4147-A177-3AD203B41FA5}">
+                      <a16:colId xmlns:a16="http://schemas.microsoft.com/office/drawing/2014/main" val="20006"/>
+                    </a:ext>
+                  </a:extLst>
+                </a:gridCol>
               </a:tblGrid>
               <a:tr h="0">
                 <a:tc>
@@ -12192,10 +11591,9 @@
                     <a:p>
                       <a:pPr algn="ctr"/>
                       <a:r>
-                        <a:rPr lang="en-US" sz="2400" dirty="0" smtClean="0"/>
+                        <a:rPr lang="en-US" sz="2400" dirty="0"/>
                         <a:t>2</a:t>
                       </a:r>
-                      <a:endParaRPr lang="en-US" sz="2400" dirty="0"/>
                     </a:p>
                   </a:txBody>
                   <a:tcPr/>
@@ -12207,10 +11605,9 @@
                     <a:p>
                       <a:pPr algn="ctr"/>
                       <a:r>
-                        <a:rPr lang="en-US" sz="2400" dirty="0" smtClean="0"/>
+                        <a:rPr lang="en-US" sz="2400" dirty="0"/>
                         <a:t>15</a:t>
                       </a:r>
-                      <a:endParaRPr lang="en-US" sz="2400" dirty="0"/>
                     </a:p>
                   </a:txBody>
                   <a:tcPr/>
@@ -12233,10 +11630,9 @@
                     <a:p>
                       <a:pPr algn="ctr"/>
                       <a:r>
-                        <a:rPr lang="en-US" sz="2400" dirty="0" smtClean="0"/>
+                        <a:rPr lang="en-US" sz="2400" dirty="0"/>
                         <a:t>3</a:t>
                       </a:r>
-                      <a:endParaRPr lang="en-US" sz="2400" dirty="0"/>
                     </a:p>
                   </a:txBody>
                   <a:tcPr/>
@@ -12274,6 +11670,11 @@
                   </a:txBody>
                   <a:tcPr/>
                 </a:tc>
+                <a:extLst>
+                  <a:ext uri="{0D108BD9-81ED-4DB2-BD59-A6C34878D82A}">
+                    <a16:rowId xmlns:a16="http://schemas.microsoft.com/office/drawing/2014/main" val="10000"/>
+                  </a:ext>
+                </a:extLst>
               </a:tr>
             </a:tbl>
           </a:graphicData>
@@ -12302,7 +11703,7 @@
           <a:lstStyle/>
           <a:p>
             <a:r>
-              <a:rPr lang="en-US" sz="2800" dirty="0" smtClean="0"/>
+              <a:rPr lang="en-US" sz="2800" dirty="0"/>
               <a:t>a</a:t>
             </a:r>
             <a:endParaRPr lang="en-US" dirty="0"/>
@@ -12332,7 +11733,7 @@
           <a:lstStyle/>
           <a:p>
             <a:r>
-              <a:rPr lang="en-US" sz="2800" dirty="0" smtClean="0"/>
+              <a:rPr lang="en-US" sz="2800" dirty="0"/>
               <a:t>b</a:t>
             </a:r>
             <a:endParaRPr lang="en-US" dirty="0"/>
@@ -12362,7 +11763,7 @@
           <a:lstStyle/>
           <a:p>
             <a:r>
-              <a:rPr lang="en-US" sz="2800" dirty="0" err="1" smtClean="0"/>
+              <a:rPr lang="en-US" sz="2800" dirty="0" err="1"/>
               <a:t>coeff</a:t>
             </a:r>
             <a:endParaRPr lang="en-US" dirty="0"/>
@@ -12375,9 +11776,7 @@
           <p:cNvGraphicFramePr>
             <a:graphicFrameLocks noGrp="1"/>
           </p:cNvGraphicFramePr>
-          <p:nvPr>
-            <p:extLst/>
-          </p:nvPr>
+          <p:nvPr/>
         </p:nvGraphicFramePr>
         <p:xfrm>
           <a:off x="4525347" y="6041333"/>
@@ -12390,13 +11789,55 @@
                 <a:tableStyleId>{5C22544A-7EE6-4342-B048-85BDC9FD1C3A}</a:tableStyleId>
               </a:tblPr>
               <a:tblGrid>
-                <a:gridCol w="609600"/>
-                <a:gridCol w="609600"/>
-                <a:gridCol w="609600"/>
-                <a:gridCol w="609600"/>
-                <a:gridCol w="609600"/>
-                <a:gridCol w="609600"/>
-                <a:gridCol w="609600"/>
+                <a:gridCol w="609600">
+                  <a:extLst>
+                    <a:ext uri="{9D8B030D-6E8A-4147-A177-3AD203B41FA5}">
+                      <a16:colId xmlns:a16="http://schemas.microsoft.com/office/drawing/2014/main" val="20000"/>
+                    </a:ext>
+                  </a:extLst>
+                </a:gridCol>
+                <a:gridCol w="609600">
+                  <a:extLst>
+                    <a:ext uri="{9D8B030D-6E8A-4147-A177-3AD203B41FA5}">
+                      <a16:colId xmlns:a16="http://schemas.microsoft.com/office/drawing/2014/main" val="20001"/>
+                    </a:ext>
+                  </a:extLst>
+                </a:gridCol>
+                <a:gridCol w="609600">
+                  <a:extLst>
+                    <a:ext uri="{9D8B030D-6E8A-4147-A177-3AD203B41FA5}">
+                      <a16:colId xmlns:a16="http://schemas.microsoft.com/office/drawing/2014/main" val="20002"/>
+                    </a:ext>
+                  </a:extLst>
+                </a:gridCol>
+                <a:gridCol w="609600">
+                  <a:extLst>
+                    <a:ext uri="{9D8B030D-6E8A-4147-A177-3AD203B41FA5}">
+                      <a16:colId xmlns:a16="http://schemas.microsoft.com/office/drawing/2014/main" val="20003"/>
+                    </a:ext>
+                  </a:extLst>
+                </a:gridCol>
+                <a:gridCol w="609600">
+                  <a:extLst>
+                    <a:ext uri="{9D8B030D-6E8A-4147-A177-3AD203B41FA5}">
+                      <a16:colId xmlns:a16="http://schemas.microsoft.com/office/drawing/2014/main" val="20004"/>
+                    </a:ext>
+                  </a:extLst>
+                </a:gridCol>
+                <a:gridCol w="609600">
+                  <a:extLst>
+                    <a:ext uri="{9D8B030D-6E8A-4147-A177-3AD203B41FA5}">
+                      <a16:colId xmlns:a16="http://schemas.microsoft.com/office/drawing/2014/main" val="20005"/>
+                    </a:ext>
+                  </a:extLst>
+                </a:gridCol>
+                <a:gridCol w="609600">
+                  <a:extLst>
+                    <a:ext uri="{9D8B030D-6E8A-4147-A177-3AD203B41FA5}">
+                      <a16:colId xmlns:a16="http://schemas.microsoft.com/office/drawing/2014/main" val="20006"/>
+                    </a:ext>
+                  </a:extLst>
+                </a:gridCol>
               </a:tblGrid>
               <a:tr h="0">
                 <a:tc>
@@ -12406,10 +11847,9 @@
                     <a:p>
                       <a:pPr algn="ctr"/>
                       <a:r>
-                        <a:rPr lang="en-US" sz="2400" dirty="0" smtClean="0"/>
+                        <a:rPr lang="en-US" sz="2400" dirty="0"/>
                         <a:t>6</a:t>
                       </a:r>
-                      <a:endParaRPr lang="en-US" sz="2400" dirty="0"/>
                     </a:p>
                   </a:txBody>
                   <a:tcPr/>
@@ -12421,10 +11861,9 @@
                     <a:p>
                       <a:pPr algn="ctr"/>
                       <a:r>
-                        <a:rPr lang="en-US" sz="2400" dirty="0" smtClean="0"/>
+                        <a:rPr lang="en-US" sz="2400" dirty="0"/>
                         <a:t>15</a:t>
                       </a:r>
-                      <a:endParaRPr lang="en-US" sz="2400" dirty="0"/>
                     </a:p>
                   </a:txBody>
                   <a:tcPr/>
@@ -12484,6 +11923,11 @@
                   </a:txBody>
                   <a:tcPr/>
                 </a:tc>
+                <a:extLst>
+                  <a:ext uri="{0D108BD9-81ED-4DB2-BD59-A6C34878D82A}">
+                    <a16:rowId xmlns:a16="http://schemas.microsoft.com/office/drawing/2014/main" val="10000"/>
+                  </a:ext>
+                </a:extLst>
               </a:tr>
             </a:tbl>
           </a:graphicData>
@@ -12512,7 +11956,7 @@
           <a:lstStyle/>
           <a:p>
             <a:r>
-              <a:rPr lang="en-US" sz="2800" dirty="0" smtClean="0"/>
+              <a:rPr lang="en-US" sz="2800" dirty="0"/>
               <a:t>a</a:t>
             </a:r>
             <a:endParaRPr lang="en-US" dirty="0"/>
@@ -12542,7 +11986,7 @@
           <a:lstStyle/>
           <a:p>
             <a:r>
-              <a:rPr lang="en-US" sz="2800" dirty="0" smtClean="0"/>
+              <a:rPr lang="en-US" sz="2800" dirty="0"/>
               <a:t>b</a:t>
             </a:r>
             <a:endParaRPr lang="en-US" dirty="0"/>
@@ -12586,10 +12030,9 @@
           <a:p>
             <a:pPr algn="ctr"/>
             <a:r>
-              <a:rPr lang="en-US" dirty="0" smtClean="0"/>
+              <a:rPr lang="en-US" dirty="0"/>
               <a:t>2</a:t>
             </a:r>
-            <a:endParaRPr lang="en-US" dirty="0"/>
           </a:p>
         </p:txBody>
       </p:sp>
@@ -12630,10 +12073,9 @@
           <a:p>
             <a:pPr algn="ctr"/>
             <a:r>
-              <a:rPr lang="en-US" dirty="0" smtClean="0"/>
+              <a:rPr lang="en-US" dirty="0"/>
               <a:t>3</a:t>
             </a:r>
-            <a:endParaRPr lang="en-US" dirty="0"/>
           </a:p>
         </p:txBody>
       </p:sp>
@@ -12674,10 +12116,9 @@
           <a:p>
             <a:pPr algn="ctr"/>
             <a:r>
-              <a:rPr lang="en-US" dirty="0" smtClean="0"/>
+              <a:rPr lang="en-US" dirty="0"/>
               <a:t>2</a:t>
             </a:r>
-            <a:endParaRPr lang="en-US" dirty="0"/>
           </a:p>
         </p:txBody>
       </p:sp>
@@ -12718,10 +12159,9 @@
           <a:p>
             <a:pPr algn="ctr"/>
             <a:r>
-              <a:rPr lang="en-US" dirty="0" smtClean="0"/>
+              <a:rPr lang="en-US" dirty="0"/>
               <a:t>3</a:t>
             </a:r>
-            <a:endParaRPr lang="en-US" dirty="0"/>
           </a:p>
         </p:txBody>
       </p:sp>
@@ -12914,10 +12354,9 @@
           <a:p>
             <a:pPr algn="ctr"/>
             <a:r>
-              <a:rPr lang="en-US" dirty="0" smtClean="0"/>
+              <a:rPr lang="en-US" dirty="0"/>
               <a:t>1</a:t>
             </a:r>
-            <a:endParaRPr lang="en-US" dirty="0"/>
           </a:p>
         </p:txBody>
       </p:sp>
@@ -12958,10 +12397,9 @@
           <a:p>
             <a:pPr algn="ctr"/>
             <a:r>
-              <a:rPr lang="en-US" dirty="0" smtClean="0"/>
+              <a:rPr lang="en-US" dirty="0"/>
               <a:t>1</a:t>
             </a:r>
-            <a:endParaRPr lang="en-US" dirty="0"/>
           </a:p>
         </p:txBody>
       </p:sp>
@@ -12975,13 +12413,6 @@
   <p:clrMapOvr>
     <a:masterClrMapping/>
   </p:clrMapOvr>
-  <p:timing>
-    <p:tnLst>
-      <p:par>
-        <p:cTn id="1" dur="indefinite" restart="never" nodeType="tmRoot"/>
-      </p:par>
-    </p:tnLst>
-  </p:timing>
 </p:sld>
 </file>
 
@@ -13018,10 +12449,9 @@
           <a:lstStyle/>
           <a:p>
             <a:r>
-              <a:rPr lang="en-US" dirty="0" smtClean="0"/>
+              <a:rPr lang="en-US" dirty="0"/>
               <a:t>Parameters</a:t>
             </a:r>
-            <a:endParaRPr lang="en-US" dirty="0"/>
           </a:p>
         </p:txBody>
       </p:sp>
@@ -13043,13 +12473,13 @@
           <a:lstStyle/>
           <a:p>
             <a:r>
-              <a:rPr lang="en-US" dirty="0" smtClean="0"/>
+              <a:rPr lang="en-US" dirty="0"/>
               <a:t>Similar to local variables</a:t>
             </a:r>
           </a:p>
           <a:p>
             <a:pPr lvl="1"/>
-            <a:endParaRPr lang="en-US" dirty="0" smtClean="0"/>
+            <a:endParaRPr lang="en-US" dirty="0"/>
           </a:p>
         </p:txBody>
       </p:sp>
@@ -13270,7 +12700,7 @@
           <a:p>
             <a:pPr defTabSz="457200"/>
             <a:r>
-              <a:rPr lang="en-US" sz="2400" dirty="0" smtClean="0">
+              <a:rPr lang="en-US" sz="2400" dirty="0">
                 <a:solidFill>
                   <a:srgbClr val="000099"/>
                 </a:solidFill>
@@ -13283,7 +12713,7 @@
           </a:p>
           <a:p>
             <a:pPr defTabSz="457200"/>
-            <a:endParaRPr lang="en-US" sz="2400" dirty="0" smtClean="0">
+            <a:endParaRPr lang="en-US" sz="2400" dirty="0">
               <a:solidFill>
                 <a:srgbClr val="000099"/>
               </a:solidFill>
@@ -13295,7 +12725,7 @@
           <a:p>
             <a:pPr defTabSz="457200"/>
             <a:r>
-              <a:rPr lang="en-US" sz="2800" dirty="0" smtClean="0">
+              <a:rPr lang="en-US" sz="2800" dirty="0">
                 <a:solidFill>
                   <a:srgbClr val="000099"/>
                 </a:solidFill>
@@ -13308,7 +12738,7 @@
           </a:p>
           <a:p>
             <a:pPr defTabSz="457200"/>
-            <a:endParaRPr lang="en-US" sz="2800" dirty="0" smtClean="0">
+            <a:endParaRPr lang="en-US" sz="2800" dirty="0">
               <a:solidFill>
                 <a:srgbClr val="000099"/>
               </a:solidFill>
@@ -13320,7 +12750,7 @@
           <a:p>
             <a:pPr defTabSz="457200"/>
             <a:r>
-              <a:rPr lang="en-US" sz="2800" dirty="0" err="1" smtClean="0">
+              <a:rPr lang="en-US" sz="2800" dirty="0" err="1">
                 <a:solidFill>
                   <a:srgbClr val="000099"/>
                 </a:solidFill>
@@ -13331,7 +12761,7 @@
               <a:t>int</a:t>
             </a:r>
             <a:r>
-              <a:rPr lang="en-US" sz="2800" dirty="0" smtClean="0">
+              <a:rPr lang="en-US" sz="2800" dirty="0">
                 <a:solidFill>
                   <a:srgbClr val="000099"/>
                 </a:solidFill>
@@ -13345,7 +12775,7 @@
           <a:p>
             <a:pPr defTabSz="457200"/>
             <a:r>
-              <a:rPr lang="en-US" sz="2800" dirty="0" smtClean="0">
+              <a:rPr lang="en-US" sz="2800" dirty="0">
                 <a:solidFill>
                   <a:srgbClr val="000099"/>
                 </a:solidFill>
@@ -13364,9 +12794,7 @@
           <p:cNvGraphicFramePr>
             <a:graphicFrameLocks noGrp="1"/>
           </p:cNvGraphicFramePr>
-          <p:nvPr>
-            <p:extLst/>
-          </p:nvPr>
+          <p:nvPr/>
         </p:nvGraphicFramePr>
         <p:xfrm>
           <a:off x="4495800" y="2506605"/>
@@ -13379,13 +12807,55 @@
                 <a:tableStyleId>{5C22544A-7EE6-4342-B048-85BDC9FD1C3A}</a:tableStyleId>
               </a:tblPr>
               <a:tblGrid>
-                <a:gridCol w="609600"/>
-                <a:gridCol w="609600"/>
-                <a:gridCol w="609600"/>
-                <a:gridCol w="609600"/>
-                <a:gridCol w="609600"/>
-                <a:gridCol w="609600"/>
-                <a:gridCol w="609600"/>
+                <a:gridCol w="609600">
+                  <a:extLst>
+                    <a:ext uri="{9D8B030D-6E8A-4147-A177-3AD203B41FA5}">
+                      <a16:colId xmlns:a16="http://schemas.microsoft.com/office/drawing/2014/main" val="20000"/>
+                    </a:ext>
+                  </a:extLst>
+                </a:gridCol>
+                <a:gridCol w="609600">
+                  <a:extLst>
+                    <a:ext uri="{9D8B030D-6E8A-4147-A177-3AD203B41FA5}">
+                      <a16:colId xmlns:a16="http://schemas.microsoft.com/office/drawing/2014/main" val="20001"/>
+                    </a:ext>
+                  </a:extLst>
+                </a:gridCol>
+                <a:gridCol w="609600">
+                  <a:extLst>
+                    <a:ext uri="{9D8B030D-6E8A-4147-A177-3AD203B41FA5}">
+                      <a16:colId xmlns:a16="http://schemas.microsoft.com/office/drawing/2014/main" val="20002"/>
+                    </a:ext>
+                  </a:extLst>
+                </a:gridCol>
+                <a:gridCol w="609600">
+                  <a:extLst>
+                    <a:ext uri="{9D8B030D-6E8A-4147-A177-3AD203B41FA5}">
+                      <a16:colId xmlns:a16="http://schemas.microsoft.com/office/drawing/2014/main" val="20003"/>
+                    </a:ext>
+                  </a:extLst>
+                </a:gridCol>
+                <a:gridCol w="609600">
+                  <a:extLst>
+                    <a:ext uri="{9D8B030D-6E8A-4147-A177-3AD203B41FA5}">
+                      <a16:colId xmlns:a16="http://schemas.microsoft.com/office/drawing/2014/main" val="20004"/>
+                    </a:ext>
+                  </a:extLst>
+                </a:gridCol>
+                <a:gridCol w="609600">
+                  <a:extLst>
+                    <a:ext uri="{9D8B030D-6E8A-4147-A177-3AD203B41FA5}">
+                      <a16:colId xmlns:a16="http://schemas.microsoft.com/office/drawing/2014/main" val="20005"/>
+                    </a:ext>
+                  </a:extLst>
+                </a:gridCol>
+                <a:gridCol w="609600">
+                  <a:extLst>
+                    <a:ext uri="{9D8B030D-6E8A-4147-A177-3AD203B41FA5}">
+                      <a16:colId xmlns:a16="http://schemas.microsoft.com/office/drawing/2014/main" val="20006"/>
+                    </a:ext>
+                  </a:extLst>
+                </a:gridCol>
               </a:tblGrid>
               <a:tr h="0">
                 <a:tc>
@@ -13395,10 +12865,9 @@
                     <a:p>
                       <a:pPr algn="ctr"/>
                       <a:r>
-                        <a:rPr lang="en-US" sz="2400" dirty="0" smtClean="0"/>
+                        <a:rPr lang="en-US" sz="2400" dirty="0"/>
                         <a:t>2</a:t>
                       </a:r>
-                      <a:endParaRPr lang="en-US" sz="2400" dirty="0"/>
                     </a:p>
                   </a:txBody>
                   <a:tcPr/>
@@ -13410,10 +12879,9 @@
                     <a:p>
                       <a:pPr algn="ctr"/>
                       <a:r>
-                        <a:rPr lang="en-US" sz="2400" dirty="0" smtClean="0"/>
+                        <a:rPr lang="en-US" sz="2400" dirty="0"/>
                         <a:t>1</a:t>
                       </a:r>
-                      <a:endParaRPr lang="en-US" sz="2400" dirty="0"/>
                     </a:p>
                   </a:txBody>
                   <a:tcPr/>
@@ -13473,6 +12941,11 @@
                   </a:txBody>
                   <a:tcPr/>
                 </a:tc>
+                <a:extLst>
+                  <a:ext uri="{0D108BD9-81ED-4DB2-BD59-A6C34878D82A}">
+                    <a16:rowId xmlns:a16="http://schemas.microsoft.com/office/drawing/2014/main" val="10000"/>
+                  </a:ext>
+                </a:extLst>
               </a:tr>
             </a:tbl>
           </a:graphicData>
@@ -13501,7 +12974,7 @@
           <a:lstStyle/>
           <a:p>
             <a:r>
-              <a:rPr lang="en-US" sz="2800" dirty="0" smtClean="0"/>
+              <a:rPr lang="en-US" sz="2800" dirty="0"/>
               <a:t>a</a:t>
             </a:r>
             <a:endParaRPr lang="en-US" dirty="0"/>
@@ -13514,9 +12987,7 @@
           <p:cNvGraphicFramePr>
             <a:graphicFrameLocks noGrp="1"/>
           </p:cNvGraphicFramePr>
-          <p:nvPr>
-            <p:extLst/>
-          </p:nvPr>
+          <p:nvPr/>
         </p:nvGraphicFramePr>
         <p:xfrm>
           <a:off x="4495800" y="3573830"/>
@@ -13529,13 +13000,55 @@
                 <a:tableStyleId>{5C22544A-7EE6-4342-B048-85BDC9FD1C3A}</a:tableStyleId>
               </a:tblPr>
               <a:tblGrid>
-                <a:gridCol w="609600"/>
-                <a:gridCol w="609600"/>
-                <a:gridCol w="609600"/>
-                <a:gridCol w="609600"/>
-                <a:gridCol w="609600"/>
-                <a:gridCol w="609600"/>
-                <a:gridCol w="609600"/>
+                <a:gridCol w="609600">
+                  <a:extLst>
+                    <a:ext uri="{9D8B030D-6E8A-4147-A177-3AD203B41FA5}">
+                      <a16:colId xmlns:a16="http://schemas.microsoft.com/office/drawing/2014/main" val="20000"/>
+                    </a:ext>
+                  </a:extLst>
+                </a:gridCol>
+                <a:gridCol w="609600">
+                  <a:extLst>
+                    <a:ext uri="{9D8B030D-6E8A-4147-A177-3AD203B41FA5}">
+                      <a16:colId xmlns:a16="http://schemas.microsoft.com/office/drawing/2014/main" val="20001"/>
+                    </a:ext>
+                  </a:extLst>
+                </a:gridCol>
+                <a:gridCol w="609600">
+                  <a:extLst>
+                    <a:ext uri="{9D8B030D-6E8A-4147-A177-3AD203B41FA5}">
+                      <a16:colId xmlns:a16="http://schemas.microsoft.com/office/drawing/2014/main" val="20002"/>
+                    </a:ext>
+                  </a:extLst>
+                </a:gridCol>
+                <a:gridCol w="609600">
+                  <a:extLst>
+                    <a:ext uri="{9D8B030D-6E8A-4147-A177-3AD203B41FA5}">
+                      <a16:colId xmlns:a16="http://schemas.microsoft.com/office/drawing/2014/main" val="20003"/>
+                    </a:ext>
+                  </a:extLst>
+                </a:gridCol>
+                <a:gridCol w="609600">
+                  <a:extLst>
+                    <a:ext uri="{9D8B030D-6E8A-4147-A177-3AD203B41FA5}">
+                      <a16:colId xmlns:a16="http://schemas.microsoft.com/office/drawing/2014/main" val="20004"/>
+                    </a:ext>
+                  </a:extLst>
+                </a:gridCol>
+                <a:gridCol w="609600">
+                  <a:extLst>
+                    <a:ext uri="{9D8B030D-6E8A-4147-A177-3AD203B41FA5}">
+                      <a16:colId xmlns:a16="http://schemas.microsoft.com/office/drawing/2014/main" val="20005"/>
+                    </a:ext>
+                  </a:extLst>
+                </a:gridCol>
+                <a:gridCol w="609600">
+                  <a:extLst>
+                    <a:ext uri="{9D8B030D-6E8A-4147-A177-3AD203B41FA5}">
+                      <a16:colId xmlns:a16="http://schemas.microsoft.com/office/drawing/2014/main" val="20006"/>
+                    </a:ext>
+                  </a:extLst>
+                </a:gridCol>
               </a:tblGrid>
               <a:tr h="0">
                 <a:tc>
@@ -13545,10 +13058,9 @@
                     <a:p>
                       <a:pPr algn="ctr"/>
                       <a:r>
-                        <a:rPr lang="en-US" sz="2400" dirty="0" smtClean="0"/>
+                        <a:rPr lang="en-US" sz="2400" dirty="0"/>
                         <a:t>2</a:t>
                       </a:r>
-                      <a:endParaRPr lang="en-US" sz="2400" dirty="0"/>
                     </a:p>
                   </a:txBody>
                   <a:tcPr/>
@@ -13560,10 +13072,9 @@
                     <a:p>
                       <a:pPr algn="ctr"/>
                       <a:r>
-                        <a:rPr lang="en-US" sz="2400" dirty="0" smtClean="0"/>
+                        <a:rPr lang="en-US" sz="2400" dirty="0"/>
                         <a:t>5</a:t>
                       </a:r>
-                      <a:endParaRPr lang="en-US" sz="2400" dirty="0"/>
                     </a:p>
                   </a:txBody>
                   <a:tcPr/>
@@ -13597,10 +13108,9 @@
                     <a:p>
                       <a:pPr algn="ctr"/>
                       <a:r>
-                        <a:rPr lang="en-US" sz="2400" dirty="0" smtClean="0"/>
+                        <a:rPr lang="en-US" sz="2400" dirty="0"/>
                         <a:t>5</a:t>
                       </a:r>
-                      <a:endParaRPr lang="en-US" sz="2400" dirty="0"/>
                     </a:p>
                   </a:txBody>
                   <a:tcPr/>
@@ -13612,10 +13122,9 @@
                     <a:p>
                       <a:pPr algn="ctr"/>
                       <a:r>
-                        <a:rPr lang="en-US" sz="2400" dirty="0" smtClean="0"/>
+                        <a:rPr lang="en-US" sz="2400" dirty="0"/>
                         <a:t>3</a:t>
                       </a:r>
-                      <a:endParaRPr lang="en-US" sz="2400" dirty="0"/>
                     </a:p>
                   </a:txBody>
                   <a:tcPr/>
@@ -13631,6 +13140,11 @@
                   </a:txBody>
                   <a:tcPr/>
                 </a:tc>
+                <a:extLst>
+                  <a:ext uri="{0D108BD9-81ED-4DB2-BD59-A6C34878D82A}">
+                    <a16:rowId xmlns:a16="http://schemas.microsoft.com/office/drawing/2014/main" val="10000"/>
+                  </a:ext>
+                </a:extLst>
               </a:tr>
             </a:tbl>
           </a:graphicData>
@@ -13659,7 +13173,7 @@
           <a:lstStyle/>
           <a:p>
             <a:r>
-              <a:rPr lang="en-US" sz="2800" dirty="0" smtClean="0"/>
+              <a:rPr lang="en-US" sz="2800" dirty="0"/>
               <a:t>a</a:t>
             </a:r>
             <a:endParaRPr lang="en-US" dirty="0"/>
@@ -13689,7 +13203,7 @@
           <a:lstStyle/>
           <a:p>
             <a:r>
-              <a:rPr lang="en-US" sz="2800" dirty="0" err="1" smtClean="0"/>
+              <a:rPr lang="en-US" sz="2800" dirty="0" err="1"/>
               <a:t>coeff</a:t>
             </a:r>
             <a:endParaRPr lang="en-US" dirty="0"/>
@@ -13702,9 +13216,7 @@
           <p:cNvGraphicFramePr>
             <a:graphicFrameLocks noGrp="1"/>
           </p:cNvGraphicFramePr>
-          <p:nvPr>
-            <p:extLst/>
-          </p:nvPr>
+          <p:nvPr/>
         </p:nvGraphicFramePr>
         <p:xfrm>
           <a:off x="4495800" y="4673215"/>
@@ -13717,13 +13229,55 @@
                 <a:tableStyleId>{5C22544A-7EE6-4342-B048-85BDC9FD1C3A}</a:tableStyleId>
               </a:tblPr>
               <a:tblGrid>
-                <a:gridCol w="609600"/>
-                <a:gridCol w="609600"/>
-                <a:gridCol w="609600"/>
-                <a:gridCol w="609600"/>
-                <a:gridCol w="609600"/>
-                <a:gridCol w="609600"/>
-                <a:gridCol w="609600"/>
+                <a:gridCol w="609600">
+                  <a:extLst>
+                    <a:ext uri="{9D8B030D-6E8A-4147-A177-3AD203B41FA5}">
+                      <a16:colId xmlns:a16="http://schemas.microsoft.com/office/drawing/2014/main" val="20000"/>
+                    </a:ext>
+                  </a:extLst>
+                </a:gridCol>
+                <a:gridCol w="609600">
+                  <a:extLst>
+                    <a:ext uri="{9D8B030D-6E8A-4147-A177-3AD203B41FA5}">
+                      <a16:colId xmlns:a16="http://schemas.microsoft.com/office/drawing/2014/main" val="20001"/>
+                    </a:ext>
+                  </a:extLst>
+                </a:gridCol>
+                <a:gridCol w="609600">
+                  <a:extLst>
+                    <a:ext uri="{9D8B030D-6E8A-4147-A177-3AD203B41FA5}">
+                      <a16:colId xmlns:a16="http://schemas.microsoft.com/office/drawing/2014/main" val="20002"/>
+                    </a:ext>
+                  </a:extLst>
+                </a:gridCol>
+                <a:gridCol w="609600">
+                  <a:extLst>
+                    <a:ext uri="{9D8B030D-6E8A-4147-A177-3AD203B41FA5}">
+                      <a16:colId xmlns:a16="http://schemas.microsoft.com/office/drawing/2014/main" val="20003"/>
+                    </a:ext>
+                  </a:extLst>
+                </a:gridCol>
+                <a:gridCol w="609600">
+                  <a:extLst>
+                    <a:ext uri="{9D8B030D-6E8A-4147-A177-3AD203B41FA5}">
+                      <a16:colId xmlns:a16="http://schemas.microsoft.com/office/drawing/2014/main" val="20004"/>
+                    </a:ext>
+                  </a:extLst>
+                </a:gridCol>
+                <a:gridCol w="609600">
+                  <a:extLst>
+                    <a:ext uri="{9D8B030D-6E8A-4147-A177-3AD203B41FA5}">
+                      <a16:colId xmlns:a16="http://schemas.microsoft.com/office/drawing/2014/main" val="20005"/>
+                    </a:ext>
+                  </a:extLst>
+                </a:gridCol>
+                <a:gridCol w="609600">
+                  <a:extLst>
+                    <a:ext uri="{9D8B030D-6E8A-4147-A177-3AD203B41FA5}">
+                      <a16:colId xmlns:a16="http://schemas.microsoft.com/office/drawing/2014/main" val="20006"/>
+                    </a:ext>
+                  </a:extLst>
+                </a:gridCol>
               </a:tblGrid>
               <a:tr h="0">
                 <a:tc>
@@ -13733,10 +13287,9 @@
                     <a:p>
                       <a:pPr algn="ctr"/>
                       <a:r>
-                        <a:rPr lang="en-US" sz="2400" dirty="0" smtClean="0"/>
+                        <a:rPr lang="en-US" sz="2400" dirty="0"/>
                         <a:t>2</a:t>
                       </a:r>
-                      <a:endParaRPr lang="en-US" sz="2400" dirty="0"/>
                     </a:p>
                   </a:txBody>
                   <a:tcPr/>
@@ -13748,10 +13301,9 @@
                     <a:p>
                       <a:pPr algn="ctr"/>
                       <a:r>
-                        <a:rPr lang="en-US" sz="2400" dirty="0" smtClean="0"/>
+                        <a:rPr lang="en-US" sz="2400" dirty="0"/>
                         <a:t>15</a:t>
                       </a:r>
-                      <a:endParaRPr lang="en-US" sz="2400" dirty="0"/>
                     </a:p>
                   </a:txBody>
                   <a:tcPr/>
@@ -13811,6 +13363,11 @@
                   </a:txBody>
                   <a:tcPr/>
                 </a:tc>
+                <a:extLst>
+                  <a:ext uri="{0D108BD9-81ED-4DB2-BD59-A6C34878D82A}">
+                    <a16:rowId xmlns:a16="http://schemas.microsoft.com/office/drawing/2014/main" val="10000"/>
+                  </a:ext>
+                </a:extLst>
               </a:tr>
             </a:tbl>
           </a:graphicData>
@@ -13839,7 +13396,7 @@
           <a:lstStyle/>
           <a:p>
             <a:r>
-              <a:rPr lang="en-US" sz="2800" dirty="0" smtClean="0"/>
+              <a:rPr lang="en-US" sz="2800" dirty="0"/>
               <a:t>a</a:t>
             </a:r>
             <a:endParaRPr lang="en-US" dirty="0"/>
@@ -13869,7 +13426,7 @@
           <a:lstStyle/>
           <a:p>
             <a:r>
-              <a:rPr lang="en-US" sz="2800" dirty="0" smtClean="0"/>
+              <a:rPr lang="en-US" sz="2800" dirty="0"/>
               <a:t>b</a:t>
             </a:r>
             <a:endParaRPr lang="en-US" dirty="0"/>
@@ -13899,7 +13456,7 @@
           <a:lstStyle/>
           <a:p>
             <a:r>
-              <a:rPr lang="en-US" sz="2800" dirty="0" smtClean="0"/>
+              <a:rPr lang="en-US" sz="2800" dirty="0"/>
               <a:t>b</a:t>
             </a:r>
             <a:endParaRPr lang="en-US" dirty="0"/>
@@ -13929,7 +13486,7 @@
           <a:lstStyle/>
           <a:p>
             <a:r>
-              <a:rPr lang="en-US" sz="2800" dirty="0" smtClean="0"/>
+              <a:rPr lang="en-US" sz="2800" dirty="0"/>
               <a:t>b</a:t>
             </a:r>
             <a:endParaRPr lang="en-US" dirty="0"/>
@@ -13973,10 +13530,9 @@
           <a:p>
             <a:pPr algn="ctr"/>
             <a:r>
-              <a:rPr lang="en-US" dirty="0" smtClean="0"/>
+              <a:rPr lang="en-US" dirty="0"/>
               <a:t>2</a:t>
             </a:r>
-            <a:endParaRPr lang="en-US" dirty="0"/>
           </a:p>
         </p:txBody>
       </p:sp>
@@ -14017,10 +13573,9 @@
           <a:p>
             <a:pPr algn="ctr"/>
             <a:r>
-              <a:rPr lang="en-US" dirty="0" smtClean="0"/>
+              <a:rPr lang="en-US" dirty="0"/>
               <a:t>2</a:t>
             </a:r>
-            <a:endParaRPr lang="en-US" dirty="0"/>
           </a:p>
         </p:txBody>
       </p:sp>
@@ -14137,10 +13692,9 @@
           <a:p>
             <a:pPr algn="ctr"/>
             <a:r>
-              <a:rPr lang="en-US" dirty="0" smtClean="0"/>
+              <a:rPr lang="en-US" dirty="0"/>
               <a:t>1</a:t>
             </a:r>
-            <a:endParaRPr lang="en-US" dirty="0"/>
           </a:p>
         </p:txBody>
       </p:sp>
@@ -14181,10 +13735,9 @@
           <a:p>
             <a:pPr algn="ctr"/>
             <a:r>
-              <a:rPr lang="en-US" dirty="0" smtClean="0"/>
+              <a:rPr lang="en-US" dirty="0"/>
               <a:t>1</a:t>
             </a:r>
-            <a:endParaRPr lang="en-US" dirty="0"/>
           </a:p>
         </p:txBody>
       </p:sp>
@@ -14211,7 +13764,7 @@
           <a:lstStyle/>
           <a:p>
             <a:r>
-              <a:rPr lang="en-US" sz="2800" dirty="0" smtClean="0">
+              <a:rPr lang="en-US" sz="2800" dirty="0">
                 <a:solidFill>
                   <a:srgbClr val="FF0000"/>
                 </a:solidFill>
@@ -14236,13 +13789,6 @@
   <p:clrMapOvr>
     <a:masterClrMapping/>
   </p:clrMapOvr>
-  <p:timing>
-    <p:tnLst>
-      <p:par>
-        <p:cTn id="1" dur="indefinite" restart="never" nodeType="tmRoot"/>
-      </p:par>
-    </p:tnLst>
-  </p:timing>
 </p:sld>
 </file>
 
@@ -14279,10 +13825,9 @@
           <a:lstStyle/>
           <a:p>
             <a:r>
-              <a:rPr lang="en-US" dirty="0" smtClean="0"/>
+              <a:rPr lang="en-US" dirty="0"/>
               <a:t>Static Local Variables</a:t>
             </a:r>
-            <a:endParaRPr lang="en-US" dirty="0"/>
           </a:p>
         </p:txBody>
       </p:sp>
@@ -14304,42 +13849,42 @@
           <a:lstStyle/>
           <a:p>
             <a:r>
-              <a:rPr lang="en-US" sz="2800" dirty="0" smtClean="0"/>
+              <a:rPr lang="en-US" sz="2800" dirty="0"/>
               <a:t>Local variables declared with the </a:t>
             </a:r>
             <a:r>
-              <a:rPr lang="en-US" sz="2800" u="sng" dirty="0" smtClean="0"/>
+              <a:rPr lang="en-US" sz="2800" u="sng" dirty="0"/>
               <a:t>static</a:t>
             </a:r>
             <a:r>
-              <a:rPr lang="en-US" sz="2800" dirty="0" smtClean="0"/>
+              <a:rPr lang="en-US" sz="2800" dirty="0"/>
               <a:t> keyword:</a:t>
             </a:r>
           </a:p>
           <a:p>
             <a:pPr lvl="1"/>
             <a:r>
-              <a:rPr lang="en-US" sz="2400" dirty="0" smtClean="0"/>
+              <a:rPr lang="en-US" sz="2400" dirty="0"/>
               <a:t>Permanent storage duration: does not lose value</a:t>
             </a:r>
           </a:p>
           <a:p>
             <a:pPr lvl="1"/>
             <a:r>
-              <a:rPr lang="en-US" sz="2400" dirty="0" smtClean="0"/>
+              <a:rPr lang="en-US" sz="2400" dirty="0"/>
               <a:t>Occupies same memory location throughout</a:t>
             </a:r>
           </a:p>
           <a:p>
             <a:pPr lvl="1"/>
             <a:r>
-              <a:rPr lang="en-US" sz="2400" dirty="0" smtClean="0"/>
+              <a:rPr lang="en-US" sz="2400" dirty="0"/>
               <a:t>Only visible inside function</a:t>
             </a:r>
           </a:p>
           <a:p>
             <a:pPr lvl="1"/>
-            <a:endParaRPr lang="en-US" dirty="0" smtClean="0"/>
+            <a:endParaRPr lang="en-US" dirty="0"/>
           </a:p>
         </p:txBody>
       </p:sp>
@@ -14377,13 +13922,6 @@
   <p:clrMapOvr>
     <a:masterClrMapping/>
   </p:clrMapOvr>
-  <p:timing>
-    <p:tnLst>
-      <p:par>
-        <p:cTn id="1" dur="indefinite" restart="never" nodeType="tmRoot"/>
-      </p:par>
-    </p:tnLst>
-  </p:timing>
 </p:sld>
 </file>
 
@@ -14425,10 +13963,9 @@
           <a:lstStyle/>
           <a:p>
             <a:r>
-              <a:rPr lang="en-US" dirty="0" smtClean="0"/>
+              <a:rPr lang="en-US" dirty="0"/>
               <a:t>Static Variables</a:t>
             </a:r>
-            <a:endParaRPr lang="en-US" dirty="0"/>
           </a:p>
         </p:txBody>
       </p:sp>
@@ -14559,19 +14096,10 @@
                 <a:ea typeface="Consolas" charset="0"/>
                 <a:cs typeface="Consolas" charset="0"/>
               </a:rPr>
-              <a:t> current </a:t>
-            </a:r>
-            <a:r>
-              <a:rPr lang="en-US" sz="2000" dirty="0" smtClean="0">
-                <a:solidFill>
-                  <a:srgbClr val="000099"/>
-                </a:solidFill>
-                <a:latin typeface="Consolas" charset="0"/>
-                <a:ea typeface="Consolas" charset="0"/>
-                <a:cs typeface="Consolas" charset="0"/>
-              </a:rPr>
-              <a:t>= 0</a:t>
-            </a:r>
+              <a:t> current = 0;</a:t>
+            </a:r>
+          </a:p>
+          <a:p>
             <a:r>
               <a:rPr lang="en-US" sz="2000" dirty="0">
                 <a:solidFill>
@@ -14581,7 +14109,7 @@
                 <a:ea typeface="Consolas" charset="0"/>
                 <a:cs typeface="Consolas" charset="0"/>
               </a:rPr>
-              <a:t>;</a:t>
+              <a:t>   current++;</a:t>
             </a:r>
           </a:p>
           <a:p>
@@ -14594,25 +14122,12 @@
                 <a:ea typeface="Consolas" charset="0"/>
                 <a:cs typeface="Consolas" charset="0"/>
               </a:rPr>
-              <a:t>   current++;</a:t>
+              <a:t>   return current;</a:t>
             </a:r>
           </a:p>
           <a:p>
             <a:r>
               <a:rPr lang="en-US" sz="2000" dirty="0">
-                <a:solidFill>
-                  <a:srgbClr val="000099"/>
-                </a:solidFill>
-                <a:latin typeface="Consolas" charset="0"/>
-                <a:ea typeface="Consolas" charset="0"/>
-                <a:cs typeface="Consolas" charset="0"/>
-              </a:rPr>
-              <a:t>   return current;</a:t>
-            </a:r>
-          </a:p>
-          <a:p>
-            <a:r>
-              <a:rPr lang="en-US" sz="2000" dirty="0" smtClean="0">
                 <a:solidFill>
                   <a:srgbClr val="000099"/>
                 </a:solidFill>
@@ -14646,7 +14161,7 @@
           <a:p>
             <a:pPr defTabSz="457200"/>
             <a:r>
-              <a:rPr lang="en-US" sz="2400" dirty="0" smtClean="0">
+              <a:rPr lang="en-US" sz="2400" dirty="0">
                 <a:solidFill>
                   <a:srgbClr val="000099"/>
                 </a:solidFill>
@@ -14660,7 +14175,7 @@
           <a:p>
             <a:pPr defTabSz="457200"/>
             <a:r>
-              <a:rPr lang="en-US" sz="2400" dirty="0" err="1" smtClean="0">
+              <a:rPr lang="en-US" sz="2400" dirty="0" err="1">
                 <a:solidFill>
                   <a:srgbClr val="000099"/>
                 </a:solidFill>
@@ -14671,7 +14186,7 @@
               <a:t>int</a:t>
             </a:r>
             <a:r>
-              <a:rPr lang="en-US" sz="2400" dirty="0" smtClean="0">
+              <a:rPr lang="en-US" sz="2400" dirty="0">
                 <a:solidFill>
                   <a:srgbClr val="000099"/>
                 </a:solidFill>
@@ -14685,7 +14200,7 @@
           <a:p>
             <a:pPr defTabSz="457200"/>
             <a:r>
-              <a:rPr lang="en-US" sz="2400" dirty="0" smtClean="0">
+              <a:rPr lang="en-US" sz="2400" dirty="0">
                 <a:solidFill>
                   <a:srgbClr val="000099"/>
                 </a:solidFill>
@@ -14696,7 +14211,7 @@
               <a:t>a = </a:t>
             </a:r>
             <a:r>
-              <a:rPr lang="en-US" sz="2400" dirty="0" err="1" smtClean="0">
+              <a:rPr lang="en-US" sz="2400" dirty="0" err="1">
                 <a:solidFill>
                   <a:srgbClr val="000099"/>
                 </a:solidFill>
@@ -14707,7 +14222,7 @@
               <a:t>nextNumber</a:t>
             </a:r>
             <a:r>
-              <a:rPr lang="en-US" sz="2400" dirty="0" smtClean="0">
+              <a:rPr lang="en-US" sz="2400" dirty="0">
                 <a:solidFill>
                   <a:srgbClr val="000099"/>
                 </a:solidFill>
@@ -14721,7 +14236,7 @@
           <a:p>
             <a:pPr defTabSz="457200"/>
             <a:r>
-              <a:rPr lang="en-US" sz="2400" dirty="0" smtClean="0">
+              <a:rPr lang="en-US" sz="2400" dirty="0">
                 <a:solidFill>
                   <a:srgbClr val="000099"/>
                 </a:solidFill>
@@ -14735,7 +14250,7 @@
           <a:p>
             <a:pPr defTabSz="457200"/>
             <a:r>
-              <a:rPr lang="en-US" sz="2400" dirty="0" smtClean="0">
+              <a:rPr lang="en-US" sz="2400" dirty="0">
                 <a:solidFill>
                   <a:srgbClr val="000099"/>
                 </a:solidFill>
@@ -14746,7 +14261,7 @@
               <a:t>b = </a:t>
             </a:r>
             <a:r>
-              <a:rPr lang="en-US" sz="2400" dirty="0" err="1" smtClean="0">
+              <a:rPr lang="en-US" sz="2400" dirty="0" err="1">
                 <a:solidFill>
                   <a:srgbClr val="000099"/>
                 </a:solidFill>
@@ -14757,7 +14272,7 @@
               <a:t>nextNumber</a:t>
             </a:r>
             <a:r>
-              <a:rPr lang="en-US" sz="2400" dirty="0" smtClean="0">
+              <a:rPr lang="en-US" sz="2400" dirty="0">
                 <a:solidFill>
                   <a:srgbClr val="000099"/>
                 </a:solidFill>
@@ -14787,9 +14302,7 @@
           <p:cNvGraphicFramePr>
             <a:graphicFrameLocks noGrp="1"/>
           </p:cNvGraphicFramePr>
-          <p:nvPr>
-            <p:extLst/>
-          </p:nvPr>
+          <p:nvPr/>
         </p:nvGraphicFramePr>
         <p:xfrm>
           <a:off x="4495800" y="1790008"/>
@@ -14802,13 +14315,55 @@
                 <a:tableStyleId>{5C22544A-7EE6-4342-B048-85BDC9FD1C3A}</a:tableStyleId>
               </a:tblPr>
               <a:tblGrid>
-                <a:gridCol w="609600"/>
-                <a:gridCol w="609600"/>
-                <a:gridCol w="609600"/>
-                <a:gridCol w="609600"/>
-                <a:gridCol w="609600"/>
-                <a:gridCol w="609600"/>
-                <a:gridCol w="609600"/>
+                <a:gridCol w="609600">
+                  <a:extLst>
+                    <a:ext uri="{9D8B030D-6E8A-4147-A177-3AD203B41FA5}">
+                      <a16:colId xmlns:a16="http://schemas.microsoft.com/office/drawing/2014/main" val="20000"/>
+                    </a:ext>
+                  </a:extLst>
+                </a:gridCol>
+                <a:gridCol w="609600">
+                  <a:extLst>
+                    <a:ext uri="{9D8B030D-6E8A-4147-A177-3AD203B41FA5}">
+                      <a16:colId xmlns:a16="http://schemas.microsoft.com/office/drawing/2014/main" val="20001"/>
+                    </a:ext>
+                  </a:extLst>
+                </a:gridCol>
+                <a:gridCol w="609600">
+                  <a:extLst>
+                    <a:ext uri="{9D8B030D-6E8A-4147-A177-3AD203B41FA5}">
+                      <a16:colId xmlns:a16="http://schemas.microsoft.com/office/drawing/2014/main" val="20002"/>
+                    </a:ext>
+                  </a:extLst>
+                </a:gridCol>
+                <a:gridCol w="609600">
+                  <a:extLst>
+                    <a:ext uri="{9D8B030D-6E8A-4147-A177-3AD203B41FA5}">
+                      <a16:colId xmlns:a16="http://schemas.microsoft.com/office/drawing/2014/main" val="20003"/>
+                    </a:ext>
+                  </a:extLst>
+                </a:gridCol>
+                <a:gridCol w="609600">
+                  <a:extLst>
+                    <a:ext uri="{9D8B030D-6E8A-4147-A177-3AD203B41FA5}">
+                      <a16:colId xmlns:a16="http://schemas.microsoft.com/office/drawing/2014/main" val="20004"/>
+                    </a:ext>
+                  </a:extLst>
+                </a:gridCol>
+                <a:gridCol w="609600">
+                  <a:extLst>
+                    <a:ext uri="{9D8B030D-6E8A-4147-A177-3AD203B41FA5}">
+                      <a16:colId xmlns:a16="http://schemas.microsoft.com/office/drawing/2014/main" val="20005"/>
+                    </a:ext>
+                  </a:extLst>
+                </a:gridCol>
+                <a:gridCol w="609600">
+                  <a:extLst>
+                    <a:ext uri="{9D8B030D-6E8A-4147-A177-3AD203B41FA5}">
+                      <a16:colId xmlns:a16="http://schemas.microsoft.com/office/drawing/2014/main" val="20006"/>
+                    </a:ext>
+                  </a:extLst>
+                </a:gridCol>
               </a:tblGrid>
               <a:tr h="0">
                 <a:tc>
@@ -14818,10 +14373,9 @@
                     <a:p>
                       <a:pPr algn="ctr"/>
                       <a:r>
-                        <a:rPr lang="en-US" sz="2400" dirty="0" smtClean="0"/>
+                        <a:rPr lang="en-US" sz="2400" dirty="0"/>
                         <a:t>0</a:t>
                       </a:r>
-                      <a:endParaRPr lang="en-US" sz="2400" dirty="0"/>
                     </a:p>
                   </a:txBody>
                   <a:tcPr/>
@@ -14833,10 +14387,9 @@
                     <a:p>
                       <a:pPr algn="ctr"/>
                       <a:r>
-                        <a:rPr lang="en-US" sz="2400" dirty="0" smtClean="0"/>
+                        <a:rPr lang="en-US" sz="2400" dirty="0"/>
                         <a:t>0</a:t>
                       </a:r>
-                      <a:endParaRPr lang="en-US" sz="2400" dirty="0"/>
                     </a:p>
                   </a:txBody>
                   <a:tcPr/>
@@ -14881,10 +14434,9 @@
                     <a:p>
                       <a:pPr algn="ctr"/>
                       <a:r>
-                        <a:rPr lang="en-US" sz="2400" dirty="0" smtClean="0"/>
+                        <a:rPr lang="en-US" sz="2400" dirty="0"/>
                         <a:t>0</a:t>
                       </a:r>
-                      <a:endParaRPr lang="en-US" sz="2400" dirty="0"/>
                     </a:p>
                   </a:txBody>
                   <a:tcPr/>
@@ -14900,6 +14452,11 @@
                   </a:txBody>
                   <a:tcPr/>
                 </a:tc>
+                <a:extLst>
+                  <a:ext uri="{0D108BD9-81ED-4DB2-BD59-A6C34878D82A}">
+                    <a16:rowId xmlns:a16="http://schemas.microsoft.com/office/drawing/2014/main" val="10000"/>
+                  </a:ext>
+                </a:extLst>
               </a:tr>
             </a:tbl>
           </a:graphicData>
@@ -14928,7 +14485,7 @@
           <a:lstStyle/>
           <a:p>
             <a:r>
-              <a:rPr lang="en-US" sz="2800" dirty="0" smtClean="0"/>
+              <a:rPr lang="en-US" sz="2800" dirty="0"/>
               <a:t>a</a:t>
             </a:r>
             <a:endParaRPr lang="en-US" dirty="0"/>
@@ -14941,9 +14498,7 @@
           <p:cNvGraphicFramePr>
             <a:graphicFrameLocks noGrp="1"/>
           </p:cNvGraphicFramePr>
-          <p:nvPr>
-            <p:extLst/>
-          </p:nvPr>
+          <p:nvPr/>
         </p:nvGraphicFramePr>
         <p:xfrm>
           <a:off x="4495800" y="2857233"/>
@@ -14956,13 +14511,55 @@
                 <a:tableStyleId>{5C22544A-7EE6-4342-B048-85BDC9FD1C3A}</a:tableStyleId>
               </a:tblPr>
               <a:tblGrid>
-                <a:gridCol w="609600"/>
-                <a:gridCol w="609600"/>
-                <a:gridCol w="609600"/>
-                <a:gridCol w="609600"/>
-                <a:gridCol w="609600"/>
-                <a:gridCol w="609600"/>
-                <a:gridCol w="609600"/>
+                <a:gridCol w="609600">
+                  <a:extLst>
+                    <a:ext uri="{9D8B030D-6E8A-4147-A177-3AD203B41FA5}">
+                      <a16:colId xmlns:a16="http://schemas.microsoft.com/office/drawing/2014/main" val="20000"/>
+                    </a:ext>
+                  </a:extLst>
+                </a:gridCol>
+                <a:gridCol w="609600">
+                  <a:extLst>
+                    <a:ext uri="{9D8B030D-6E8A-4147-A177-3AD203B41FA5}">
+                      <a16:colId xmlns:a16="http://schemas.microsoft.com/office/drawing/2014/main" val="20001"/>
+                    </a:ext>
+                  </a:extLst>
+                </a:gridCol>
+                <a:gridCol w="609600">
+                  <a:extLst>
+                    <a:ext uri="{9D8B030D-6E8A-4147-A177-3AD203B41FA5}">
+                      <a16:colId xmlns:a16="http://schemas.microsoft.com/office/drawing/2014/main" val="20002"/>
+                    </a:ext>
+                  </a:extLst>
+                </a:gridCol>
+                <a:gridCol w="609600">
+                  <a:extLst>
+                    <a:ext uri="{9D8B030D-6E8A-4147-A177-3AD203B41FA5}">
+                      <a16:colId xmlns:a16="http://schemas.microsoft.com/office/drawing/2014/main" val="20003"/>
+                    </a:ext>
+                  </a:extLst>
+                </a:gridCol>
+                <a:gridCol w="609600">
+                  <a:extLst>
+                    <a:ext uri="{9D8B030D-6E8A-4147-A177-3AD203B41FA5}">
+                      <a16:colId xmlns:a16="http://schemas.microsoft.com/office/drawing/2014/main" val="20004"/>
+                    </a:ext>
+                  </a:extLst>
+                </a:gridCol>
+                <a:gridCol w="609600">
+                  <a:extLst>
+                    <a:ext uri="{9D8B030D-6E8A-4147-A177-3AD203B41FA5}">
+                      <a16:colId xmlns:a16="http://schemas.microsoft.com/office/drawing/2014/main" val="20005"/>
+                    </a:ext>
+                  </a:extLst>
+                </a:gridCol>
+                <a:gridCol w="609600">
+                  <a:extLst>
+                    <a:ext uri="{9D8B030D-6E8A-4147-A177-3AD203B41FA5}">
+                      <a16:colId xmlns:a16="http://schemas.microsoft.com/office/drawing/2014/main" val="20006"/>
+                    </a:ext>
+                  </a:extLst>
+                </a:gridCol>
               </a:tblGrid>
               <a:tr h="0">
                 <a:tc>
@@ -14972,10 +14569,9 @@
                     <a:p>
                       <a:pPr algn="ctr"/>
                       <a:r>
-                        <a:rPr lang="en-US" sz="2400" dirty="0" smtClean="0"/>
+                        <a:rPr lang="en-US" sz="2400" dirty="0"/>
                         <a:t>0</a:t>
                       </a:r>
-                      <a:endParaRPr lang="en-US" sz="2400" dirty="0"/>
                     </a:p>
                   </a:txBody>
                   <a:tcPr/>
@@ -14987,10 +14583,9 @@
                     <a:p>
                       <a:pPr algn="ctr"/>
                       <a:r>
-                        <a:rPr lang="en-US" sz="2400" dirty="0" smtClean="0"/>
+                        <a:rPr lang="en-US" sz="2400" dirty="0"/>
                         <a:t>1</a:t>
                       </a:r>
-                      <a:endParaRPr lang="en-US" sz="2400" dirty="0"/>
                     </a:p>
                   </a:txBody>
                   <a:tcPr/>
@@ -15035,10 +14630,9 @@
                     <a:p>
                       <a:pPr algn="ctr"/>
                       <a:r>
-                        <a:rPr lang="en-US" sz="2400" dirty="0" smtClean="0"/>
+                        <a:rPr lang="en-US" sz="2400" dirty="0"/>
                         <a:t>1</a:t>
                       </a:r>
-                      <a:endParaRPr lang="en-US" sz="2400" dirty="0"/>
                     </a:p>
                   </a:txBody>
                   <a:tcPr/>
@@ -15054,6 +14648,11 @@
                   </a:txBody>
                   <a:tcPr/>
                 </a:tc>
+                <a:extLst>
+                  <a:ext uri="{0D108BD9-81ED-4DB2-BD59-A6C34878D82A}">
+                    <a16:rowId xmlns:a16="http://schemas.microsoft.com/office/drawing/2014/main" val="10000"/>
+                  </a:ext>
+                </a:extLst>
               </a:tr>
             </a:tbl>
           </a:graphicData>
@@ -15082,7 +14681,7 @@
           <a:lstStyle/>
           <a:p>
             <a:r>
-              <a:rPr lang="en-US" sz="2800" dirty="0" smtClean="0"/>
+              <a:rPr lang="en-US" sz="2800" dirty="0"/>
               <a:t>a</a:t>
             </a:r>
             <a:endParaRPr lang="en-US" dirty="0"/>
@@ -15112,7 +14711,7 @@
           <a:lstStyle/>
           <a:p>
             <a:r>
-              <a:rPr lang="en-US" sz="2800" dirty="0" smtClean="0"/>
+              <a:rPr lang="en-US" sz="2800" dirty="0"/>
               <a:t>current</a:t>
             </a:r>
             <a:endParaRPr lang="en-US" dirty="0"/>
@@ -15125,9 +14724,7 @@
           <p:cNvGraphicFramePr>
             <a:graphicFrameLocks noGrp="1"/>
           </p:cNvGraphicFramePr>
-          <p:nvPr>
-            <p:extLst/>
-          </p:nvPr>
+          <p:nvPr/>
         </p:nvGraphicFramePr>
         <p:xfrm>
           <a:off x="4495800" y="3956618"/>
@@ -15140,13 +14737,55 @@
                 <a:tableStyleId>{5C22544A-7EE6-4342-B048-85BDC9FD1C3A}</a:tableStyleId>
               </a:tblPr>
               <a:tblGrid>
-                <a:gridCol w="609600"/>
-                <a:gridCol w="609600"/>
-                <a:gridCol w="609600"/>
-                <a:gridCol w="609600"/>
-                <a:gridCol w="609600"/>
-                <a:gridCol w="609600"/>
-                <a:gridCol w="609600"/>
+                <a:gridCol w="609600">
+                  <a:extLst>
+                    <a:ext uri="{9D8B030D-6E8A-4147-A177-3AD203B41FA5}">
+                      <a16:colId xmlns:a16="http://schemas.microsoft.com/office/drawing/2014/main" val="20000"/>
+                    </a:ext>
+                  </a:extLst>
+                </a:gridCol>
+                <a:gridCol w="609600">
+                  <a:extLst>
+                    <a:ext uri="{9D8B030D-6E8A-4147-A177-3AD203B41FA5}">
+                      <a16:colId xmlns:a16="http://schemas.microsoft.com/office/drawing/2014/main" val="20001"/>
+                    </a:ext>
+                  </a:extLst>
+                </a:gridCol>
+                <a:gridCol w="609600">
+                  <a:extLst>
+                    <a:ext uri="{9D8B030D-6E8A-4147-A177-3AD203B41FA5}">
+                      <a16:colId xmlns:a16="http://schemas.microsoft.com/office/drawing/2014/main" val="20002"/>
+                    </a:ext>
+                  </a:extLst>
+                </a:gridCol>
+                <a:gridCol w="609600">
+                  <a:extLst>
+                    <a:ext uri="{9D8B030D-6E8A-4147-A177-3AD203B41FA5}">
+                      <a16:colId xmlns:a16="http://schemas.microsoft.com/office/drawing/2014/main" val="20003"/>
+                    </a:ext>
+                  </a:extLst>
+                </a:gridCol>
+                <a:gridCol w="609600">
+                  <a:extLst>
+                    <a:ext uri="{9D8B030D-6E8A-4147-A177-3AD203B41FA5}">
+                      <a16:colId xmlns:a16="http://schemas.microsoft.com/office/drawing/2014/main" val="20004"/>
+                    </a:ext>
+                  </a:extLst>
+                </a:gridCol>
+                <a:gridCol w="609600">
+                  <a:extLst>
+                    <a:ext uri="{9D8B030D-6E8A-4147-A177-3AD203B41FA5}">
+                      <a16:colId xmlns:a16="http://schemas.microsoft.com/office/drawing/2014/main" val="20005"/>
+                    </a:ext>
+                  </a:extLst>
+                </a:gridCol>
+                <a:gridCol w="609600">
+                  <a:extLst>
+                    <a:ext uri="{9D8B030D-6E8A-4147-A177-3AD203B41FA5}">
+                      <a16:colId xmlns:a16="http://schemas.microsoft.com/office/drawing/2014/main" val="20006"/>
+                    </a:ext>
+                  </a:extLst>
+                </a:gridCol>
               </a:tblGrid>
               <a:tr h="0">
                 <a:tc>
@@ -15156,10 +14795,9 @@
                     <a:p>
                       <a:pPr algn="ctr"/>
                       <a:r>
-                        <a:rPr lang="en-US" sz="2400" dirty="0" smtClean="0"/>
+                        <a:rPr lang="en-US" sz="2400" dirty="0"/>
                         <a:t>2</a:t>
                       </a:r>
-                      <a:endParaRPr lang="en-US" sz="2400" dirty="0"/>
                     </a:p>
                   </a:txBody>
                   <a:tcPr/>
@@ -15171,10 +14809,9 @@
                     <a:p>
                       <a:pPr algn="ctr"/>
                       <a:r>
-                        <a:rPr lang="en-US" sz="2400" dirty="0" smtClean="0"/>
+                        <a:rPr lang="en-US" sz="2400" dirty="0"/>
                         <a:t>1</a:t>
                       </a:r>
-                      <a:endParaRPr lang="en-US" sz="2400" dirty="0"/>
                     </a:p>
                   </a:txBody>
                   <a:tcPr/>
@@ -15219,10 +14856,9 @@
                     <a:p>
                       <a:pPr algn="ctr"/>
                       <a:r>
-                        <a:rPr lang="en-US" sz="2400" dirty="0" smtClean="0"/>
+                        <a:rPr lang="en-US" sz="2400" dirty="0"/>
                         <a:t>2</a:t>
                       </a:r>
-                      <a:endParaRPr lang="en-US" sz="2400" dirty="0"/>
                     </a:p>
                   </a:txBody>
                   <a:tcPr/>
@@ -15238,6 +14874,11 @@
                   </a:txBody>
                   <a:tcPr/>
                 </a:tc>
+                <a:extLst>
+                  <a:ext uri="{0D108BD9-81ED-4DB2-BD59-A6C34878D82A}">
+                    <a16:rowId xmlns:a16="http://schemas.microsoft.com/office/drawing/2014/main" val="10000"/>
+                  </a:ext>
+                </a:extLst>
               </a:tr>
             </a:tbl>
           </a:graphicData>
@@ -15266,7 +14907,7 @@
           <a:lstStyle/>
           <a:p>
             <a:r>
-              <a:rPr lang="en-US" sz="2800" dirty="0" smtClean="0"/>
+              <a:rPr lang="en-US" sz="2800" dirty="0"/>
               <a:t>a</a:t>
             </a:r>
             <a:endParaRPr lang="en-US" dirty="0"/>
@@ -15296,7 +14937,7 @@
           <a:lstStyle/>
           <a:p>
             <a:r>
-              <a:rPr lang="en-US" sz="2800" dirty="0" smtClean="0"/>
+              <a:rPr lang="en-US" sz="2800" dirty="0"/>
               <a:t>b</a:t>
             </a:r>
             <a:endParaRPr lang="en-US" dirty="0"/>
@@ -15326,7 +14967,7 @@
           <a:lstStyle/>
           <a:p>
             <a:r>
-              <a:rPr lang="en-US" sz="2800" dirty="0" smtClean="0"/>
+              <a:rPr lang="en-US" sz="2800" dirty="0"/>
               <a:t>b</a:t>
             </a:r>
             <a:endParaRPr lang="en-US" dirty="0"/>
@@ -15356,7 +14997,7 @@
           <a:lstStyle/>
           <a:p>
             <a:r>
-              <a:rPr lang="en-US" sz="2800" dirty="0" smtClean="0"/>
+              <a:rPr lang="en-US" sz="2800" dirty="0"/>
               <a:t>b</a:t>
             </a:r>
             <a:endParaRPr lang="en-US" dirty="0"/>
@@ -15400,10 +15041,9 @@
           <a:p>
             <a:pPr algn="ctr"/>
             <a:r>
-              <a:rPr lang="en-US" dirty="0" smtClean="0"/>
+              <a:rPr lang="en-US" dirty="0"/>
               <a:t>2</a:t>
             </a:r>
-            <a:endParaRPr lang="en-US" dirty="0"/>
           </a:p>
         </p:txBody>
       </p:sp>
@@ -15444,10 +15084,9 @@
           <a:p>
             <a:pPr algn="ctr"/>
             <a:r>
-              <a:rPr lang="en-US" dirty="0" smtClean="0"/>
+              <a:rPr lang="en-US" dirty="0"/>
               <a:t>3</a:t>
             </a:r>
-            <a:endParaRPr lang="en-US" dirty="0"/>
           </a:p>
         </p:txBody>
       </p:sp>
@@ -15488,10 +15127,9 @@
           <a:p>
             <a:pPr algn="ctr"/>
             <a:r>
-              <a:rPr lang="en-US" dirty="0" smtClean="0"/>
+              <a:rPr lang="en-US" dirty="0"/>
               <a:t>2</a:t>
             </a:r>
-            <a:endParaRPr lang="en-US" dirty="0"/>
           </a:p>
         </p:txBody>
       </p:sp>
@@ -15532,10 +15170,9 @@
           <a:p>
             <a:pPr algn="ctr"/>
             <a:r>
-              <a:rPr lang="en-US" dirty="0" smtClean="0"/>
+              <a:rPr lang="en-US" dirty="0"/>
               <a:t>3</a:t>
             </a:r>
-            <a:endParaRPr lang="en-US" dirty="0"/>
           </a:p>
         </p:txBody>
       </p:sp>
@@ -15576,10 +15213,9 @@
           <a:p>
             <a:pPr algn="ctr"/>
             <a:r>
-              <a:rPr lang="en-US" dirty="0" smtClean="0"/>
+              <a:rPr lang="en-US" dirty="0"/>
               <a:t>1</a:t>
             </a:r>
-            <a:endParaRPr lang="en-US" dirty="0"/>
           </a:p>
         </p:txBody>
       </p:sp>
@@ -15620,10 +15256,9 @@
           <a:p>
             <a:pPr algn="ctr"/>
             <a:r>
-              <a:rPr lang="en-US" dirty="0" smtClean="0"/>
+              <a:rPr lang="en-US" dirty="0"/>
               <a:t>1</a:t>
             </a:r>
-            <a:endParaRPr lang="en-US" dirty="0"/>
           </a:p>
         </p:txBody>
       </p:sp>
@@ -15650,7 +15285,7 @@
           <a:lstStyle/>
           <a:p>
             <a:r>
-              <a:rPr lang="en-US" sz="2800" dirty="0" smtClean="0"/>
+              <a:rPr lang="en-US" sz="2800" dirty="0"/>
               <a:t>current</a:t>
             </a:r>
             <a:endParaRPr lang="en-US" dirty="0"/>
@@ -15680,7 +15315,7 @@
           <a:lstStyle/>
           <a:p>
             <a:r>
-              <a:rPr lang="en-US" sz="2800" dirty="0" smtClean="0"/>
+              <a:rPr lang="en-US" sz="2800" dirty="0"/>
               <a:t>current</a:t>
             </a:r>
             <a:endParaRPr lang="en-US" dirty="0"/>
@@ -15710,7 +15345,7 @@
           <a:lstStyle/>
           <a:p>
             <a:r>
-              <a:rPr lang="en-US" sz="2000" dirty="0" err="1" smtClean="0">
+              <a:rPr lang="en-US" sz="2000" dirty="0" err="1">
                 <a:latin typeface="Consolas" charset="0"/>
                 <a:ea typeface="Consolas" charset="0"/>
                 <a:cs typeface="Consolas" charset="0"/>
@@ -15718,18 +15353,13 @@
               <a:t>printf</a:t>
             </a:r>
             <a:r>
-              <a:rPr lang="en-US" sz="2000" dirty="0" smtClean="0">
+              <a:rPr lang="en-US" sz="2000" dirty="0">
                 <a:latin typeface="Consolas" charset="0"/>
                 <a:ea typeface="Consolas" charset="0"/>
                 <a:cs typeface="Consolas" charset="0"/>
               </a:rPr>
               <a:t>(“%d”, current);</a:t>
             </a:r>
-            <a:endParaRPr lang="en-US" sz="2000" dirty="0">
-              <a:latin typeface="Consolas" charset="0"/>
-              <a:ea typeface="Consolas" charset="0"/>
-              <a:cs typeface="Consolas" charset="0"/>
-            </a:endParaRPr>
           </a:p>
         </p:txBody>
       </p:sp>
@@ -15810,18 +15440,13 @@
           <a:p>
             <a:pPr algn="ctr"/>
             <a:r>
-              <a:rPr lang="en-US" sz="2800" dirty="0" smtClean="0">
+              <a:rPr lang="en-US" sz="2800" dirty="0">
                 <a:solidFill>
                   <a:srgbClr val="C00000"/>
                 </a:solidFill>
               </a:rPr>
               <a:t>Compilation Error</a:t>
             </a:r>
-            <a:endParaRPr lang="en-US" sz="2800" dirty="0">
-              <a:solidFill>
-                <a:srgbClr val="C00000"/>
-              </a:solidFill>
-            </a:endParaRPr>
           </a:p>
         </p:txBody>
       </p:sp>
@@ -15849,7 +15474,6 @@
               <a:rPr lang="en-US" dirty="0"/>
               <a:t>7</a:t>
             </a:r>
-            <a:endParaRPr lang="en-US" dirty="0"/>
           </a:p>
         </p:txBody>
       </p:sp>
@@ -16051,10 +15675,9 @@
           <a:lstStyle/>
           <a:p>
             <a:r>
-              <a:rPr lang="en-US" dirty="0" smtClean="0"/>
+              <a:rPr lang="en-US" dirty="0"/>
               <a:t>External Variables</a:t>
             </a:r>
-            <a:endParaRPr lang="en-US" dirty="0"/>
           </a:p>
         </p:txBody>
       </p:sp>
@@ -16076,32 +15699,32 @@
           <a:lstStyle/>
           <a:p>
             <a:r>
-              <a:rPr lang="en-US" sz="2800" dirty="0" smtClean="0"/>
+              <a:rPr lang="en-US" sz="2800" dirty="0"/>
               <a:t>Variables declared outside the body of a function</a:t>
             </a:r>
           </a:p>
           <a:p>
             <a:pPr lvl="1"/>
             <a:r>
-              <a:rPr lang="en-US" sz="2400" dirty="0" smtClean="0"/>
+              <a:rPr lang="en-US" sz="2400" dirty="0"/>
               <a:t>External/Global variables</a:t>
             </a:r>
           </a:p>
           <a:p>
             <a:pPr lvl="1"/>
             <a:r>
-              <a:rPr lang="en-US" sz="2400" dirty="0" smtClean="0"/>
+              <a:rPr lang="en-US" sz="2400" dirty="0"/>
               <a:t>Static storage duration</a:t>
             </a:r>
           </a:p>
           <a:p>
             <a:pPr lvl="1"/>
             <a:r>
-              <a:rPr lang="en-US" sz="2400" b="1" dirty="0" smtClean="0"/>
+              <a:rPr lang="en-US" sz="2400" b="1" dirty="0"/>
               <a:t>File scope</a:t>
             </a:r>
             <a:r>
-              <a:rPr lang="en-US" sz="2400" dirty="0" smtClean="0"/>
+              <a:rPr lang="en-US" sz="2400" dirty="0"/>
               <a:t>: visible from declaration until end of enclosing file</a:t>
             </a:r>
           </a:p>
@@ -16141,13 +15764,6 @@
   <p:clrMapOvr>
     <a:masterClrMapping/>
   </p:clrMapOvr>
-  <p:timing>
-    <p:tnLst>
-      <p:par>
-        <p:cTn id="1" dur="indefinite" restart="never" nodeType="tmRoot"/>
-      </p:par>
-    </p:tnLst>
-  </p:timing>
 </p:sld>
 </file>
 
@@ -16184,10 +15800,9 @@
           <a:lstStyle/>
           <a:p>
             <a:r>
-              <a:rPr lang="en-US" dirty="0" smtClean="0"/>
+              <a:rPr lang="en-US" dirty="0"/>
               <a:t>External Variables</a:t>
             </a:r>
-            <a:endParaRPr lang="en-US" dirty="0"/>
           </a:p>
         </p:txBody>
       </p:sp>
@@ -16211,7 +15826,7 @@
             <a:pPr marL="457200" lvl="1" indent="0">
               <a:buNone/>
             </a:pPr>
-            <a:endParaRPr lang="en-US" dirty="0" smtClean="0">
+            <a:endParaRPr lang="en-US" dirty="0">
               <a:solidFill>
                 <a:srgbClr val="000099"/>
               </a:solidFill>
@@ -16221,7 +15836,7 @@
             <a:pPr marL="457200" lvl="1" indent="0">
               <a:buNone/>
             </a:pPr>
-            <a:endParaRPr lang="en-US" dirty="0" smtClean="0">
+            <a:endParaRPr lang="en-US" dirty="0">
               <a:solidFill>
                 <a:srgbClr val="000099"/>
               </a:solidFill>
@@ -16282,7 +15897,7 @@
           <a:lstStyle/>
           <a:p>
             <a:r>
-              <a:rPr lang="en-US" sz="2000" dirty="0" smtClean="0">
+              <a:rPr lang="en-US" sz="2000" dirty="0">
                 <a:solidFill>
                   <a:srgbClr val="000099"/>
                 </a:solidFill>
@@ -16293,7 +15908,7 @@
               <a:t>#include &lt;</a:t>
             </a:r>
             <a:r>
-              <a:rPr lang="en-US" sz="2000" dirty="0" err="1" smtClean="0">
+              <a:rPr lang="en-US" sz="2000" dirty="0" err="1">
                 <a:solidFill>
                   <a:srgbClr val="000099"/>
                 </a:solidFill>
@@ -16304,7 +15919,7 @@
               <a:t>stdio.h</a:t>
             </a:r>
             <a:r>
-              <a:rPr lang="en-US" sz="2000" dirty="0" smtClean="0">
+              <a:rPr lang="en-US" sz="2000" dirty="0">
                 <a:solidFill>
                   <a:srgbClr val="000099"/>
                 </a:solidFill>
@@ -16317,7 +15932,7 @@
           </a:p>
           <a:p>
             <a:r>
-              <a:rPr lang="en-US" sz="2000" dirty="0" smtClean="0">
+              <a:rPr lang="en-US" sz="2000" dirty="0">
                 <a:solidFill>
                   <a:srgbClr val="000099"/>
                 </a:solidFill>
@@ -16329,38 +15944,6 @@
             </a:r>
           </a:p>
           <a:p>
-            <a:endParaRPr lang="en-US" sz="2000" dirty="0" smtClean="0">
-              <a:solidFill>
-                <a:srgbClr val="000099"/>
-              </a:solidFill>
-              <a:latin typeface="Consolas" charset="0"/>
-              <a:ea typeface="Consolas" charset="0"/>
-              <a:cs typeface="Consolas" charset="0"/>
-            </a:endParaRPr>
-          </a:p>
-          <a:p>
-            <a:r>
-              <a:rPr lang="en-US" sz="2000" dirty="0" err="1" smtClean="0">
-                <a:solidFill>
-                  <a:srgbClr val="000099"/>
-                </a:solidFill>
-                <a:latin typeface="Consolas" charset="0"/>
-                <a:ea typeface="Consolas" charset="0"/>
-                <a:cs typeface="Consolas" charset="0"/>
-              </a:rPr>
-              <a:t>int</a:t>
-            </a:r>
-            <a:r>
-              <a:rPr lang="en-US" sz="2000" dirty="0" smtClean="0">
-                <a:solidFill>
-                  <a:srgbClr val="000099"/>
-                </a:solidFill>
-                <a:latin typeface="Consolas" charset="0"/>
-                <a:ea typeface="Consolas" charset="0"/>
-                <a:cs typeface="Consolas" charset="0"/>
-              </a:rPr>
-              <a:t> content[MAXSZ];</a:t>
-            </a:r>
             <a:endParaRPr lang="en-US" sz="2000" dirty="0">
               <a:solidFill>
                 <a:srgbClr val="000099"/>
@@ -16372,7 +15955,7 @@
           </a:p>
           <a:p>
             <a:r>
-              <a:rPr lang="en-US" sz="2000" dirty="0" err="1" smtClean="0">
+              <a:rPr lang="en-US" sz="2000" dirty="0" err="1">
                 <a:solidFill>
                   <a:srgbClr val="000099"/>
                 </a:solidFill>
@@ -16383,7 +15966,31 @@
               <a:t>int</a:t>
             </a:r>
             <a:r>
-              <a:rPr lang="en-US" sz="2000" dirty="0" smtClean="0">
+              <a:rPr lang="en-US" sz="2000" dirty="0">
+                <a:solidFill>
+                  <a:srgbClr val="000099"/>
+                </a:solidFill>
+                <a:latin typeface="Consolas" charset="0"/>
+                <a:ea typeface="Consolas" charset="0"/>
+                <a:cs typeface="Consolas" charset="0"/>
+              </a:rPr>
+              <a:t> content[MAXSZ];</a:t>
+            </a:r>
+          </a:p>
+          <a:p>
+            <a:r>
+              <a:rPr lang="en-US" sz="2000" dirty="0" err="1">
+                <a:solidFill>
+                  <a:srgbClr val="000099"/>
+                </a:solidFill>
+                <a:latin typeface="Consolas" charset="0"/>
+                <a:ea typeface="Consolas" charset="0"/>
+                <a:cs typeface="Consolas" charset="0"/>
+              </a:rPr>
+              <a:t>int</a:t>
+            </a:r>
+            <a:r>
+              <a:rPr lang="en-US" sz="2000" dirty="0">
                 <a:solidFill>
                   <a:srgbClr val="000099"/>
                 </a:solidFill>
@@ -16395,7 +16002,7 @@
             </a:r>
           </a:p>
           <a:p>
-            <a:endParaRPr lang="en-US" sz="2000" dirty="0" smtClean="0">
+            <a:endParaRPr lang="en-US" sz="2000" dirty="0">
               <a:solidFill>
                 <a:srgbClr val="000099"/>
               </a:solidFill>
@@ -16406,7 +16013,7 @@
           </a:p>
           <a:p>
             <a:r>
-              <a:rPr lang="en-US" sz="2000" dirty="0" smtClean="0">
+              <a:rPr lang="en-US" sz="2000" dirty="0">
                 <a:solidFill>
                   <a:srgbClr val="000099"/>
                 </a:solidFill>
@@ -16417,7 +16024,7 @@
               <a:t>void </a:t>
             </a:r>
             <a:r>
-              <a:rPr lang="en-US" sz="2000" dirty="0" err="1" smtClean="0">
+              <a:rPr lang="en-US" sz="2000" dirty="0" err="1">
                 <a:solidFill>
                   <a:srgbClr val="000099"/>
                 </a:solidFill>
@@ -16428,7 +16035,7 @@
               <a:t>addOne</a:t>
             </a:r>
             <a:r>
-              <a:rPr lang="en-US" sz="2000" dirty="0" smtClean="0">
+              <a:rPr lang="en-US" sz="2000" dirty="0">
                 <a:solidFill>
                   <a:srgbClr val="000099"/>
                 </a:solidFill>
@@ -16439,7 +16046,7 @@
               <a:t>(</a:t>
             </a:r>
             <a:r>
-              <a:rPr lang="en-US" sz="2000" dirty="0" err="1" smtClean="0">
+              <a:rPr lang="en-US" sz="2000" dirty="0" err="1">
                 <a:solidFill>
                   <a:srgbClr val="000099"/>
                 </a:solidFill>
@@ -16450,7 +16057,7 @@
               <a:t>int</a:t>
             </a:r>
             <a:r>
-              <a:rPr lang="en-US" sz="2000" dirty="0" smtClean="0">
+              <a:rPr lang="en-US" sz="2000" dirty="0">
                 <a:solidFill>
                   <a:srgbClr val="000099"/>
                 </a:solidFill>
@@ -16463,7 +16070,7 @@
           </a:p>
           <a:p>
             <a:r>
-              <a:rPr lang="en-US" sz="2000" dirty="0" smtClean="0">
+              <a:rPr lang="en-US" sz="2000" dirty="0">
                 <a:solidFill>
                   <a:srgbClr val="000099"/>
                 </a:solidFill>
@@ -16476,7 +16083,7 @@
           </a:p>
           <a:p>
             <a:r>
-              <a:rPr lang="en-US" sz="2000" dirty="0" smtClean="0">
+              <a:rPr lang="en-US" sz="2000" dirty="0">
                 <a:solidFill>
                   <a:srgbClr val="000099"/>
                 </a:solidFill>
@@ -16489,7 +16096,7 @@
           </a:p>
           <a:p>
             <a:r>
-              <a:rPr lang="en-US" sz="2000" dirty="0" smtClean="0">
+              <a:rPr lang="en-US" sz="2000" dirty="0">
                 <a:solidFill>
                   <a:srgbClr val="000099"/>
                 </a:solidFill>
@@ -16587,18 +16194,10 @@
               </a:rPr>
               <a:t>   return last == MAXSZ - 1; </a:t>
             </a:r>
-            <a:endParaRPr lang="en-US" dirty="0" smtClean="0">
-              <a:solidFill>
-                <a:srgbClr val="000099"/>
-              </a:solidFill>
-              <a:latin typeface="Consolas" charset="0"/>
-              <a:ea typeface="Consolas" charset="0"/>
-              <a:cs typeface="Consolas" charset="0"/>
-            </a:endParaRPr>
-          </a:p>
-          <a:p>
-            <a:r>
-              <a:rPr lang="en-US" dirty="0" smtClean="0">
+          </a:p>
+          <a:p>
+            <a:r>
+              <a:rPr lang="en-US" dirty="0">
                 <a:solidFill>
                   <a:srgbClr val="000099"/>
                 </a:solidFill>
@@ -16621,7 +16220,7 @@
           </a:p>
           <a:p>
             <a:r>
-              <a:rPr lang="en-US" dirty="0" err="1" smtClean="0">
+              <a:rPr lang="en-US" dirty="0" err="1">
                 <a:solidFill>
                   <a:srgbClr val="000099"/>
                 </a:solidFill>
@@ -16632,7 +16231,7 @@
               <a:t>int</a:t>
             </a:r>
             <a:r>
-              <a:rPr lang="en-US" dirty="0" smtClean="0">
+              <a:rPr lang="en-US" dirty="0">
                 <a:solidFill>
                   <a:srgbClr val="000099"/>
                 </a:solidFill>
@@ -16653,43 +16252,111 @@
                 <a:ea typeface="Consolas" charset="0"/>
                 <a:cs typeface="Consolas" charset="0"/>
               </a:rPr>
+              <a:t>    </a:t>
+            </a:r>
+            <a:r>
+              <a:rPr lang="en-US" dirty="0" err="1">
+                <a:solidFill>
+                  <a:srgbClr val="000099"/>
+                </a:solidFill>
+                <a:latin typeface="Consolas" charset="0"/>
+                <a:ea typeface="Consolas" charset="0"/>
+                <a:cs typeface="Consolas" charset="0"/>
+              </a:rPr>
+              <a:t>int</a:t>
+            </a:r>
+            <a:r>
+              <a:rPr lang="en-US" dirty="0">
+                <a:solidFill>
+                  <a:srgbClr val="000099"/>
+                </a:solidFill>
+                <a:latin typeface="Consolas" charset="0"/>
+                <a:ea typeface="Consolas" charset="0"/>
+                <a:cs typeface="Consolas" charset="0"/>
+              </a:rPr>
+              <a:t> count;</a:t>
+            </a:r>
+          </a:p>
+          <a:p>
+            <a:r>
+              <a:rPr lang="en-US" dirty="0">
+                <a:solidFill>
+                  <a:srgbClr val="000099"/>
+                </a:solidFill>
+                <a:latin typeface="Consolas" charset="0"/>
+                <a:ea typeface="Consolas" charset="0"/>
+                <a:cs typeface="Consolas" charset="0"/>
+              </a:rPr>
+              <a:t>    </a:t>
+            </a:r>
+            <a:r>
+              <a:rPr lang="en-US" dirty="0" err="1">
+                <a:solidFill>
+                  <a:srgbClr val="000099"/>
+                </a:solidFill>
+                <a:latin typeface="Consolas" charset="0"/>
+                <a:ea typeface="Consolas" charset="0"/>
+                <a:cs typeface="Consolas" charset="0"/>
+              </a:rPr>
+              <a:t>scanf</a:t>
+            </a:r>
+            <a:r>
+              <a:rPr lang="en-US" dirty="0">
+                <a:solidFill>
+                  <a:srgbClr val="000099"/>
+                </a:solidFill>
+                <a:latin typeface="Consolas" charset="0"/>
+                <a:ea typeface="Consolas" charset="0"/>
+                <a:cs typeface="Consolas" charset="0"/>
+              </a:rPr>
+              <a:t>(“%d”, &amp;count);</a:t>
+            </a:r>
+          </a:p>
+          <a:p>
+            <a:r>
+              <a:rPr lang="en-US" dirty="0">
+                <a:solidFill>
+                  <a:srgbClr val="000099"/>
+                </a:solidFill>
+                <a:latin typeface="Consolas" charset="0"/>
+                <a:ea typeface="Consolas" charset="0"/>
+                <a:cs typeface="Consolas" charset="0"/>
+              </a:rPr>
+              <a:t>    for (</a:t>
+            </a:r>
+            <a:r>
+              <a:rPr lang="en-US" dirty="0" err="1">
+                <a:solidFill>
+                  <a:srgbClr val="000099"/>
+                </a:solidFill>
+                <a:latin typeface="Consolas" charset="0"/>
+                <a:ea typeface="Consolas" charset="0"/>
+                <a:cs typeface="Consolas" charset="0"/>
+              </a:rPr>
+              <a:t>int</a:t>
+            </a:r>
+            <a:r>
+              <a:rPr lang="en-US" dirty="0">
+                <a:solidFill>
+                  <a:srgbClr val="000099"/>
+                </a:solidFill>
+                <a:latin typeface="Consolas" charset="0"/>
+                <a:ea typeface="Consolas" charset="0"/>
+                <a:cs typeface="Consolas" charset="0"/>
+              </a:rPr>
               <a:t> </a:t>
             </a:r>
             <a:r>
-              <a:rPr lang="en-US" dirty="0" smtClean="0">
-                <a:solidFill>
-                  <a:srgbClr val="000099"/>
-                </a:solidFill>
-                <a:latin typeface="Consolas" charset="0"/>
-                <a:ea typeface="Consolas" charset="0"/>
-                <a:cs typeface="Consolas" charset="0"/>
-              </a:rPr>
-              <a:t>   </a:t>
-            </a:r>
-            <a:r>
-              <a:rPr lang="en-US" dirty="0" err="1" smtClean="0">
-                <a:solidFill>
-                  <a:srgbClr val="000099"/>
-                </a:solidFill>
-                <a:latin typeface="Consolas" charset="0"/>
-                <a:ea typeface="Consolas" charset="0"/>
-                <a:cs typeface="Consolas" charset="0"/>
-              </a:rPr>
-              <a:t>int</a:t>
-            </a:r>
-            <a:r>
-              <a:rPr lang="en-US" dirty="0" smtClean="0">
-                <a:solidFill>
-                  <a:srgbClr val="000099"/>
-                </a:solidFill>
-                <a:latin typeface="Consolas" charset="0"/>
-                <a:ea typeface="Consolas" charset="0"/>
-                <a:cs typeface="Consolas" charset="0"/>
-              </a:rPr>
-              <a:t> count;</a:t>
-            </a:r>
-          </a:p>
-          <a:p>
+              <a:rPr lang="en-US" dirty="0" err="1">
+                <a:solidFill>
+                  <a:srgbClr val="000099"/>
+                </a:solidFill>
+                <a:latin typeface="Consolas" charset="0"/>
+                <a:ea typeface="Consolas" charset="0"/>
+                <a:cs typeface="Consolas" charset="0"/>
+              </a:rPr>
+              <a:t>i</a:t>
+            </a:r>
             <a:r>
               <a:rPr lang="en-US" dirty="0">
                 <a:solidFill>
@@ -16699,43 +16366,19 @@
                 <a:ea typeface="Consolas" charset="0"/>
                 <a:cs typeface="Consolas" charset="0"/>
               </a:rPr>
-              <a:t> </a:t>
-            </a:r>
-            <a:r>
-              <a:rPr lang="en-US" dirty="0" smtClean="0">
-                <a:solidFill>
-                  <a:srgbClr val="000099"/>
-                </a:solidFill>
-                <a:latin typeface="Consolas" charset="0"/>
-                <a:ea typeface="Consolas" charset="0"/>
-                <a:cs typeface="Consolas" charset="0"/>
-              </a:rPr>
-              <a:t>   </a:t>
-            </a:r>
-            <a:r>
-              <a:rPr lang="en-US" dirty="0" err="1" smtClean="0">
-                <a:solidFill>
-                  <a:srgbClr val="000099"/>
-                </a:solidFill>
-                <a:latin typeface="Consolas" charset="0"/>
-                <a:ea typeface="Consolas" charset="0"/>
-                <a:cs typeface="Consolas" charset="0"/>
-              </a:rPr>
-              <a:t>scanf</a:t>
-            </a:r>
-            <a:r>
-              <a:rPr lang="en-US" dirty="0" smtClean="0">
-                <a:solidFill>
-                  <a:srgbClr val="000099"/>
-                </a:solidFill>
-                <a:latin typeface="Consolas" charset="0"/>
-                <a:ea typeface="Consolas" charset="0"/>
-                <a:cs typeface="Consolas" charset="0"/>
-              </a:rPr>
-              <a:t>(“%d”, &amp;count);</a:t>
-            </a:r>
-          </a:p>
-          <a:p>
+              <a:t>=0, </a:t>
+            </a:r>
+            <a:r>
+              <a:rPr lang="en-US" dirty="0" err="1">
+                <a:solidFill>
+                  <a:srgbClr val="000099"/>
+                </a:solidFill>
+                <a:latin typeface="Consolas" charset="0"/>
+                <a:ea typeface="Consolas" charset="0"/>
+                <a:cs typeface="Consolas" charset="0"/>
+              </a:rPr>
+              <a:t>i</a:t>
+            </a:r>
             <a:r>
               <a:rPr lang="en-US" dirty="0">
                 <a:solidFill>
@@ -16745,43 +16388,10 @@
                 <a:ea typeface="Consolas" charset="0"/>
                 <a:cs typeface="Consolas" charset="0"/>
               </a:rPr>
-              <a:t> </a:t>
-            </a:r>
-            <a:r>
-              <a:rPr lang="en-US" dirty="0" smtClean="0">
-                <a:solidFill>
-                  <a:srgbClr val="000099"/>
-                </a:solidFill>
-                <a:latin typeface="Consolas" charset="0"/>
-                <a:ea typeface="Consolas" charset="0"/>
-                <a:cs typeface="Consolas" charset="0"/>
-              </a:rPr>
-              <a:t>   for (</a:t>
-            </a:r>
-            <a:r>
-              <a:rPr lang="en-US" dirty="0" err="1" smtClean="0">
-                <a:solidFill>
-                  <a:srgbClr val="000099"/>
-                </a:solidFill>
-                <a:latin typeface="Consolas" charset="0"/>
-                <a:ea typeface="Consolas" charset="0"/>
-                <a:cs typeface="Consolas" charset="0"/>
-              </a:rPr>
-              <a:t>int</a:t>
-            </a:r>
-            <a:r>
-              <a:rPr lang="en-US" dirty="0" smtClean="0">
-                <a:solidFill>
-                  <a:srgbClr val="000099"/>
-                </a:solidFill>
-                <a:latin typeface="Consolas" charset="0"/>
-                <a:ea typeface="Consolas" charset="0"/>
-                <a:cs typeface="Consolas" charset="0"/>
-              </a:rPr>
-              <a:t> </a:t>
-            </a:r>
-            <a:r>
-              <a:rPr lang="en-US" dirty="0" err="1" smtClean="0">
+              <a:t>&lt;count; </a:t>
+            </a:r>
+            <a:r>
+              <a:rPr lang="en-US" dirty="0" err="1">
                 <a:solidFill>
                   <a:srgbClr val="000099"/>
                 </a:solidFill>
@@ -16792,51 +16402,7 @@
               <a:t>i</a:t>
             </a:r>
             <a:r>
-              <a:rPr lang="en-US" dirty="0" smtClean="0">
-                <a:solidFill>
-                  <a:srgbClr val="000099"/>
-                </a:solidFill>
-                <a:latin typeface="Consolas" charset="0"/>
-                <a:ea typeface="Consolas" charset="0"/>
-                <a:cs typeface="Consolas" charset="0"/>
-              </a:rPr>
-              <a:t>=0, </a:t>
-            </a:r>
-            <a:r>
-              <a:rPr lang="en-US" dirty="0" err="1" smtClean="0">
-                <a:solidFill>
-                  <a:srgbClr val="000099"/>
-                </a:solidFill>
-                <a:latin typeface="Consolas" charset="0"/>
-                <a:ea typeface="Consolas" charset="0"/>
-                <a:cs typeface="Consolas" charset="0"/>
-              </a:rPr>
-              <a:t>i</a:t>
-            </a:r>
-            <a:r>
-              <a:rPr lang="en-US" dirty="0" smtClean="0">
-                <a:solidFill>
-                  <a:srgbClr val="000099"/>
-                </a:solidFill>
-                <a:latin typeface="Consolas" charset="0"/>
-                <a:ea typeface="Consolas" charset="0"/>
-                <a:cs typeface="Consolas" charset="0"/>
-              </a:rPr>
-              <a:t>&lt;count; </a:t>
-            </a:r>
-            <a:r>
-              <a:rPr lang="en-US" dirty="0" err="1" smtClean="0">
-                <a:solidFill>
-                  <a:srgbClr val="000099"/>
-                </a:solidFill>
-                <a:latin typeface="Consolas" charset="0"/>
-                <a:ea typeface="Consolas" charset="0"/>
-                <a:cs typeface="Consolas" charset="0"/>
-              </a:rPr>
-              <a:t>i</a:t>
-            </a:r>
-            <a:r>
-              <a:rPr lang="en-US" dirty="0" smtClean="0">
+              <a:rPr lang="en-US" dirty="0">
                 <a:solidFill>
                   <a:srgbClr val="000099"/>
                 </a:solidFill>
@@ -16849,7 +16415,7 @@
           </a:p>
           <a:p>
             <a:r>
-              <a:rPr lang="en-US" dirty="0" smtClean="0">
+              <a:rPr lang="en-US" dirty="0">
                 <a:solidFill>
                   <a:srgbClr val="000099"/>
                 </a:solidFill>
@@ -16860,7 +16426,7 @@
               <a:t>        if (!</a:t>
             </a:r>
             <a:r>
-              <a:rPr lang="en-US" dirty="0" err="1" smtClean="0">
+              <a:rPr lang="en-US" dirty="0" err="1">
                 <a:solidFill>
                   <a:srgbClr val="000099"/>
                 </a:solidFill>
@@ -16871,7 +16437,7 @@
               <a:t>isFull</a:t>
             </a:r>
             <a:r>
-              <a:rPr lang="en-US" dirty="0" smtClean="0">
+              <a:rPr lang="en-US" dirty="0">
                 <a:solidFill>
                   <a:srgbClr val="000099"/>
                 </a:solidFill>
@@ -16884,7 +16450,7 @@
           </a:p>
           <a:p>
             <a:r>
-              <a:rPr lang="en-US" dirty="0" smtClean="0">
+              <a:rPr lang="en-US" dirty="0">
                 <a:solidFill>
                   <a:srgbClr val="000099"/>
                 </a:solidFill>
@@ -16895,7 +16461,7 @@
               <a:t>             </a:t>
             </a:r>
             <a:r>
-              <a:rPr lang="en-US" dirty="0" err="1" smtClean="0">
+              <a:rPr lang="en-US" dirty="0" err="1">
                 <a:solidFill>
                   <a:srgbClr val="000099"/>
                 </a:solidFill>
@@ -16906,7 +16472,7 @@
               <a:t>addOne</a:t>
             </a:r>
             <a:r>
-              <a:rPr lang="en-US" dirty="0" smtClean="0">
+              <a:rPr lang="en-US" dirty="0">
                 <a:solidFill>
                   <a:srgbClr val="000099"/>
                 </a:solidFill>
@@ -16927,18 +16493,7 @@
                 <a:ea typeface="Consolas" charset="0"/>
                 <a:cs typeface="Consolas" charset="0"/>
               </a:rPr>
-              <a:t> </a:t>
-            </a:r>
-            <a:r>
-              <a:rPr lang="en-US" dirty="0" smtClean="0">
-                <a:solidFill>
-                  <a:srgbClr val="000099"/>
-                </a:solidFill>
-                <a:latin typeface="Consolas" charset="0"/>
-                <a:ea typeface="Consolas" charset="0"/>
-                <a:cs typeface="Consolas" charset="0"/>
-              </a:rPr>
-              <a:t>       } else {</a:t>
+              <a:t>        } else {</a:t>
             </a:r>
           </a:p>
           <a:p>
@@ -16951,18 +16506,7 @@
                 <a:ea typeface="Consolas" charset="0"/>
                 <a:cs typeface="Consolas" charset="0"/>
               </a:rPr>
-              <a:t> </a:t>
-            </a:r>
-            <a:r>
-              <a:rPr lang="en-US" dirty="0" smtClean="0">
-                <a:solidFill>
-                  <a:srgbClr val="000099"/>
-                </a:solidFill>
-                <a:latin typeface="Consolas" charset="0"/>
-                <a:ea typeface="Consolas" charset="0"/>
-                <a:cs typeface="Consolas" charset="0"/>
-              </a:rPr>
-              <a:t>            break;</a:t>
+              <a:t>             break;</a:t>
             </a:r>
           </a:p>
           <a:p>
@@ -16975,23 +16519,12 @@
                 <a:ea typeface="Consolas" charset="0"/>
                 <a:cs typeface="Consolas" charset="0"/>
               </a:rPr>
-              <a:t>	</a:t>
-            </a:r>
-            <a:r>
-              <a:rPr lang="en-US" dirty="0" smtClean="0">
-                <a:solidFill>
-                  <a:srgbClr val="000099"/>
-                </a:solidFill>
-                <a:latin typeface="Consolas" charset="0"/>
-                <a:ea typeface="Consolas" charset="0"/>
-                <a:cs typeface="Consolas" charset="0"/>
-              </a:rPr>
-              <a:t> }</a:t>
-            </a:r>
-          </a:p>
-          <a:p>
-            <a:r>
-              <a:rPr lang="en-US" dirty="0" smtClean="0">
+              <a:t>	 }</a:t>
+            </a:r>
+          </a:p>
+          <a:p>
+            <a:r>
+              <a:rPr lang="en-US" dirty="0">
                 <a:solidFill>
                   <a:srgbClr val="000099"/>
                 </a:solidFill>
@@ -17014,13 +16547,6 @@
   <p:clrMapOvr>
     <a:masterClrMapping/>
   </p:clrMapOvr>
-  <p:timing>
-    <p:tnLst>
-      <p:par>
-        <p:cTn id="1" dur="indefinite" restart="never" nodeType="tmRoot"/>
-      </p:par>
-    </p:tnLst>
-  </p:timing>
 </p:sld>
 </file>
 
